--- a/docs/Controller Mappings & Paths.pptx
+++ b/docs/Controller Mappings & Paths.pptx
@@ -7,6 +7,11 @@
   <p:sldIdLst>
     <p:sldId id="257" r:id="rId2"/>
     <p:sldId id="256" r:id="rId3"/>
+    <p:sldId id="258" r:id="rId4"/>
+    <p:sldId id="259" r:id="rId5"/>
+    <p:sldId id="260" r:id="rId6"/>
+    <p:sldId id="261" r:id="rId7"/>
+    <p:sldId id="262" r:id="rId8"/>
   </p:sldIdLst>
   <p:sldSz cx="12192000" cy="6858000"/>
   <p:notesSz cx="6858000" cy="9144000"/>
@@ -260,7 +265,7 @@
           <a:p>
             <a:fld id="{B6000E93-69C7-4C90-931E-A5484B820028}" type="datetimeFigureOut">
               <a:rPr lang="en-US" smtClean="0"/>
-              <a:t>2/9/2026</a:t>
+              <a:t>2/16/2026</a:t>
             </a:fld>
             <a:endParaRPr lang="en-US"/>
           </a:p>
@@ -458,7 +463,7 @@
           <a:p>
             <a:fld id="{B6000E93-69C7-4C90-931E-A5484B820028}" type="datetimeFigureOut">
               <a:rPr lang="en-US" smtClean="0"/>
-              <a:t>2/9/2026</a:t>
+              <a:t>2/16/2026</a:t>
             </a:fld>
             <a:endParaRPr lang="en-US"/>
           </a:p>
@@ -666,7 +671,7 @@
           <a:p>
             <a:fld id="{B6000E93-69C7-4C90-931E-A5484B820028}" type="datetimeFigureOut">
               <a:rPr lang="en-US" smtClean="0"/>
-              <a:t>2/9/2026</a:t>
+              <a:t>2/16/2026</a:t>
             </a:fld>
             <a:endParaRPr lang="en-US"/>
           </a:p>
@@ -864,7 +869,7 @@
           <a:p>
             <a:fld id="{B6000E93-69C7-4C90-931E-A5484B820028}" type="datetimeFigureOut">
               <a:rPr lang="en-US" smtClean="0"/>
-              <a:t>2/9/2026</a:t>
+              <a:t>2/16/2026</a:t>
             </a:fld>
             <a:endParaRPr lang="en-US"/>
           </a:p>
@@ -1139,7 +1144,7 @@
           <a:p>
             <a:fld id="{B6000E93-69C7-4C90-931E-A5484B820028}" type="datetimeFigureOut">
               <a:rPr lang="en-US" smtClean="0"/>
-              <a:t>2/9/2026</a:t>
+              <a:t>2/16/2026</a:t>
             </a:fld>
             <a:endParaRPr lang="en-US"/>
           </a:p>
@@ -1404,7 +1409,7 @@
           <a:p>
             <a:fld id="{B6000E93-69C7-4C90-931E-A5484B820028}" type="datetimeFigureOut">
               <a:rPr lang="en-US" smtClean="0"/>
-              <a:t>2/9/2026</a:t>
+              <a:t>2/16/2026</a:t>
             </a:fld>
             <a:endParaRPr lang="en-US"/>
           </a:p>
@@ -1816,7 +1821,7 @@
           <a:p>
             <a:fld id="{B6000E93-69C7-4C90-931E-A5484B820028}" type="datetimeFigureOut">
               <a:rPr lang="en-US" smtClean="0"/>
-              <a:t>2/9/2026</a:t>
+              <a:t>2/16/2026</a:t>
             </a:fld>
             <a:endParaRPr lang="en-US"/>
           </a:p>
@@ -1957,7 +1962,7 @@
           <a:p>
             <a:fld id="{B6000E93-69C7-4C90-931E-A5484B820028}" type="datetimeFigureOut">
               <a:rPr lang="en-US" smtClean="0"/>
-              <a:t>2/9/2026</a:t>
+              <a:t>2/16/2026</a:t>
             </a:fld>
             <a:endParaRPr lang="en-US"/>
           </a:p>
@@ -2070,7 +2075,7 @@
           <a:p>
             <a:fld id="{B6000E93-69C7-4C90-931E-A5484B820028}" type="datetimeFigureOut">
               <a:rPr lang="en-US" smtClean="0"/>
-              <a:t>2/9/2026</a:t>
+              <a:t>2/16/2026</a:t>
             </a:fld>
             <a:endParaRPr lang="en-US"/>
           </a:p>
@@ -2381,7 +2386,7 @@
           <a:p>
             <a:fld id="{B6000E93-69C7-4C90-931E-A5484B820028}" type="datetimeFigureOut">
               <a:rPr lang="en-US" smtClean="0"/>
-              <a:t>2/9/2026</a:t>
+              <a:t>2/16/2026</a:t>
             </a:fld>
             <a:endParaRPr lang="en-US"/>
           </a:p>
@@ -2669,7 +2674,7 @@
           <a:p>
             <a:fld id="{B6000E93-69C7-4C90-931E-A5484B820028}" type="datetimeFigureOut">
               <a:rPr lang="en-US" smtClean="0"/>
-              <a:t>2/9/2026</a:t>
+              <a:t>2/16/2026</a:t>
             </a:fld>
             <a:endParaRPr lang="en-US"/>
           </a:p>
@@ -2910,7 +2915,7 @@
           <a:p>
             <a:fld id="{B6000E93-69C7-4C90-931E-A5484B820028}" type="datetimeFigureOut">
               <a:rPr lang="en-US" smtClean="0"/>
-              <a:t>2/9/2026</a:t>
+              <a:t>2/16/2026</a:t>
             </a:fld>
             <a:endParaRPr lang="en-US"/>
           </a:p>
@@ -3821,12 +3826,12 @@
           <a:p>
             <a:pPr algn="ctr"/>
             <a:r>
-              <a:rPr lang="en-US" dirty="0">
+              <a:rPr lang="en-US" sz="1600" dirty="0">
                 <a:solidFill>
                   <a:schemeClr val="tx2"/>
                 </a:solidFill>
               </a:rPr>
-              <a:t>Approach Coral</a:t>
+              <a:t>Approach Outpost</a:t>
             </a:r>
           </a:p>
         </p:txBody>
@@ -3912,7 +3917,7 @@
         </p:nvSpPr>
         <p:spPr>
           <a:xfrm>
-            <a:off x="6770384" y="1489643"/>
+            <a:off x="6663158" y="1139840"/>
             <a:ext cx="1595535" cy="317241"/>
           </a:xfrm>
           <a:prstGeom prst="rect">
@@ -5378,10 +5383,7687 @@
           </a:prstGeom>
         </p:spPr>
       </p:pic>
+      <p:sp>
+        <p:nvSpPr>
+          <p:cNvPr id="2" name="TextBox 1">
+            <a:extLst>
+              <a:ext uri="{FF2B5EF4-FFF2-40B4-BE49-F238E27FC236}">
+                <a16:creationId xmlns:a16="http://schemas.microsoft.com/office/drawing/2014/main" id="{F9DC9F18-5C71-1C67-7875-F6E985B75457}"/>
+              </a:ext>
+            </a:extLst>
+          </p:cNvPr>
+          <p:cNvSpPr txBox="1"/>
+          <p:nvPr/>
+        </p:nvSpPr>
+        <p:spPr>
+          <a:xfrm>
+            <a:off x="345233" y="335902"/>
+            <a:ext cx="2584579" cy="584775"/>
+          </a:xfrm>
+          <a:prstGeom prst="rect">
+            <a:avLst/>
+          </a:prstGeom>
+          <a:noFill/>
+        </p:spPr>
+        <p:txBody>
+          <a:bodyPr wrap="square" rtlCol="0">
+            <a:spAutoFit/>
+          </a:bodyPr>
+          <a:lstStyle/>
+          <a:p>
+            <a:r>
+              <a:rPr lang="en-US" sz="3200" b="1" dirty="0"/>
+              <a:t>Shooter</a:t>
+            </a:r>
+          </a:p>
+        </p:txBody>
+      </p:sp>
+      <p:sp>
+        <p:nvSpPr>
+          <p:cNvPr id="3" name="Rectangle 2">
+            <a:extLst>
+              <a:ext uri="{FF2B5EF4-FFF2-40B4-BE49-F238E27FC236}">
+                <a16:creationId xmlns:a16="http://schemas.microsoft.com/office/drawing/2014/main" id="{0B5697CC-03CB-CE08-D24D-B1023261C902}"/>
+              </a:ext>
+            </a:extLst>
+          </p:cNvPr>
+          <p:cNvSpPr/>
+          <p:nvPr/>
+        </p:nvSpPr>
+        <p:spPr>
+          <a:xfrm>
+            <a:off x="9703304" y="3150217"/>
+            <a:ext cx="1595535" cy="317241"/>
+          </a:xfrm>
+          <a:prstGeom prst="rect">
+            <a:avLst/>
+          </a:prstGeom>
+          <a:solidFill>
+            <a:schemeClr val="accent6">
+              <a:lumMod val="20000"/>
+              <a:lumOff val="80000"/>
+            </a:schemeClr>
+          </a:solidFill>
+          <a:ln>
+            <a:solidFill>
+              <a:schemeClr val="accent2">
+                <a:lumMod val="20000"/>
+                <a:lumOff val="80000"/>
+              </a:schemeClr>
+            </a:solidFill>
+          </a:ln>
+        </p:spPr>
+        <p:style>
+          <a:lnRef idx="2">
+            <a:schemeClr val="accent1">
+              <a:shade val="15000"/>
+            </a:schemeClr>
+          </a:lnRef>
+          <a:fillRef idx="1">
+            <a:schemeClr val="accent1"/>
+          </a:fillRef>
+          <a:effectRef idx="0">
+            <a:schemeClr val="accent1"/>
+          </a:effectRef>
+          <a:fontRef idx="minor">
+            <a:schemeClr val="lt1"/>
+          </a:fontRef>
+        </p:style>
+        <p:txBody>
+          <a:bodyPr rtlCol="0" anchor="ctr"/>
+          <a:lstStyle/>
+          <a:p>
+            <a:pPr algn="ctr"/>
+            <a:r>
+              <a:rPr lang="en-US" dirty="0">
+                <a:solidFill>
+                  <a:schemeClr val="tx2"/>
+                </a:solidFill>
+              </a:rPr>
+              <a:t>Face Ladder</a:t>
+            </a:r>
+          </a:p>
+        </p:txBody>
+      </p:sp>
+      <p:sp>
+        <p:nvSpPr>
+          <p:cNvPr id="4" name="Rectangle 3">
+            <a:extLst>
+              <a:ext uri="{FF2B5EF4-FFF2-40B4-BE49-F238E27FC236}">
+                <a16:creationId xmlns:a16="http://schemas.microsoft.com/office/drawing/2014/main" id="{4D68B21B-BC45-4D8E-3E39-987DC3CFE410}"/>
+              </a:ext>
+            </a:extLst>
+          </p:cNvPr>
+          <p:cNvSpPr/>
+          <p:nvPr/>
+        </p:nvSpPr>
+        <p:spPr>
+          <a:xfrm>
+            <a:off x="3307337" y="603434"/>
+            <a:ext cx="1926144" cy="317241"/>
+          </a:xfrm>
+          <a:prstGeom prst="rect">
+            <a:avLst/>
+          </a:prstGeom>
+          <a:solidFill>
+            <a:schemeClr val="accent6">
+              <a:lumMod val="20000"/>
+              <a:lumOff val="80000"/>
+            </a:schemeClr>
+          </a:solidFill>
+          <a:ln>
+            <a:solidFill>
+              <a:schemeClr val="accent2">
+                <a:lumMod val="20000"/>
+                <a:lumOff val="80000"/>
+              </a:schemeClr>
+            </a:solidFill>
+          </a:ln>
+        </p:spPr>
+        <p:style>
+          <a:lnRef idx="2">
+            <a:schemeClr val="accent1">
+              <a:shade val="15000"/>
+            </a:schemeClr>
+          </a:lnRef>
+          <a:fillRef idx="1">
+            <a:schemeClr val="accent1"/>
+          </a:fillRef>
+          <a:effectRef idx="0">
+            <a:schemeClr val="accent1"/>
+          </a:effectRef>
+          <a:fontRef idx="minor">
+            <a:schemeClr val="lt1"/>
+          </a:fontRef>
+        </p:style>
+        <p:txBody>
+          <a:bodyPr rtlCol="0" anchor="ctr"/>
+          <a:lstStyle/>
+          <a:p>
+            <a:pPr algn="ctr"/>
+            <a:r>
+              <a:rPr lang="en-US" dirty="0">
+                <a:solidFill>
+                  <a:schemeClr val="tx2"/>
+                </a:solidFill>
+              </a:rPr>
+              <a:t>Approach Depot</a:t>
+            </a:r>
+          </a:p>
+        </p:txBody>
+      </p:sp>
+      <p:sp>
+        <p:nvSpPr>
+          <p:cNvPr id="5" name="Rectangle 4">
+            <a:extLst>
+              <a:ext uri="{FF2B5EF4-FFF2-40B4-BE49-F238E27FC236}">
+                <a16:creationId xmlns:a16="http://schemas.microsoft.com/office/drawing/2014/main" id="{AB91D089-99E6-4C80-CEDD-42DC02C41662}"/>
+              </a:ext>
+            </a:extLst>
+          </p:cNvPr>
+          <p:cNvSpPr/>
+          <p:nvPr/>
+        </p:nvSpPr>
+        <p:spPr>
+          <a:xfrm>
+            <a:off x="8664034" y="603435"/>
+            <a:ext cx="2078544" cy="317241"/>
+          </a:xfrm>
+          <a:prstGeom prst="rect">
+            <a:avLst/>
+          </a:prstGeom>
+          <a:solidFill>
+            <a:schemeClr val="accent6">
+              <a:lumMod val="20000"/>
+              <a:lumOff val="80000"/>
+            </a:schemeClr>
+          </a:solidFill>
+          <a:ln>
+            <a:solidFill>
+              <a:schemeClr val="accent2">
+                <a:lumMod val="20000"/>
+                <a:lumOff val="80000"/>
+              </a:schemeClr>
+            </a:solidFill>
+          </a:ln>
+        </p:spPr>
+        <p:style>
+          <a:lnRef idx="2">
+            <a:schemeClr val="accent1">
+              <a:shade val="15000"/>
+            </a:schemeClr>
+          </a:lnRef>
+          <a:fillRef idx="1">
+            <a:schemeClr val="accent1"/>
+          </a:fillRef>
+          <a:effectRef idx="0">
+            <a:schemeClr val="accent1"/>
+          </a:effectRef>
+          <a:fontRef idx="minor">
+            <a:schemeClr val="lt1"/>
+          </a:fontRef>
+        </p:style>
+        <p:txBody>
+          <a:bodyPr rtlCol="0" anchor="ctr"/>
+          <a:lstStyle/>
+          <a:p>
+            <a:pPr algn="ctr"/>
+            <a:r>
+              <a:rPr lang="en-US" dirty="0">
+                <a:solidFill>
+                  <a:schemeClr val="tx2"/>
+                </a:solidFill>
+              </a:rPr>
+              <a:t>Right Bump Drive</a:t>
+            </a:r>
+          </a:p>
+        </p:txBody>
+      </p:sp>
+      <p:sp>
+        <p:nvSpPr>
+          <p:cNvPr id="6" name="Rectangle 5">
+            <a:extLst>
+              <a:ext uri="{FF2B5EF4-FFF2-40B4-BE49-F238E27FC236}">
+                <a16:creationId xmlns:a16="http://schemas.microsoft.com/office/drawing/2014/main" id="{A6C29E48-BE65-CBBC-E66E-A7B03C987EF2}"/>
+              </a:ext>
+            </a:extLst>
+          </p:cNvPr>
+          <p:cNvSpPr/>
+          <p:nvPr/>
+        </p:nvSpPr>
+        <p:spPr>
+          <a:xfrm>
+            <a:off x="5616035" y="603436"/>
+            <a:ext cx="2078544" cy="317241"/>
+          </a:xfrm>
+          <a:prstGeom prst="rect">
+            <a:avLst/>
+          </a:prstGeom>
+          <a:solidFill>
+            <a:schemeClr val="accent6">
+              <a:lumMod val="20000"/>
+              <a:lumOff val="80000"/>
+            </a:schemeClr>
+          </a:solidFill>
+          <a:ln>
+            <a:solidFill>
+              <a:schemeClr val="accent2">
+                <a:lumMod val="20000"/>
+                <a:lumOff val="80000"/>
+              </a:schemeClr>
+            </a:solidFill>
+          </a:ln>
+        </p:spPr>
+        <p:style>
+          <a:lnRef idx="2">
+            <a:schemeClr val="accent1">
+              <a:shade val="15000"/>
+            </a:schemeClr>
+          </a:lnRef>
+          <a:fillRef idx="1">
+            <a:schemeClr val="accent1"/>
+          </a:fillRef>
+          <a:effectRef idx="0">
+            <a:schemeClr val="accent1"/>
+          </a:effectRef>
+          <a:fontRef idx="minor">
+            <a:schemeClr val="lt1"/>
+          </a:fontRef>
+        </p:style>
+        <p:txBody>
+          <a:bodyPr rtlCol="0" anchor="ctr"/>
+          <a:lstStyle/>
+          <a:p>
+            <a:pPr algn="ctr"/>
+            <a:r>
+              <a:rPr lang="en-US" dirty="0">
+                <a:solidFill>
+                  <a:schemeClr val="tx2"/>
+                </a:solidFill>
+              </a:rPr>
+              <a:t>Left Bump Drive</a:t>
+            </a:r>
+          </a:p>
+        </p:txBody>
+      </p:sp>
+      <p:sp>
+        <p:nvSpPr>
+          <p:cNvPr id="7" name="Rectangle 6">
+            <a:extLst>
+              <a:ext uri="{FF2B5EF4-FFF2-40B4-BE49-F238E27FC236}">
+                <a16:creationId xmlns:a16="http://schemas.microsoft.com/office/drawing/2014/main" id="{44ECC727-D0C1-834D-267E-C1B975329CC9}"/>
+              </a:ext>
+            </a:extLst>
+          </p:cNvPr>
+          <p:cNvSpPr/>
+          <p:nvPr/>
+        </p:nvSpPr>
+        <p:spPr>
+          <a:xfrm>
+            <a:off x="9756775" y="5602431"/>
+            <a:ext cx="1595535" cy="317241"/>
+          </a:xfrm>
+          <a:prstGeom prst="rect">
+            <a:avLst/>
+          </a:prstGeom>
+          <a:solidFill>
+            <a:schemeClr val="accent6">
+              <a:lumMod val="20000"/>
+              <a:lumOff val="80000"/>
+            </a:schemeClr>
+          </a:solidFill>
+          <a:ln>
+            <a:solidFill>
+              <a:schemeClr val="accent2">
+                <a:lumMod val="20000"/>
+                <a:lumOff val="80000"/>
+              </a:schemeClr>
+            </a:solidFill>
+          </a:ln>
+        </p:spPr>
+        <p:style>
+          <a:lnRef idx="2">
+            <a:schemeClr val="accent1">
+              <a:shade val="15000"/>
+            </a:schemeClr>
+          </a:lnRef>
+          <a:fillRef idx="1">
+            <a:schemeClr val="accent1"/>
+          </a:fillRef>
+          <a:effectRef idx="0">
+            <a:schemeClr val="accent1"/>
+          </a:effectRef>
+          <a:fontRef idx="minor">
+            <a:schemeClr val="lt1"/>
+          </a:fontRef>
+        </p:style>
+        <p:txBody>
+          <a:bodyPr rtlCol="0" anchor="ctr"/>
+          <a:lstStyle/>
+          <a:p>
+            <a:pPr algn="ctr"/>
+            <a:r>
+              <a:rPr lang="en-US" dirty="0">
+                <a:solidFill>
+                  <a:schemeClr val="tx2"/>
+                </a:solidFill>
+              </a:rPr>
+              <a:t>Rotation</a:t>
+            </a:r>
+          </a:p>
+        </p:txBody>
+      </p:sp>
+      <p:sp>
+        <p:nvSpPr>
+          <p:cNvPr id="8" name="Rectangle 7">
+            <a:extLst>
+              <a:ext uri="{FF2B5EF4-FFF2-40B4-BE49-F238E27FC236}">
+                <a16:creationId xmlns:a16="http://schemas.microsoft.com/office/drawing/2014/main" id="{FCFEEF3F-66DA-06E9-853D-91A7DA5105F0}"/>
+              </a:ext>
+            </a:extLst>
+          </p:cNvPr>
+          <p:cNvSpPr/>
+          <p:nvPr/>
+        </p:nvSpPr>
+        <p:spPr>
+          <a:xfrm>
+            <a:off x="332791" y="4152149"/>
+            <a:ext cx="1595535" cy="317241"/>
+          </a:xfrm>
+          <a:prstGeom prst="rect">
+            <a:avLst/>
+          </a:prstGeom>
+          <a:solidFill>
+            <a:schemeClr val="accent6">
+              <a:lumMod val="20000"/>
+              <a:lumOff val="80000"/>
+            </a:schemeClr>
+          </a:solidFill>
+          <a:ln>
+            <a:solidFill>
+              <a:schemeClr val="accent2">
+                <a:lumMod val="20000"/>
+                <a:lumOff val="80000"/>
+              </a:schemeClr>
+            </a:solidFill>
+          </a:ln>
+        </p:spPr>
+        <p:style>
+          <a:lnRef idx="2">
+            <a:schemeClr val="accent1">
+              <a:shade val="15000"/>
+            </a:schemeClr>
+          </a:lnRef>
+          <a:fillRef idx="1">
+            <a:schemeClr val="accent1"/>
+          </a:fillRef>
+          <a:effectRef idx="0">
+            <a:schemeClr val="accent1"/>
+          </a:effectRef>
+          <a:fontRef idx="minor">
+            <a:schemeClr val="lt1"/>
+          </a:fontRef>
+        </p:style>
+        <p:txBody>
+          <a:bodyPr rtlCol="0" anchor="ctr"/>
+          <a:lstStyle/>
+          <a:p>
+            <a:pPr algn="ctr"/>
+            <a:r>
+              <a:rPr lang="en-US" dirty="0">
+                <a:solidFill>
+                  <a:schemeClr val="tx2"/>
+                </a:solidFill>
+              </a:rPr>
+              <a:t>Field Position</a:t>
+            </a:r>
+          </a:p>
+        </p:txBody>
+      </p:sp>
+      <p:sp>
+        <p:nvSpPr>
+          <p:cNvPr id="10" name="Rectangle 9">
+            <a:extLst>
+              <a:ext uri="{FF2B5EF4-FFF2-40B4-BE49-F238E27FC236}">
+                <a16:creationId xmlns:a16="http://schemas.microsoft.com/office/drawing/2014/main" id="{6526CD50-9017-5B4D-4931-DC8A76551DCD}"/>
+              </a:ext>
+            </a:extLst>
+          </p:cNvPr>
+          <p:cNvSpPr/>
+          <p:nvPr/>
+        </p:nvSpPr>
+        <p:spPr>
+          <a:xfrm>
+            <a:off x="3425823" y="1021504"/>
+            <a:ext cx="1807658" cy="317241"/>
+          </a:xfrm>
+          <a:prstGeom prst="rect">
+            <a:avLst/>
+          </a:prstGeom>
+          <a:solidFill>
+            <a:schemeClr val="accent6">
+              <a:lumMod val="20000"/>
+              <a:lumOff val="80000"/>
+            </a:schemeClr>
+          </a:solidFill>
+          <a:ln>
+            <a:solidFill>
+              <a:schemeClr val="accent2">
+                <a:lumMod val="20000"/>
+                <a:lumOff val="80000"/>
+              </a:schemeClr>
+            </a:solidFill>
+          </a:ln>
+        </p:spPr>
+        <p:style>
+          <a:lnRef idx="2">
+            <a:schemeClr val="accent1">
+              <a:shade val="15000"/>
+            </a:schemeClr>
+          </a:lnRef>
+          <a:fillRef idx="1">
+            <a:schemeClr val="accent1"/>
+          </a:fillRef>
+          <a:effectRef idx="0">
+            <a:schemeClr val="accent1"/>
+          </a:effectRef>
+          <a:fontRef idx="minor">
+            <a:schemeClr val="lt1"/>
+          </a:fontRef>
+        </p:style>
+        <p:txBody>
+          <a:bodyPr rtlCol="0" anchor="ctr"/>
+          <a:lstStyle/>
+          <a:p>
+            <a:pPr algn="ctr"/>
+            <a:r>
+              <a:rPr lang="en-US" sz="1600" dirty="0">
+                <a:solidFill>
+                  <a:schemeClr val="tx2"/>
+                </a:solidFill>
+              </a:rPr>
+              <a:t>Approach Outpost</a:t>
+            </a:r>
+          </a:p>
+        </p:txBody>
+      </p:sp>
+      <p:sp>
+        <p:nvSpPr>
+          <p:cNvPr id="11" name="Rectangle 10">
+            <a:extLst>
+              <a:ext uri="{FF2B5EF4-FFF2-40B4-BE49-F238E27FC236}">
+                <a16:creationId xmlns:a16="http://schemas.microsoft.com/office/drawing/2014/main" id="{9CBDD6F5-47EB-E31A-2443-482B3C29A23F}"/>
+              </a:ext>
+            </a:extLst>
+          </p:cNvPr>
+          <p:cNvSpPr/>
+          <p:nvPr/>
+        </p:nvSpPr>
+        <p:spPr>
+          <a:xfrm>
+            <a:off x="4635229" y="1477373"/>
+            <a:ext cx="1595535" cy="317241"/>
+          </a:xfrm>
+          <a:prstGeom prst="rect">
+            <a:avLst/>
+          </a:prstGeom>
+          <a:solidFill>
+            <a:schemeClr val="accent6">
+              <a:lumMod val="20000"/>
+              <a:lumOff val="80000"/>
+            </a:schemeClr>
+          </a:solidFill>
+          <a:ln>
+            <a:solidFill>
+              <a:schemeClr val="accent2">
+                <a:lumMod val="20000"/>
+                <a:lumOff val="80000"/>
+              </a:schemeClr>
+            </a:solidFill>
+          </a:ln>
+        </p:spPr>
+        <p:style>
+          <a:lnRef idx="2">
+            <a:schemeClr val="accent1">
+              <a:shade val="15000"/>
+            </a:schemeClr>
+          </a:lnRef>
+          <a:fillRef idx="1">
+            <a:schemeClr val="accent1"/>
+          </a:fillRef>
+          <a:effectRef idx="0">
+            <a:schemeClr val="accent1"/>
+          </a:effectRef>
+          <a:fontRef idx="minor">
+            <a:schemeClr val="lt1"/>
+          </a:fontRef>
+        </p:style>
+        <p:txBody>
+          <a:bodyPr rtlCol="0" anchor="ctr"/>
+          <a:lstStyle/>
+          <a:p>
+            <a:pPr algn="ctr"/>
+            <a:r>
+              <a:rPr lang="en-US" dirty="0">
+                <a:solidFill>
+                  <a:schemeClr val="tx2"/>
+                </a:solidFill>
+              </a:rPr>
+              <a:t>Empty Fuel</a:t>
+            </a:r>
+          </a:p>
+        </p:txBody>
+      </p:sp>
+      <p:sp>
+        <p:nvSpPr>
+          <p:cNvPr id="12" name="Rectangle 11">
+            <a:extLst>
+              <a:ext uri="{FF2B5EF4-FFF2-40B4-BE49-F238E27FC236}">
+                <a16:creationId xmlns:a16="http://schemas.microsoft.com/office/drawing/2014/main" id="{C02DC017-BF61-5880-3824-D65FA1623FD7}"/>
+              </a:ext>
+            </a:extLst>
+          </p:cNvPr>
+          <p:cNvSpPr/>
+          <p:nvPr/>
+        </p:nvSpPr>
+        <p:spPr>
+          <a:xfrm>
+            <a:off x="6770384" y="1489643"/>
+            <a:ext cx="1595535" cy="317241"/>
+          </a:xfrm>
+          <a:prstGeom prst="rect">
+            <a:avLst/>
+          </a:prstGeom>
+          <a:solidFill>
+            <a:schemeClr val="accent6">
+              <a:lumMod val="20000"/>
+              <a:lumOff val="80000"/>
+            </a:schemeClr>
+          </a:solidFill>
+          <a:ln>
+            <a:solidFill>
+              <a:schemeClr val="accent2">
+                <a:lumMod val="20000"/>
+                <a:lumOff val="80000"/>
+              </a:schemeClr>
+            </a:solidFill>
+          </a:ln>
+        </p:spPr>
+        <p:style>
+          <a:lnRef idx="2">
+            <a:schemeClr val="accent1">
+              <a:shade val="15000"/>
+            </a:schemeClr>
+          </a:lnRef>
+          <a:fillRef idx="1">
+            <a:schemeClr val="accent1"/>
+          </a:fillRef>
+          <a:effectRef idx="0">
+            <a:schemeClr val="accent1"/>
+          </a:effectRef>
+          <a:fontRef idx="minor">
+            <a:schemeClr val="lt1"/>
+          </a:fontRef>
+        </p:style>
+        <p:txBody>
+          <a:bodyPr rtlCol="0" anchor="ctr"/>
+          <a:lstStyle/>
+          <a:p>
+            <a:pPr algn="ctr"/>
+            <a:r>
+              <a:rPr lang="en-US" dirty="0">
+                <a:solidFill>
+                  <a:schemeClr val="tx2"/>
+                </a:solidFill>
+              </a:rPr>
+              <a:t>Goto Climb</a:t>
+            </a:r>
+          </a:p>
+        </p:txBody>
+      </p:sp>
+      <p:sp>
+        <p:nvSpPr>
+          <p:cNvPr id="13" name="Rectangle 12">
+            <a:extLst>
+              <a:ext uri="{FF2B5EF4-FFF2-40B4-BE49-F238E27FC236}">
+                <a16:creationId xmlns:a16="http://schemas.microsoft.com/office/drawing/2014/main" id="{438E3938-169E-DBC2-8D39-5A597345AB0B}"/>
+              </a:ext>
+            </a:extLst>
+          </p:cNvPr>
+          <p:cNvSpPr/>
+          <p:nvPr/>
+        </p:nvSpPr>
+        <p:spPr>
+          <a:xfrm>
+            <a:off x="9703305" y="2348722"/>
+            <a:ext cx="1595535" cy="317241"/>
+          </a:xfrm>
+          <a:prstGeom prst="rect">
+            <a:avLst/>
+          </a:prstGeom>
+          <a:solidFill>
+            <a:schemeClr val="accent6">
+              <a:lumMod val="20000"/>
+              <a:lumOff val="80000"/>
+            </a:schemeClr>
+          </a:solidFill>
+          <a:ln>
+            <a:solidFill>
+              <a:schemeClr val="accent2">
+                <a:lumMod val="20000"/>
+                <a:lumOff val="80000"/>
+              </a:schemeClr>
+            </a:solidFill>
+          </a:ln>
+        </p:spPr>
+        <p:style>
+          <a:lnRef idx="2">
+            <a:schemeClr val="accent1">
+              <a:shade val="15000"/>
+            </a:schemeClr>
+          </a:lnRef>
+          <a:fillRef idx="1">
+            <a:schemeClr val="accent1"/>
+          </a:fillRef>
+          <a:effectRef idx="0">
+            <a:schemeClr val="accent1"/>
+          </a:effectRef>
+          <a:fontRef idx="minor">
+            <a:schemeClr val="lt1"/>
+          </a:fontRef>
+        </p:style>
+        <p:txBody>
+          <a:bodyPr rtlCol="0" anchor="ctr"/>
+          <a:lstStyle/>
+          <a:p>
+            <a:pPr algn="ctr"/>
+            <a:r>
+              <a:rPr lang="en-US" dirty="0">
+                <a:solidFill>
+                  <a:schemeClr val="tx2"/>
+                </a:solidFill>
+              </a:rPr>
+              <a:t>Aim &amp; Shoot</a:t>
+            </a:r>
+          </a:p>
+        </p:txBody>
+      </p:sp>
+      <p:sp>
+        <p:nvSpPr>
+          <p:cNvPr id="14" name="Rectangle 13">
+            <a:extLst>
+              <a:ext uri="{FF2B5EF4-FFF2-40B4-BE49-F238E27FC236}">
+                <a16:creationId xmlns:a16="http://schemas.microsoft.com/office/drawing/2014/main" id="{CE6234B4-0847-FA69-7472-3D7D0AE90631}"/>
+              </a:ext>
+            </a:extLst>
+          </p:cNvPr>
+          <p:cNvSpPr/>
+          <p:nvPr/>
+        </p:nvSpPr>
+        <p:spPr>
+          <a:xfrm>
+            <a:off x="9703306" y="1477374"/>
+            <a:ext cx="1595535" cy="317241"/>
+          </a:xfrm>
+          <a:prstGeom prst="rect">
+            <a:avLst/>
+          </a:prstGeom>
+          <a:solidFill>
+            <a:schemeClr val="accent6">
+              <a:lumMod val="20000"/>
+              <a:lumOff val="80000"/>
+            </a:schemeClr>
+          </a:solidFill>
+          <a:ln>
+            <a:solidFill>
+              <a:schemeClr val="accent2">
+                <a:lumMod val="20000"/>
+                <a:lumOff val="80000"/>
+              </a:schemeClr>
+            </a:solidFill>
+          </a:ln>
+        </p:spPr>
+        <p:style>
+          <a:lnRef idx="2">
+            <a:schemeClr val="accent1">
+              <a:shade val="15000"/>
+            </a:schemeClr>
+          </a:lnRef>
+          <a:fillRef idx="1">
+            <a:schemeClr val="accent1"/>
+          </a:fillRef>
+          <a:effectRef idx="0">
+            <a:schemeClr val="accent1"/>
+          </a:effectRef>
+          <a:fontRef idx="minor">
+            <a:schemeClr val="lt1"/>
+          </a:fontRef>
+        </p:style>
+        <p:txBody>
+          <a:bodyPr rtlCol="0" anchor="ctr"/>
+          <a:lstStyle/>
+          <a:p>
+            <a:pPr algn="ctr"/>
+            <a:r>
+              <a:rPr lang="en-US" dirty="0">
+                <a:solidFill>
+                  <a:schemeClr val="tx2"/>
+                </a:solidFill>
+              </a:rPr>
+              <a:t>Brake</a:t>
+            </a:r>
+          </a:p>
+        </p:txBody>
+      </p:sp>
+      <p:sp>
+        <p:nvSpPr>
+          <p:cNvPr id="15" name="Rectangle 14">
+            <a:extLst>
+              <a:ext uri="{FF2B5EF4-FFF2-40B4-BE49-F238E27FC236}">
+                <a16:creationId xmlns:a16="http://schemas.microsoft.com/office/drawing/2014/main" id="{4263266B-6E03-53D4-97FE-499955BC35DA}"/>
+              </a:ext>
+            </a:extLst>
+          </p:cNvPr>
+          <p:cNvSpPr/>
+          <p:nvPr/>
+        </p:nvSpPr>
+        <p:spPr>
+          <a:xfrm>
+            <a:off x="1830288" y="3676252"/>
+            <a:ext cx="1595535" cy="317241"/>
+          </a:xfrm>
+          <a:prstGeom prst="rect">
+            <a:avLst/>
+          </a:prstGeom>
+          <a:solidFill>
+            <a:schemeClr val="accent6">
+              <a:lumMod val="20000"/>
+              <a:lumOff val="80000"/>
+            </a:schemeClr>
+          </a:solidFill>
+          <a:ln>
+            <a:solidFill>
+              <a:schemeClr val="accent2">
+                <a:lumMod val="20000"/>
+                <a:lumOff val="80000"/>
+              </a:schemeClr>
+            </a:solidFill>
+          </a:ln>
+        </p:spPr>
+        <p:style>
+          <a:lnRef idx="2">
+            <a:schemeClr val="accent1">
+              <a:shade val="15000"/>
+            </a:schemeClr>
+          </a:lnRef>
+          <a:fillRef idx="1">
+            <a:schemeClr val="accent1"/>
+          </a:fillRef>
+          <a:effectRef idx="0">
+            <a:schemeClr val="accent1"/>
+          </a:effectRef>
+          <a:fontRef idx="minor">
+            <a:schemeClr val="lt1"/>
+          </a:fontRef>
+        </p:style>
+        <p:txBody>
+          <a:bodyPr rtlCol="0" anchor="ctr"/>
+          <a:lstStyle/>
+          <a:p>
+            <a:pPr algn="ctr"/>
+            <a:r>
+              <a:rPr lang="en-US" dirty="0">
+                <a:solidFill>
+                  <a:schemeClr val="tx2"/>
+                </a:solidFill>
+              </a:rPr>
+              <a:t>Auto Climb</a:t>
+            </a:r>
+          </a:p>
+        </p:txBody>
+      </p:sp>
+      <p:sp>
+        <p:nvSpPr>
+          <p:cNvPr id="16" name="Rectangle 15">
+            <a:extLst>
+              <a:ext uri="{FF2B5EF4-FFF2-40B4-BE49-F238E27FC236}">
+                <a16:creationId xmlns:a16="http://schemas.microsoft.com/office/drawing/2014/main" id="{F54D5F66-778A-A89F-468A-3E6C9511C581}"/>
+              </a:ext>
+            </a:extLst>
+          </p:cNvPr>
+          <p:cNvSpPr/>
+          <p:nvPr/>
+        </p:nvSpPr>
+        <p:spPr>
+          <a:xfrm>
+            <a:off x="2134344" y="2991597"/>
+            <a:ext cx="1595535" cy="317241"/>
+          </a:xfrm>
+          <a:prstGeom prst="rect">
+            <a:avLst/>
+          </a:prstGeom>
+          <a:solidFill>
+            <a:schemeClr val="accent6">
+              <a:lumMod val="20000"/>
+              <a:lumOff val="80000"/>
+            </a:schemeClr>
+          </a:solidFill>
+          <a:ln>
+            <a:solidFill>
+              <a:schemeClr val="accent2">
+                <a:lumMod val="20000"/>
+                <a:lumOff val="80000"/>
+              </a:schemeClr>
+            </a:solidFill>
+          </a:ln>
+        </p:spPr>
+        <p:style>
+          <a:lnRef idx="2">
+            <a:schemeClr val="accent1">
+              <a:shade val="15000"/>
+            </a:schemeClr>
+          </a:lnRef>
+          <a:fillRef idx="1">
+            <a:schemeClr val="accent1"/>
+          </a:fillRef>
+          <a:effectRef idx="0">
+            <a:schemeClr val="accent1"/>
+          </a:effectRef>
+          <a:fontRef idx="minor">
+            <a:schemeClr val="lt1"/>
+          </a:fontRef>
+        </p:style>
+        <p:txBody>
+          <a:bodyPr rtlCol="0" anchor="ctr"/>
+          <a:lstStyle/>
+          <a:p>
+            <a:pPr algn="ctr"/>
+            <a:r>
+              <a:rPr lang="en-US" dirty="0">
+                <a:solidFill>
+                  <a:schemeClr val="tx2"/>
+                </a:solidFill>
+              </a:rPr>
+              <a:t>Override</a:t>
+            </a:r>
+          </a:p>
+        </p:txBody>
+      </p:sp>
+      <p:sp>
+        <p:nvSpPr>
+          <p:cNvPr id="17" name="Rectangle 16">
+            <a:extLst>
+              <a:ext uri="{FF2B5EF4-FFF2-40B4-BE49-F238E27FC236}">
+                <a16:creationId xmlns:a16="http://schemas.microsoft.com/office/drawing/2014/main" id="{D169B6A3-0DA2-9D96-0351-4045F2E2F1E1}"/>
+              </a:ext>
+            </a:extLst>
+          </p:cNvPr>
+          <p:cNvSpPr/>
+          <p:nvPr/>
+        </p:nvSpPr>
+        <p:spPr>
+          <a:xfrm>
+            <a:off x="5432996" y="2738408"/>
+            <a:ext cx="1595535" cy="317241"/>
+          </a:xfrm>
+          <a:prstGeom prst="rect">
+            <a:avLst/>
+          </a:prstGeom>
+          <a:solidFill>
+            <a:schemeClr val="accent6">
+              <a:lumMod val="20000"/>
+              <a:lumOff val="80000"/>
+            </a:schemeClr>
+          </a:solidFill>
+          <a:ln>
+            <a:solidFill>
+              <a:schemeClr val="accent2">
+                <a:lumMod val="20000"/>
+                <a:lumOff val="80000"/>
+              </a:schemeClr>
+            </a:solidFill>
+          </a:ln>
+        </p:spPr>
+        <p:style>
+          <a:lnRef idx="2">
+            <a:schemeClr val="accent1">
+              <a:shade val="15000"/>
+            </a:schemeClr>
+          </a:lnRef>
+          <a:fillRef idx="1">
+            <a:schemeClr val="accent1"/>
+          </a:fillRef>
+          <a:effectRef idx="0">
+            <a:schemeClr val="accent1"/>
+          </a:effectRef>
+          <a:fontRef idx="minor">
+            <a:schemeClr val="lt1"/>
+          </a:fontRef>
+        </p:style>
+        <p:txBody>
+          <a:bodyPr rtlCol="0" anchor="ctr"/>
+          <a:lstStyle/>
+          <a:p>
+            <a:pPr algn="ctr"/>
+            <a:r>
+              <a:rPr lang="en-US" dirty="0">
+                <a:solidFill>
+                  <a:schemeClr val="tx2"/>
+                </a:solidFill>
+              </a:rPr>
+              <a:t>Intake Fuel</a:t>
+            </a:r>
+          </a:p>
+        </p:txBody>
+      </p:sp>
+      <p:sp>
+        <p:nvSpPr>
+          <p:cNvPr id="18" name="Rectangle 17">
+            <a:extLst>
+              <a:ext uri="{FF2B5EF4-FFF2-40B4-BE49-F238E27FC236}">
+                <a16:creationId xmlns:a16="http://schemas.microsoft.com/office/drawing/2014/main" id="{B0136852-C263-58AE-B3A2-82BE180C50B1}"/>
+              </a:ext>
+            </a:extLst>
+          </p:cNvPr>
+          <p:cNvSpPr/>
+          <p:nvPr/>
+        </p:nvSpPr>
+        <p:spPr>
+          <a:xfrm>
+            <a:off x="3837461" y="2250483"/>
+            <a:ext cx="1595535" cy="317241"/>
+          </a:xfrm>
+          <a:prstGeom prst="rect">
+            <a:avLst/>
+          </a:prstGeom>
+          <a:solidFill>
+            <a:schemeClr val="accent6">
+              <a:lumMod val="20000"/>
+              <a:lumOff val="80000"/>
+            </a:schemeClr>
+          </a:solidFill>
+          <a:ln>
+            <a:solidFill>
+              <a:schemeClr val="accent2">
+                <a:lumMod val="20000"/>
+                <a:lumOff val="80000"/>
+              </a:schemeClr>
+            </a:solidFill>
+          </a:ln>
+        </p:spPr>
+        <p:style>
+          <a:lnRef idx="2">
+            <a:schemeClr val="accent1">
+              <a:shade val="15000"/>
+            </a:schemeClr>
+          </a:lnRef>
+          <a:fillRef idx="1">
+            <a:schemeClr val="accent1"/>
+          </a:fillRef>
+          <a:effectRef idx="0">
+            <a:schemeClr val="accent1"/>
+          </a:effectRef>
+          <a:fontRef idx="minor">
+            <a:schemeClr val="lt1"/>
+          </a:fontRef>
+        </p:style>
+        <p:txBody>
+          <a:bodyPr rtlCol="0" anchor="ctr"/>
+          <a:lstStyle/>
+          <a:p>
+            <a:pPr algn="ctr"/>
+            <a:r>
+              <a:rPr lang="en-US" dirty="0">
+                <a:solidFill>
+                  <a:schemeClr val="tx2"/>
+                </a:solidFill>
+              </a:rPr>
+              <a:t>Get Off Fuel</a:t>
+            </a:r>
+          </a:p>
+        </p:txBody>
+      </p:sp>
+      <p:sp>
+        <p:nvSpPr>
+          <p:cNvPr id="19" name="Rectangle 18">
+            <a:extLst>
+              <a:ext uri="{FF2B5EF4-FFF2-40B4-BE49-F238E27FC236}">
+                <a16:creationId xmlns:a16="http://schemas.microsoft.com/office/drawing/2014/main" id="{5887B5D4-8008-9128-F533-C1E35FE5B92C}"/>
+              </a:ext>
+            </a:extLst>
+          </p:cNvPr>
+          <p:cNvSpPr/>
+          <p:nvPr/>
+        </p:nvSpPr>
+        <p:spPr>
+          <a:xfrm>
+            <a:off x="6468827" y="2038210"/>
+            <a:ext cx="1595535" cy="317241"/>
+          </a:xfrm>
+          <a:prstGeom prst="rect">
+            <a:avLst/>
+          </a:prstGeom>
+          <a:solidFill>
+            <a:schemeClr val="accent6">
+              <a:lumMod val="20000"/>
+              <a:lumOff val="80000"/>
+            </a:schemeClr>
+          </a:solidFill>
+          <a:ln>
+            <a:solidFill>
+              <a:schemeClr val="accent2">
+                <a:lumMod val="20000"/>
+                <a:lumOff val="80000"/>
+              </a:schemeClr>
+            </a:solidFill>
+          </a:ln>
+        </p:spPr>
+        <p:style>
+          <a:lnRef idx="2">
+            <a:schemeClr val="accent1">
+              <a:shade val="15000"/>
+            </a:schemeClr>
+          </a:lnRef>
+          <a:fillRef idx="1">
+            <a:schemeClr val="accent1"/>
+          </a:fillRef>
+          <a:effectRef idx="0">
+            <a:schemeClr val="accent1"/>
+          </a:effectRef>
+          <a:fontRef idx="minor">
+            <a:schemeClr val="lt1"/>
+          </a:fontRef>
+        </p:style>
+        <p:txBody>
+          <a:bodyPr rtlCol="0" anchor="ctr"/>
+          <a:lstStyle/>
+          <a:p>
+            <a:pPr algn="ctr"/>
+            <a:r>
+              <a:rPr lang="en-US" dirty="0">
+                <a:solidFill>
+                  <a:schemeClr val="tx2"/>
+                </a:solidFill>
+              </a:rPr>
+              <a:t>Reset Position</a:t>
+            </a:r>
+          </a:p>
+        </p:txBody>
+      </p:sp>
+      <p:sp>
+        <p:nvSpPr>
+          <p:cNvPr id="20" name="Rectangle 19">
+            <a:extLst>
+              <a:ext uri="{FF2B5EF4-FFF2-40B4-BE49-F238E27FC236}">
+                <a16:creationId xmlns:a16="http://schemas.microsoft.com/office/drawing/2014/main" id="{310EA12B-9AD3-C372-4AAA-ACD138FBBC4C}"/>
+              </a:ext>
+            </a:extLst>
+          </p:cNvPr>
+          <p:cNvSpPr/>
+          <p:nvPr/>
+        </p:nvSpPr>
+        <p:spPr>
+          <a:xfrm>
+            <a:off x="2093066" y="2525630"/>
+            <a:ext cx="1595535" cy="317241"/>
+          </a:xfrm>
+          <a:prstGeom prst="rect">
+            <a:avLst/>
+          </a:prstGeom>
+          <a:solidFill>
+            <a:schemeClr val="accent6">
+              <a:lumMod val="20000"/>
+              <a:lumOff val="80000"/>
+            </a:schemeClr>
+          </a:solidFill>
+          <a:ln>
+            <a:solidFill>
+              <a:schemeClr val="accent2">
+                <a:lumMod val="20000"/>
+                <a:lumOff val="80000"/>
+              </a:schemeClr>
+            </a:solidFill>
+          </a:ln>
+        </p:spPr>
+        <p:style>
+          <a:lnRef idx="2">
+            <a:schemeClr val="accent1">
+              <a:shade val="15000"/>
+            </a:schemeClr>
+          </a:lnRef>
+          <a:fillRef idx="1">
+            <a:schemeClr val="accent1"/>
+          </a:fillRef>
+          <a:effectRef idx="0">
+            <a:schemeClr val="accent1"/>
+          </a:effectRef>
+          <a:fontRef idx="minor">
+            <a:schemeClr val="lt1"/>
+          </a:fontRef>
+        </p:style>
+        <p:txBody>
+          <a:bodyPr rtlCol="0" anchor="ctr"/>
+          <a:lstStyle/>
+          <a:p>
+            <a:pPr algn="ctr"/>
+            <a:r>
+              <a:rPr lang="en-US" dirty="0">
+                <a:solidFill>
+                  <a:schemeClr val="tx2"/>
+                </a:solidFill>
+              </a:rPr>
+              <a:t>Just Shoot</a:t>
+            </a:r>
+          </a:p>
+        </p:txBody>
+      </p:sp>
+      <p:sp>
+        <p:nvSpPr>
+          <p:cNvPr id="21" name="Rectangle 20">
+            <a:extLst>
+              <a:ext uri="{FF2B5EF4-FFF2-40B4-BE49-F238E27FC236}">
+                <a16:creationId xmlns:a16="http://schemas.microsoft.com/office/drawing/2014/main" id="{C2D4B113-BD39-01A3-8819-0D80F850C080}"/>
+              </a:ext>
+            </a:extLst>
+          </p:cNvPr>
+          <p:cNvSpPr/>
+          <p:nvPr/>
+        </p:nvSpPr>
+        <p:spPr>
+          <a:xfrm>
+            <a:off x="1316879" y="4668219"/>
+            <a:ext cx="1933508" cy="317241"/>
+          </a:xfrm>
+          <a:prstGeom prst="rect">
+            <a:avLst/>
+          </a:prstGeom>
+          <a:solidFill>
+            <a:schemeClr val="accent6">
+              <a:lumMod val="20000"/>
+              <a:lumOff val="80000"/>
+            </a:schemeClr>
+          </a:solidFill>
+          <a:ln>
+            <a:solidFill>
+              <a:schemeClr val="accent2">
+                <a:lumMod val="20000"/>
+                <a:lumOff val="80000"/>
+              </a:schemeClr>
+            </a:solidFill>
+          </a:ln>
+        </p:spPr>
+        <p:style>
+          <a:lnRef idx="2">
+            <a:schemeClr val="accent1">
+              <a:shade val="15000"/>
+            </a:schemeClr>
+          </a:lnRef>
+          <a:fillRef idx="1">
+            <a:schemeClr val="accent1"/>
+          </a:fillRef>
+          <a:effectRef idx="0">
+            <a:schemeClr val="accent1"/>
+          </a:effectRef>
+          <a:fontRef idx="minor">
+            <a:schemeClr val="lt1"/>
+          </a:fontRef>
+        </p:style>
+        <p:txBody>
+          <a:bodyPr rtlCol="0" anchor="ctr"/>
+          <a:lstStyle/>
+          <a:p>
+            <a:pPr algn="ctr"/>
+            <a:r>
+              <a:rPr lang="en-US" dirty="0">
+                <a:solidFill>
+                  <a:schemeClr val="tx2"/>
+                </a:solidFill>
+              </a:rPr>
+              <a:t>Straif Hub R -&gt; L</a:t>
+            </a:r>
+          </a:p>
+        </p:txBody>
+      </p:sp>
+      <p:sp>
+        <p:nvSpPr>
+          <p:cNvPr id="22" name="Rectangle 21">
+            <a:extLst>
+              <a:ext uri="{FF2B5EF4-FFF2-40B4-BE49-F238E27FC236}">
+                <a16:creationId xmlns:a16="http://schemas.microsoft.com/office/drawing/2014/main" id="{5C75FC37-3304-3838-2E62-DFA6B8BCE1F4}"/>
+              </a:ext>
+            </a:extLst>
+          </p:cNvPr>
+          <p:cNvSpPr/>
+          <p:nvPr/>
+        </p:nvSpPr>
+        <p:spPr>
+          <a:xfrm>
+            <a:off x="738356" y="5228226"/>
+            <a:ext cx="1933508" cy="317241"/>
+          </a:xfrm>
+          <a:prstGeom prst="rect">
+            <a:avLst/>
+          </a:prstGeom>
+          <a:solidFill>
+            <a:schemeClr val="accent6">
+              <a:lumMod val="20000"/>
+              <a:lumOff val="80000"/>
+            </a:schemeClr>
+          </a:solidFill>
+          <a:ln>
+            <a:solidFill>
+              <a:schemeClr val="accent2">
+                <a:lumMod val="20000"/>
+                <a:lumOff val="80000"/>
+              </a:schemeClr>
+            </a:solidFill>
+          </a:ln>
+        </p:spPr>
+        <p:style>
+          <a:lnRef idx="2">
+            <a:schemeClr val="accent1">
+              <a:shade val="15000"/>
+            </a:schemeClr>
+          </a:lnRef>
+          <a:fillRef idx="1">
+            <a:schemeClr val="accent1"/>
+          </a:fillRef>
+          <a:effectRef idx="0">
+            <a:schemeClr val="accent1"/>
+          </a:effectRef>
+          <a:fontRef idx="minor">
+            <a:schemeClr val="lt1"/>
+          </a:fontRef>
+        </p:style>
+        <p:txBody>
+          <a:bodyPr rtlCol="0" anchor="ctr"/>
+          <a:lstStyle/>
+          <a:p>
+            <a:pPr algn="ctr"/>
+            <a:r>
+              <a:rPr lang="en-US" dirty="0">
+                <a:solidFill>
+                  <a:schemeClr val="tx2"/>
+                </a:solidFill>
+              </a:rPr>
+              <a:t>Straif Hub L-&gt;R</a:t>
+            </a:r>
+          </a:p>
+        </p:txBody>
+      </p:sp>
+      <p:sp>
+        <p:nvSpPr>
+          <p:cNvPr id="23" name="Rectangle 22">
+            <a:extLst>
+              <a:ext uri="{FF2B5EF4-FFF2-40B4-BE49-F238E27FC236}">
+                <a16:creationId xmlns:a16="http://schemas.microsoft.com/office/drawing/2014/main" id="{6FB3F50A-FFA8-E4EA-EA5C-F47592E5A084}"/>
+              </a:ext>
+            </a:extLst>
+          </p:cNvPr>
+          <p:cNvSpPr/>
+          <p:nvPr/>
+        </p:nvSpPr>
+        <p:spPr>
+          <a:xfrm>
+            <a:off x="395447" y="1477373"/>
+            <a:ext cx="1776927" cy="317241"/>
+          </a:xfrm>
+          <a:prstGeom prst="rect">
+            <a:avLst/>
+          </a:prstGeom>
+          <a:solidFill>
+            <a:schemeClr val="accent6">
+              <a:lumMod val="20000"/>
+              <a:lumOff val="80000"/>
+            </a:schemeClr>
+          </a:solidFill>
+          <a:ln>
+            <a:solidFill>
+              <a:schemeClr val="accent2">
+                <a:lumMod val="20000"/>
+                <a:lumOff val="80000"/>
+              </a:schemeClr>
+            </a:solidFill>
+          </a:ln>
+        </p:spPr>
+        <p:style>
+          <a:lnRef idx="2">
+            <a:schemeClr val="accent1">
+              <a:shade val="15000"/>
+            </a:schemeClr>
+          </a:lnRef>
+          <a:fillRef idx="1">
+            <a:schemeClr val="accent1"/>
+          </a:fillRef>
+          <a:effectRef idx="0">
+            <a:schemeClr val="accent1"/>
+          </a:effectRef>
+          <a:fontRef idx="minor">
+            <a:schemeClr val="lt1"/>
+          </a:fontRef>
+        </p:style>
+        <p:txBody>
+          <a:bodyPr rtlCol="0" anchor="ctr"/>
+          <a:lstStyle/>
+          <a:p>
+            <a:pPr algn="ctr"/>
+            <a:r>
+              <a:rPr lang="en-US" dirty="0">
+                <a:solidFill>
+                  <a:schemeClr val="tx2"/>
+                </a:solidFill>
+              </a:rPr>
+              <a:t>Retract Climber</a:t>
+            </a:r>
+          </a:p>
+        </p:txBody>
+      </p:sp>
+      <p:sp>
+        <p:nvSpPr>
+          <p:cNvPr id="24" name="Rectangle 23">
+            <a:extLst>
+              <a:ext uri="{FF2B5EF4-FFF2-40B4-BE49-F238E27FC236}">
+                <a16:creationId xmlns:a16="http://schemas.microsoft.com/office/drawing/2014/main" id="{9FC38623-D4B1-E2FF-6BA6-B423FA6F1473}"/>
+              </a:ext>
+            </a:extLst>
+          </p:cNvPr>
+          <p:cNvSpPr/>
+          <p:nvPr/>
+        </p:nvSpPr>
+        <p:spPr>
+          <a:xfrm>
+            <a:off x="393959" y="1934506"/>
+            <a:ext cx="1776927" cy="317241"/>
+          </a:xfrm>
+          <a:prstGeom prst="rect">
+            <a:avLst/>
+          </a:prstGeom>
+          <a:solidFill>
+            <a:schemeClr val="accent6">
+              <a:lumMod val="20000"/>
+              <a:lumOff val="80000"/>
+            </a:schemeClr>
+          </a:solidFill>
+          <a:ln>
+            <a:solidFill>
+              <a:schemeClr val="accent2">
+                <a:lumMod val="20000"/>
+                <a:lumOff val="80000"/>
+              </a:schemeClr>
+            </a:solidFill>
+          </a:ln>
+        </p:spPr>
+        <p:style>
+          <a:lnRef idx="2">
+            <a:schemeClr val="accent1">
+              <a:shade val="15000"/>
+            </a:schemeClr>
+          </a:lnRef>
+          <a:fillRef idx="1">
+            <a:schemeClr val="accent1"/>
+          </a:fillRef>
+          <a:effectRef idx="0">
+            <a:schemeClr val="accent1"/>
+          </a:effectRef>
+          <a:fontRef idx="minor">
+            <a:schemeClr val="lt1"/>
+          </a:fontRef>
+        </p:style>
+        <p:txBody>
+          <a:bodyPr rtlCol="0" anchor="ctr"/>
+          <a:lstStyle/>
+          <a:p>
+            <a:pPr algn="ctr"/>
+            <a:r>
+              <a:rPr lang="en-US" dirty="0">
+                <a:solidFill>
+                  <a:schemeClr val="tx2"/>
+                </a:solidFill>
+              </a:rPr>
+              <a:t>Extend Climber</a:t>
+            </a:r>
+          </a:p>
+        </p:txBody>
+      </p:sp>
+      <p:sp>
+        <p:nvSpPr>
+          <p:cNvPr id="25" name="Rectangle 24">
+            <a:extLst>
+              <a:ext uri="{FF2B5EF4-FFF2-40B4-BE49-F238E27FC236}">
+                <a16:creationId xmlns:a16="http://schemas.microsoft.com/office/drawing/2014/main" id="{652C7253-60E3-A184-4D6E-E07579E3A8CC}"/>
+              </a:ext>
+            </a:extLst>
+          </p:cNvPr>
+          <p:cNvSpPr/>
+          <p:nvPr/>
+        </p:nvSpPr>
+        <p:spPr>
+          <a:xfrm>
+            <a:off x="8905536" y="3874797"/>
+            <a:ext cx="1595535" cy="317241"/>
+          </a:xfrm>
+          <a:prstGeom prst="rect">
+            <a:avLst/>
+          </a:prstGeom>
+          <a:solidFill>
+            <a:schemeClr val="accent6">
+              <a:lumMod val="20000"/>
+              <a:lumOff val="80000"/>
+            </a:schemeClr>
+          </a:solidFill>
+          <a:ln>
+            <a:solidFill>
+              <a:schemeClr val="accent2">
+                <a:lumMod val="20000"/>
+                <a:lumOff val="80000"/>
+              </a:schemeClr>
+            </a:solidFill>
+          </a:ln>
+        </p:spPr>
+        <p:style>
+          <a:lnRef idx="2">
+            <a:schemeClr val="accent1">
+              <a:shade val="15000"/>
+            </a:schemeClr>
+          </a:lnRef>
+          <a:fillRef idx="1">
+            <a:schemeClr val="accent1"/>
+          </a:fillRef>
+          <a:effectRef idx="0">
+            <a:schemeClr val="accent1"/>
+          </a:effectRef>
+          <a:fontRef idx="minor">
+            <a:schemeClr val="lt1"/>
+          </a:fontRef>
+        </p:style>
+        <p:txBody>
+          <a:bodyPr rtlCol="0" anchor="ctr"/>
+          <a:lstStyle/>
+          <a:p>
+            <a:pPr algn="ctr"/>
+            <a:endParaRPr lang="en-US" dirty="0">
+              <a:solidFill>
+                <a:schemeClr val="tx2"/>
+              </a:solidFill>
+            </a:endParaRPr>
+          </a:p>
+        </p:txBody>
+      </p:sp>
+      <p:sp>
+        <p:nvSpPr>
+          <p:cNvPr id="26" name="Rectangle 25">
+            <a:extLst>
+              <a:ext uri="{FF2B5EF4-FFF2-40B4-BE49-F238E27FC236}">
+                <a16:creationId xmlns:a16="http://schemas.microsoft.com/office/drawing/2014/main" id="{6B6E82EA-1AE1-CFB3-BE12-C33072D8CBE7}"/>
+              </a:ext>
+            </a:extLst>
+          </p:cNvPr>
+          <p:cNvSpPr/>
+          <p:nvPr/>
+        </p:nvSpPr>
+        <p:spPr>
+          <a:xfrm>
+            <a:off x="9057936" y="4027197"/>
+            <a:ext cx="1595535" cy="317241"/>
+          </a:xfrm>
+          <a:prstGeom prst="rect">
+            <a:avLst/>
+          </a:prstGeom>
+          <a:solidFill>
+            <a:schemeClr val="accent6">
+              <a:lumMod val="20000"/>
+              <a:lumOff val="80000"/>
+            </a:schemeClr>
+          </a:solidFill>
+          <a:ln>
+            <a:solidFill>
+              <a:schemeClr val="accent2">
+                <a:lumMod val="20000"/>
+                <a:lumOff val="80000"/>
+              </a:schemeClr>
+            </a:solidFill>
+          </a:ln>
+        </p:spPr>
+        <p:style>
+          <a:lnRef idx="2">
+            <a:schemeClr val="accent1">
+              <a:shade val="15000"/>
+            </a:schemeClr>
+          </a:lnRef>
+          <a:fillRef idx="1">
+            <a:schemeClr val="accent1"/>
+          </a:fillRef>
+          <a:effectRef idx="0">
+            <a:schemeClr val="accent1"/>
+          </a:effectRef>
+          <a:fontRef idx="minor">
+            <a:schemeClr val="lt1"/>
+          </a:fontRef>
+        </p:style>
+        <p:txBody>
+          <a:bodyPr rtlCol="0" anchor="ctr"/>
+          <a:lstStyle/>
+          <a:p>
+            <a:pPr algn="ctr"/>
+            <a:endParaRPr lang="en-US" dirty="0">
+              <a:solidFill>
+                <a:schemeClr val="tx2"/>
+              </a:solidFill>
+            </a:endParaRPr>
+          </a:p>
+        </p:txBody>
+      </p:sp>
+      <p:sp>
+        <p:nvSpPr>
+          <p:cNvPr id="27" name="Rectangle 26">
+            <a:extLst>
+              <a:ext uri="{FF2B5EF4-FFF2-40B4-BE49-F238E27FC236}">
+                <a16:creationId xmlns:a16="http://schemas.microsoft.com/office/drawing/2014/main" id="{536CB937-8976-AE7B-7FE7-929F24F3C592}"/>
+              </a:ext>
+            </a:extLst>
+          </p:cNvPr>
+          <p:cNvSpPr/>
+          <p:nvPr/>
+        </p:nvSpPr>
+        <p:spPr>
+          <a:xfrm>
+            <a:off x="9210336" y="4179597"/>
+            <a:ext cx="1595535" cy="317241"/>
+          </a:xfrm>
+          <a:prstGeom prst="rect">
+            <a:avLst/>
+          </a:prstGeom>
+          <a:solidFill>
+            <a:schemeClr val="accent6">
+              <a:lumMod val="20000"/>
+              <a:lumOff val="80000"/>
+            </a:schemeClr>
+          </a:solidFill>
+          <a:ln>
+            <a:solidFill>
+              <a:schemeClr val="accent2">
+                <a:lumMod val="20000"/>
+                <a:lumOff val="80000"/>
+              </a:schemeClr>
+            </a:solidFill>
+          </a:ln>
+        </p:spPr>
+        <p:style>
+          <a:lnRef idx="2">
+            <a:schemeClr val="accent1">
+              <a:shade val="15000"/>
+            </a:schemeClr>
+          </a:lnRef>
+          <a:fillRef idx="1">
+            <a:schemeClr val="accent1"/>
+          </a:fillRef>
+          <a:effectRef idx="0">
+            <a:schemeClr val="accent1"/>
+          </a:effectRef>
+          <a:fontRef idx="minor">
+            <a:schemeClr val="lt1"/>
+          </a:fontRef>
+        </p:style>
+        <p:txBody>
+          <a:bodyPr rtlCol="0" anchor="ctr"/>
+          <a:lstStyle/>
+          <a:p>
+            <a:pPr algn="ctr"/>
+            <a:endParaRPr lang="en-US" dirty="0">
+              <a:solidFill>
+                <a:schemeClr val="tx2"/>
+              </a:solidFill>
+            </a:endParaRPr>
+          </a:p>
+        </p:txBody>
+      </p:sp>
+      <p:sp>
+        <p:nvSpPr>
+          <p:cNvPr id="28" name="Rectangle 27">
+            <a:extLst>
+              <a:ext uri="{FF2B5EF4-FFF2-40B4-BE49-F238E27FC236}">
+                <a16:creationId xmlns:a16="http://schemas.microsoft.com/office/drawing/2014/main" id="{2313DCAD-124D-5850-AD89-3AB6441F9862}"/>
+              </a:ext>
+            </a:extLst>
+          </p:cNvPr>
+          <p:cNvSpPr/>
+          <p:nvPr/>
+        </p:nvSpPr>
+        <p:spPr>
+          <a:xfrm>
+            <a:off x="9362736" y="4331997"/>
+            <a:ext cx="1595535" cy="317241"/>
+          </a:xfrm>
+          <a:prstGeom prst="rect">
+            <a:avLst/>
+          </a:prstGeom>
+          <a:solidFill>
+            <a:schemeClr val="accent6">
+              <a:lumMod val="20000"/>
+              <a:lumOff val="80000"/>
+            </a:schemeClr>
+          </a:solidFill>
+          <a:ln>
+            <a:solidFill>
+              <a:schemeClr val="accent2">
+                <a:lumMod val="20000"/>
+                <a:lumOff val="80000"/>
+              </a:schemeClr>
+            </a:solidFill>
+          </a:ln>
+        </p:spPr>
+        <p:style>
+          <a:lnRef idx="2">
+            <a:schemeClr val="accent1">
+              <a:shade val="15000"/>
+            </a:schemeClr>
+          </a:lnRef>
+          <a:fillRef idx="1">
+            <a:schemeClr val="accent1"/>
+          </a:fillRef>
+          <a:effectRef idx="0">
+            <a:schemeClr val="accent1"/>
+          </a:effectRef>
+          <a:fontRef idx="minor">
+            <a:schemeClr val="lt1"/>
+          </a:fontRef>
+        </p:style>
+        <p:txBody>
+          <a:bodyPr rtlCol="0" anchor="ctr"/>
+          <a:lstStyle/>
+          <a:p>
+            <a:pPr algn="ctr"/>
+            <a:endParaRPr lang="en-US" dirty="0">
+              <a:solidFill>
+                <a:schemeClr val="tx2"/>
+              </a:solidFill>
+            </a:endParaRPr>
+          </a:p>
+        </p:txBody>
+      </p:sp>
+      <p:sp>
+        <p:nvSpPr>
+          <p:cNvPr id="29" name="Rectangle 28">
+            <a:extLst>
+              <a:ext uri="{FF2B5EF4-FFF2-40B4-BE49-F238E27FC236}">
+                <a16:creationId xmlns:a16="http://schemas.microsoft.com/office/drawing/2014/main" id="{530B3026-3929-68C0-D9CA-51C0578C6396}"/>
+              </a:ext>
+            </a:extLst>
+          </p:cNvPr>
+          <p:cNvSpPr/>
+          <p:nvPr/>
+        </p:nvSpPr>
+        <p:spPr>
+          <a:xfrm>
+            <a:off x="9515136" y="4484397"/>
+            <a:ext cx="1595535" cy="317241"/>
+          </a:xfrm>
+          <a:prstGeom prst="rect">
+            <a:avLst/>
+          </a:prstGeom>
+          <a:solidFill>
+            <a:schemeClr val="accent6">
+              <a:lumMod val="20000"/>
+              <a:lumOff val="80000"/>
+            </a:schemeClr>
+          </a:solidFill>
+          <a:ln>
+            <a:solidFill>
+              <a:schemeClr val="accent2">
+                <a:lumMod val="20000"/>
+                <a:lumOff val="80000"/>
+              </a:schemeClr>
+            </a:solidFill>
+          </a:ln>
+        </p:spPr>
+        <p:style>
+          <a:lnRef idx="2">
+            <a:schemeClr val="accent1">
+              <a:shade val="15000"/>
+            </a:schemeClr>
+          </a:lnRef>
+          <a:fillRef idx="1">
+            <a:schemeClr val="accent1"/>
+          </a:fillRef>
+          <a:effectRef idx="0">
+            <a:schemeClr val="accent1"/>
+          </a:effectRef>
+          <a:fontRef idx="minor">
+            <a:schemeClr val="lt1"/>
+          </a:fontRef>
+        </p:style>
+        <p:txBody>
+          <a:bodyPr rtlCol="0" anchor="ctr"/>
+          <a:lstStyle/>
+          <a:p>
+            <a:pPr algn="ctr"/>
+            <a:endParaRPr lang="en-US" dirty="0">
+              <a:solidFill>
+                <a:schemeClr val="tx2"/>
+              </a:solidFill>
+            </a:endParaRPr>
+          </a:p>
+        </p:txBody>
+      </p:sp>
+      <p:sp>
+        <p:nvSpPr>
+          <p:cNvPr id="37" name="TextBox 36">
+            <a:extLst>
+              <a:ext uri="{FF2B5EF4-FFF2-40B4-BE49-F238E27FC236}">
+                <a16:creationId xmlns:a16="http://schemas.microsoft.com/office/drawing/2014/main" id="{DB13644A-9285-9111-3BBE-6AB488C981FF}"/>
+              </a:ext>
+            </a:extLst>
+          </p:cNvPr>
+          <p:cNvSpPr txBox="1"/>
+          <p:nvPr/>
+        </p:nvSpPr>
+        <p:spPr>
+          <a:xfrm>
+            <a:off x="4455776" y="3294796"/>
+            <a:ext cx="977220" cy="369332"/>
+          </a:xfrm>
+          <a:prstGeom prst="rect">
+            <a:avLst/>
+          </a:prstGeom>
+          <a:noFill/>
+        </p:spPr>
+        <p:txBody>
+          <a:bodyPr wrap="square">
+            <a:spAutoFit/>
+          </a:bodyPr>
+          <a:lstStyle/>
+          <a:p>
+            <a:pPr algn="ctr"/>
+            <a:r>
+              <a:rPr lang="en-US" sz="1800" dirty="0">
+                <a:solidFill>
+                  <a:schemeClr val="accent2">
+                    <a:lumMod val="60000"/>
+                    <a:lumOff val="40000"/>
+                  </a:schemeClr>
+                </a:solidFill>
+              </a:rPr>
+              <a:t>Bumper</a:t>
+            </a:r>
+          </a:p>
+        </p:txBody>
+      </p:sp>
+      <p:sp>
+        <p:nvSpPr>
+          <p:cNvPr id="38" name="TextBox 37">
+            <a:extLst>
+              <a:ext uri="{FF2B5EF4-FFF2-40B4-BE49-F238E27FC236}">
+                <a16:creationId xmlns:a16="http://schemas.microsoft.com/office/drawing/2014/main" id="{663C2E0C-F6E9-C73C-F7F2-26D2724A3EC5}"/>
+              </a:ext>
+            </a:extLst>
+          </p:cNvPr>
+          <p:cNvSpPr txBox="1"/>
+          <p:nvPr/>
+        </p:nvSpPr>
+        <p:spPr>
+          <a:xfrm>
+            <a:off x="6924656" y="3282792"/>
+            <a:ext cx="977220" cy="369332"/>
+          </a:xfrm>
+          <a:prstGeom prst="rect">
+            <a:avLst/>
+          </a:prstGeom>
+          <a:noFill/>
+        </p:spPr>
+        <p:txBody>
+          <a:bodyPr wrap="square">
+            <a:spAutoFit/>
+          </a:bodyPr>
+          <a:lstStyle/>
+          <a:p>
+            <a:pPr algn="ctr"/>
+            <a:r>
+              <a:rPr lang="en-US" sz="1800" dirty="0">
+                <a:solidFill>
+                  <a:schemeClr val="accent2">
+                    <a:lumMod val="60000"/>
+                    <a:lumOff val="40000"/>
+                  </a:schemeClr>
+                </a:solidFill>
+              </a:rPr>
+              <a:t>Bumper</a:t>
+            </a:r>
+          </a:p>
+        </p:txBody>
+      </p:sp>
+      <p:sp>
+        <p:nvSpPr>
+          <p:cNvPr id="40" name="TextBox 39">
+            <a:extLst>
+              <a:ext uri="{FF2B5EF4-FFF2-40B4-BE49-F238E27FC236}">
+                <a16:creationId xmlns:a16="http://schemas.microsoft.com/office/drawing/2014/main" id="{5FC26886-D16D-E4C3-22DA-B6459CC232DD}"/>
+              </a:ext>
+            </a:extLst>
+          </p:cNvPr>
+          <p:cNvSpPr txBox="1"/>
+          <p:nvPr/>
+        </p:nvSpPr>
+        <p:spPr>
+          <a:xfrm>
+            <a:off x="3788677" y="3445315"/>
+            <a:ext cx="338554" cy="580800"/>
+          </a:xfrm>
+          <a:prstGeom prst="rect">
+            <a:avLst/>
+          </a:prstGeom>
+          <a:noFill/>
+        </p:spPr>
+        <p:txBody>
+          <a:bodyPr vert="vert270" wrap="none" lIns="0" tIns="0" rIns="91440" bIns="0" rtlCol="0">
+            <a:spAutoFit/>
+          </a:bodyPr>
+          <a:lstStyle/>
+          <a:p>
+            <a:pPr algn="ctr"/>
+            <a:r>
+              <a:rPr lang="en-US" sz="1600" dirty="0">
+                <a:solidFill>
+                  <a:schemeClr val="bg2"/>
+                </a:solidFill>
+              </a:rPr>
+              <a:t>Trigger</a:t>
+            </a:r>
+          </a:p>
+        </p:txBody>
+      </p:sp>
+      <p:sp>
+        <p:nvSpPr>
+          <p:cNvPr id="41" name="TextBox 40">
+            <a:extLst>
+              <a:ext uri="{FF2B5EF4-FFF2-40B4-BE49-F238E27FC236}">
+                <a16:creationId xmlns:a16="http://schemas.microsoft.com/office/drawing/2014/main" id="{4AAA1677-C84E-01A0-4838-DEC253AEDD33}"/>
+              </a:ext>
+            </a:extLst>
+          </p:cNvPr>
+          <p:cNvSpPr txBox="1"/>
+          <p:nvPr/>
+        </p:nvSpPr>
+        <p:spPr>
+          <a:xfrm>
+            <a:off x="8214641" y="3429000"/>
+            <a:ext cx="338554" cy="580800"/>
+          </a:xfrm>
+          <a:prstGeom prst="rect">
+            <a:avLst/>
+          </a:prstGeom>
+          <a:noFill/>
+        </p:spPr>
+        <p:txBody>
+          <a:bodyPr vert="vert270" wrap="none" lIns="0" tIns="0" rIns="91440" bIns="0" rtlCol="0">
+            <a:spAutoFit/>
+          </a:bodyPr>
+          <a:lstStyle/>
+          <a:p>
+            <a:pPr algn="ctr"/>
+            <a:r>
+              <a:rPr lang="en-US" sz="1600" dirty="0">
+                <a:solidFill>
+                  <a:schemeClr val="bg2"/>
+                </a:solidFill>
+              </a:rPr>
+              <a:t>Trigger</a:t>
+            </a:r>
+          </a:p>
+        </p:txBody>
+      </p:sp>
     </p:spTree>
     <p:extLst>
       <p:ext uri="{BB962C8B-B14F-4D97-AF65-F5344CB8AC3E}">
         <p14:creationId xmlns:p14="http://schemas.microsoft.com/office/powerpoint/2010/main" val="1245557203"/>
+      </p:ext>
+    </p:extLst>
+  </p:cSld>
+  <p:clrMapOvr>
+    <a:masterClrMapping/>
+  </p:clrMapOvr>
+</p:sld>
+</file>
+
+<file path=ppt/slides/slide3.xml><?xml version="1.0" encoding="utf-8"?>
+<p:sld xmlns:a="http://schemas.openxmlformats.org/drawingml/2006/main" xmlns:r="http://schemas.openxmlformats.org/officeDocument/2006/relationships" xmlns:p="http://schemas.openxmlformats.org/presentationml/2006/main">
+  <p:cSld>
+    <p:spTree>
+      <p:nvGrpSpPr>
+        <p:cNvPr id="1" name=""/>
+        <p:cNvGrpSpPr/>
+        <p:nvPr/>
+      </p:nvGrpSpPr>
+      <p:grpSpPr>
+        <a:xfrm>
+          <a:off x="0" y="0"/>
+          <a:ext cx="0" cy="0"/>
+          <a:chOff x="0" y="0"/>
+          <a:chExt cx="0" cy="0"/>
+        </a:xfrm>
+      </p:grpSpPr>
+      <p:pic>
+        <p:nvPicPr>
+          <p:cNvPr id="5" name="Picture 4">
+            <a:extLst>
+              <a:ext uri="{FF2B5EF4-FFF2-40B4-BE49-F238E27FC236}">
+                <a16:creationId xmlns:a16="http://schemas.microsoft.com/office/drawing/2014/main" id="{89B50DDD-9F26-7769-EA99-8575A4D3ED30}"/>
+              </a:ext>
+            </a:extLst>
+          </p:cNvPr>
+          <p:cNvPicPr>
+            <a:picLocks noChangeAspect="1"/>
+          </p:cNvPicPr>
+          <p:nvPr/>
+        </p:nvPicPr>
+        <p:blipFill>
+          <a:blip r:embed="rId2">
+            <a:extLst>
+              <a:ext uri="{28A0092B-C50C-407E-A947-70E740481C1C}">
+                <a14:useLocalDpi xmlns:a14="http://schemas.microsoft.com/office/drawing/2010/main" val="0"/>
+              </a:ext>
+            </a:extLst>
+          </a:blip>
+          <a:srcRect l="35550" r="11291"/>
+          <a:stretch>
+            <a:fillRect/>
+          </a:stretch>
+        </p:blipFill>
+        <p:spPr>
+          <a:xfrm rot="10800000">
+            <a:off x="2602522" y="447940"/>
+            <a:ext cx="8400421" cy="6410060"/>
+          </a:xfrm>
+          <a:prstGeom prst="rect">
+            <a:avLst/>
+          </a:prstGeom>
+        </p:spPr>
+      </p:pic>
+      <p:cxnSp>
+        <p:nvCxnSpPr>
+          <p:cNvPr id="7" name="Straight Connector 6">
+            <a:extLst>
+              <a:ext uri="{FF2B5EF4-FFF2-40B4-BE49-F238E27FC236}">
+                <a16:creationId xmlns:a16="http://schemas.microsoft.com/office/drawing/2014/main" id="{367CFD9B-DE7D-05A5-A3F4-90F0BFC1D53E}"/>
+              </a:ext>
+            </a:extLst>
+          </p:cNvPr>
+          <p:cNvCxnSpPr/>
+          <p:nvPr/>
+        </p:nvCxnSpPr>
+        <p:spPr>
+          <a:xfrm flipV="1">
+            <a:off x="2893925" y="80387"/>
+            <a:ext cx="0" cy="622998"/>
+          </a:xfrm>
+          <a:prstGeom prst="line">
+            <a:avLst/>
+          </a:prstGeom>
+        </p:spPr>
+        <p:style>
+          <a:lnRef idx="2">
+            <a:schemeClr val="accent1"/>
+          </a:lnRef>
+          <a:fillRef idx="0">
+            <a:schemeClr val="accent1"/>
+          </a:fillRef>
+          <a:effectRef idx="1">
+            <a:schemeClr val="accent1"/>
+          </a:effectRef>
+          <a:fontRef idx="minor">
+            <a:schemeClr val="tx1"/>
+          </a:fontRef>
+        </p:style>
+      </p:cxnSp>
+      <p:cxnSp>
+        <p:nvCxnSpPr>
+          <p:cNvPr id="9" name="Straight Connector 8">
+            <a:extLst>
+              <a:ext uri="{FF2B5EF4-FFF2-40B4-BE49-F238E27FC236}">
+                <a16:creationId xmlns:a16="http://schemas.microsoft.com/office/drawing/2014/main" id="{65D846A5-CB70-F4FF-0C73-5301A1005282}"/>
+              </a:ext>
+            </a:extLst>
+          </p:cNvPr>
+          <p:cNvCxnSpPr/>
+          <p:nvPr/>
+        </p:nvCxnSpPr>
+        <p:spPr>
+          <a:xfrm flipV="1">
+            <a:off x="6173821" y="80387"/>
+            <a:ext cx="0" cy="622998"/>
+          </a:xfrm>
+          <a:prstGeom prst="line">
+            <a:avLst/>
+          </a:prstGeom>
+        </p:spPr>
+        <p:style>
+          <a:lnRef idx="2">
+            <a:schemeClr val="accent1"/>
+          </a:lnRef>
+          <a:fillRef idx="0">
+            <a:schemeClr val="accent1"/>
+          </a:fillRef>
+          <a:effectRef idx="1">
+            <a:schemeClr val="accent1"/>
+          </a:effectRef>
+          <a:fontRef idx="minor">
+            <a:schemeClr val="tx1"/>
+          </a:fontRef>
+        </p:style>
+      </p:cxnSp>
+      <p:sp>
+        <p:nvSpPr>
+          <p:cNvPr id="10" name="TextBox 9">
+            <a:extLst>
+              <a:ext uri="{FF2B5EF4-FFF2-40B4-BE49-F238E27FC236}">
+                <a16:creationId xmlns:a16="http://schemas.microsoft.com/office/drawing/2014/main" id="{47F433E0-4F27-49C8-F8DE-12B3CB323FE5}"/>
+              </a:ext>
+            </a:extLst>
+          </p:cNvPr>
+          <p:cNvSpPr txBox="1"/>
+          <p:nvPr/>
+        </p:nvSpPr>
+        <p:spPr>
+          <a:xfrm>
+            <a:off x="4124527" y="207220"/>
+            <a:ext cx="1040857" cy="369332"/>
+          </a:xfrm>
+          <a:prstGeom prst="rect">
+            <a:avLst/>
+          </a:prstGeom>
+          <a:noFill/>
+        </p:spPr>
+        <p:txBody>
+          <a:bodyPr wrap="square" rtlCol="0">
+            <a:spAutoFit/>
+          </a:bodyPr>
+          <a:lstStyle/>
+          <a:p>
+            <a:r>
+              <a:rPr lang="en-US" dirty="0"/>
+              <a:t>15’ – 2”</a:t>
+            </a:r>
+          </a:p>
+        </p:txBody>
+      </p:sp>
+      <p:cxnSp>
+        <p:nvCxnSpPr>
+          <p:cNvPr id="12" name="Straight Arrow Connector 11">
+            <a:extLst>
+              <a:ext uri="{FF2B5EF4-FFF2-40B4-BE49-F238E27FC236}">
+                <a16:creationId xmlns:a16="http://schemas.microsoft.com/office/drawing/2014/main" id="{664EB9C5-7C2E-790F-423E-D639C294633C}"/>
+              </a:ext>
+            </a:extLst>
+          </p:cNvPr>
+          <p:cNvCxnSpPr/>
+          <p:nvPr/>
+        </p:nvCxnSpPr>
+        <p:spPr>
+          <a:xfrm>
+            <a:off x="4980562" y="391886"/>
+            <a:ext cx="1193259" cy="0"/>
+          </a:xfrm>
+          <a:prstGeom prst="straightConnector1">
+            <a:avLst/>
+          </a:prstGeom>
+          <a:ln>
+            <a:tailEnd type="triangle"/>
+          </a:ln>
+        </p:spPr>
+        <p:style>
+          <a:lnRef idx="2">
+            <a:schemeClr val="accent1"/>
+          </a:lnRef>
+          <a:fillRef idx="0">
+            <a:schemeClr val="accent1"/>
+          </a:fillRef>
+          <a:effectRef idx="1">
+            <a:schemeClr val="accent1"/>
+          </a:effectRef>
+          <a:fontRef idx="minor">
+            <a:schemeClr val="tx1"/>
+          </a:fontRef>
+        </p:style>
+      </p:cxnSp>
+      <p:cxnSp>
+        <p:nvCxnSpPr>
+          <p:cNvPr id="14" name="Straight Arrow Connector 13">
+            <a:extLst>
+              <a:ext uri="{FF2B5EF4-FFF2-40B4-BE49-F238E27FC236}">
+                <a16:creationId xmlns:a16="http://schemas.microsoft.com/office/drawing/2014/main" id="{8A187084-3633-5124-9AAD-27CBBC0AA1A3}"/>
+              </a:ext>
+            </a:extLst>
+          </p:cNvPr>
+          <p:cNvCxnSpPr>
+            <a:stCxn id="10" idx="1"/>
+          </p:cNvCxnSpPr>
+          <p:nvPr/>
+        </p:nvCxnSpPr>
+        <p:spPr>
+          <a:xfrm flipH="1">
+            <a:off x="2893925" y="391886"/>
+            <a:ext cx="1230602" cy="0"/>
+          </a:xfrm>
+          <a:prstGeom prst="straightConnector1">
+            <a:avLst/>
+          </a:prstGeom>
+          <a:ln>
+            <a:tailEnd type="triangle"/>
+          </a:ln>
+        </p:spPr>
+        <p:style>
+          <a:lnRef idx="2">
+            <a:schemeClr val="accent1"/>
+          </a:lnRef>
+          <a:fillRef idx="0">
+            <a:schemeClr val="accent1"/>
+          </a:fillRef>
+          <a:effectRef idx="1">
+            <a:schemeClr val="accent1"/>
+          </a:effectRef>
+          <a:fontRef idx="minor">
+            <a:schemeClr val="tx1"/>
+          </a:fontRef>
+        </p:style>
+      </p:cxnSp>
+      <p:sp>
+        <p:nvSpPr>
+          <p:cNvPr id="15" name="TextBox 14">
+            <a:extLst>
+              <a:ext uri="{FF2B5EF4-FFF2-40B4-BE49-F238E27FC236}">
+                <a16:creationId xmlns:a16="http://schemas.microsoft.com/office/drawing/2014/main" id="{8FEC2BC5-7AED-CDE6-F7CA-A5827780AAFE}"/>
+              </a:ext>
+            </a:extLst>
+          </p:cNvPr>
+          <p:cNvSpPr txBox="1"/>
+          <p:nvPr/>
+        </p:nvSpPr>
+        <p:spPr>
+          <a:xfrm>
+            <a:off x="6846630" y="207220"/>
+            <a:ext cx="1115583" cy="369332"/>
+          </a:xfrm>
+          <a:prstGeom prst="rect">
+            <a:avLst/>
+          </a:prstGeom>
+          <a:noFill/>
+        </p:spPr>
+        <p:txBody>
+          <a:bodyPr wrap="square" rtlCol="0">
+            <a:spAutoFit/>
+          </a:bodyPr>
+          <a:lstStyle/>
+          <a:p>
+            <a:pPr algn="ctr"/>
+            <a:r>
+              <a:rPr lang="en-US" dirty="0"/>
+              <a:t>11’-11”</a:t>
+            </a:r>
+          </a:p>
+        </p:txBody>
+      </p:sp>
+      <p:cxnSp>
+        <p:nvCxnSpPr>
+          <p:cNvPr id="17" name="Straight Arrow Connector 16">
+            <a:extLst>
+              <a:ext uri="{FF2B5EF4-FFF2-40B4-BE49-F238E27FC236}">
+                <a16:creationId xmlns:a16="http://schemas.microsoft.com/office/drawing/2014/main" id="{970E18FE-0E83-1549-B5F0-E19EC8C415D4}"/>
+              </a:ext>
+            </a:extLst>
+          </p:cNvPr>
+          <p:cNvCxnSpPr/>
+          <p:nvPr/>
+        </p:nvCxnSpPr>
+        <p:spPr>
+          <a:xfrm flipH="1">
+            <a:off x="6245157" y="391886"/>
+            <a:ext cx="739303" cy="0"/>
+          </a:xfrm>
+          <a:prstGeom prst="straightConnector1">
+            <a:avLst/>
+          </a:prstGeom>
+          <a:ln>
+            <a:tailEnd type="triangle"/>
+          </a:ln>
+        </p:spPr>
+        <p:style>
+          <a:lnRef idx="2">
+            <a:schemeClr val="accent1"/>
+          </a:lnRef>
+          <a:fillRef idx="0">
+            <a:schemeClr val="accent1"/>
+          </a:fillRef>
+          <a:effectRef idx="1">
+            <a:schemeClr val="accent1"/>
+          </a:effectRef>
+          <a:fontRef idx="minor">
+            <a:schemeClr val="tx1"/>
+          </a:fontRef>
+        </p:style>
+      </p:cxnSp>
+      <p:cxnSp>
+        <p:nvCxnSpPr>
+          <p:cNvPr id="19" name="Straight Connector 18">
+            <a:extLst>
+              <a:ext uri="{FF2B5EF4-FFF2-40B4-BE49-F238E27FC236}">
+                <a16:creationId xmlns:a16="http://schemas.microsoft.com/office/drawing/2014/main" id="{D5B00D9C-91FA-49C0-9A29-87037834774E}"/>
+              </a:ext>
+            </a:extLst>
+          </p:cNvPr>
+          <p:cNvCxnSpPr/>
+          <p:nvPr/>
+        </p:nvCxnSpPr>
+        <p:spPr>
+          <a:xfrm flipV="1">
+            <a:off x="8725711" y="80387"/>
+            <a:ext cx="0" cy="622998"/>
+          </a:xfrm>
+          <a:prstGeom prst="line">
+            <a:avLst/>
+          </a:prstGeom>
+        </p:spPr>
+        <p:style>
+          <a:lnRef idx="2">
+            <a:schemeClr val="accent1"/>
+          </a:lnRef>
+          <a:fillRef idx="0">
+            <a:schemeClr val="accent1"/>
+          </a:fillRef>
+          <a:effectRef idx="1">
+            <a:schemeClr val="accent1"/>
+          </a:effectRef>
+          <a:fontRef idx="minor">
+            <a:schemeClr val="tx1"/>
+          </a:fontRef>
+        </p:style>
+      </p:cxnSp>
+      <p:cxnSp>
+        <p:nvCxnSpPr>
+          <p:cNvPr id="21" name="Straight Arrow Connector 20">
+            <a:extLst>
+              <a:ext uri="{FF2B5EF4-FFF2-40B4-BE49-F238E27FC236}">
+                <a16:creationId xmlns:a16="http://schemas.microsoft.com/office/drawing/2014/main" id="{D2167E87-77C6-DF48-C808-B355E62D599B}"/>
+              </a:ext>
+            </a:extLst>
+          </p:cNvPr>
+          <p:cNvCxnSpPr/>
+          <p:nvPr/>
+        </p:nvCxnSpPr>
+        <p:spPr>
+          <a:xfrm>
+            <a:off x="7801583" y="391886"/>
+            <a:ext cx="894945" cy="0"/>
+          </a:xfrm>
+          <a:prstGeom prst="straightConnector1">
+            <a:avLst/>
+          </a:prstGeom>
+          <a:ln>
+            <a:tailEnd type="triangle"/>
+          </a:ln>
+        </p:spPr>
+        <p:style>
+          <a:lnRef idx="2">
+            <a:schemeClr val="accent1"/>
+          </a:lnRef>
+          <a:fillRef idx="0">
+            <a:schemeClr val="accent1"/>
+          </a:fillRef>
+          <a:effectRef idx="1">
+            <a:schemeClr val="accent1"/>
+          </a:effectRef>
+          <a:fontRef idx="minor">
+            <a:schemeClr val="tx1"/>
+          </a:fontRef>
+        </p:style>
+      </p:cxnSp>
+      <p:cxnSp>
+        <p:nvCxnSpPr>
+          <p:cNvPr id="23" name="Straight Connector 22">
+            <a:extLst>
+              <a:ext uri="{FF2B5EF4-FFF2-40B4-BE49-F238E27FC236}">
+                <a16:creationId xmlns:a16="http://schemas.microsoft.com/office/drawing/2014/main" id="{16A65735-A8CC-3A69-6FA4-371F403ECD00}"/>
+              </a:ext>
+            </a:extLst>
+          </p:cNvPr>
+          <p:cNvCxnSpPr>
+            <a:cxnSpLocks/>
+          </p:cNvCxnSpPr>
+          <p:nvPr/>
+        </p:nvCxnSpPr>
+        <p:spPr>
+          <a:xfrm flipH="1">
+            <a:off x="1867711" y="787940"/>
+            <a:ext cx="856034" cy="0"/>
+          </a:xfrm>
+          <a:prstGeom prst="line">
+            <a:avLst/>
+          </a:prstGeom>
+        </p:spPr>
+        <p:style>
+          <a:lnRef idx="2">
+            <a:schemeClr val="accent1"/>
+          </a:lnRef>
+          <a:fillRef idx="0">
+            <a:schemeClr val="accent1"/>
+          </a:fillRef>
+          <a:effectRef idx="1">
+            <a:schemeClr val="accent1"/>
+          </a:effectRef>
+          <a:fontRef idx="minor">
+            <a:schemeClr val="tx1"/>
+          </a:fontRef>
+        </p:style>
+      </p:cxnSp>
+      <p:cxnSp>
+        <p:nvCxnSpPr>
+          <p:cNvPr id="25" name="Straight Connector 24">
+            <a:extLst>
+              <a:ext uri="{FF2B5EF4-FFF2-40B4-BE49-F238E27FC236}">
+                <a16:creationId xmlns:a16="http://schemas.microsoft.com/office/drawing/2014/main" id="{785C8DFA-6E96-0E54-F5B9-94802962801D}"/>
+              </a:ext>
+            </a:extLst>
+          </p:cNvPr>
+          <p:cNvCxnSpPr>
+            <a:cxnSpLocks/>
+            <a:endCxn id="5" idx="3"/>
+          </p:cNvCxnSpPr>
+          <p:nvPr/>
+        </p:nvCxnSpPr>
+        <p:spPr>
+          <a:xfrm>
+            <a:off x="2235116" y="3652970"/>
+            <a:ext cx="367406" cy="0"/>
+          </a:xfrm>
+          <a:prstGeom prst="line">
+            <a:avLst/>
+          </a:prstGeom>
+        </p:spPr>
+        <p:style>
+          <a:lnRef idx="2">
+            <a:schemeClr val="accent1"/>
+          </a:lnRef>
+          <a:fillRef idx="0">
+            <a:schemeClr val="accent1"/>
+          </a:fillRef>
+          <a:effectRef idx="1">
+            <a:schemeClr val="accent1"/>
+          </a:effectRef>
+          <a:fontRef idx="minor">
+            <a:schemeClr val="tx1"/>
+          </a:fontRef>
+        </p:style>
+      </p:cxnSp>
+      <p:cxnSp>
+        <p:nvCxnSpPr>
+          <p:cNvPr id="28" name="Straight Connector 27">
+            <a:extLst>
+              <a:ext uri="{FF2B5EF4-FFF2-40B4-BE49-F238E27FC236}">
+                <a16:creationId xmlns:a16="http://schemas.microsoft.com/office/drawing/2014/main" id="{B5D89150-7413-ECDC-940D-59A0A3D1CD5D}"/>
+              </a:ext>
+            </a:extLst>
+          </p:cNvPr>
+          <p:cNvCxnSpPr/>
+          <p:nvPr/>
+        </p:nvCxnSpPr>
+        <p:spPr>
+          <a:xfrm flipH="1">
+            <a:off x="1867711" y="6439711"/>
+            <a:ext cx="734811" cy="0"/>
+          </a:xfrm>
+          <a:prstGeom prst="line">
+            <a:avLst/>
+          </a:prstGeom>
+        </p:spPr>
+        <p:style>
+          <a:lnRef idx="2">
+            <a:schemeClr val="accent1"/>
+          </a:lnRef>
+          <a:fillRef idx="0">
+            <a:schemeClr val="accent1"/>
+          </a:fillRef>
+          <a:effectRef idx="1">
+            <a:schemeClr val="accent1"/>
+          </a:effectRef>
+          <a:fontRef idx="minor">
+            <a:schemeClr val="tx1"/>
+          </a:fontRef>
+        </p:style>
+      </p:cxnSp>
+      <p:cxnSp>
+        <p:nvCxnSpPr>
+          <p:cNvPr id="30" name="Straight Arrow Connector 29">
+            <a:extLst>
+              <a:ext uri="{FF2B5EF4-FFF2-40B4-BE49-F238E27FC236}">
+                <a16:creationId xmlns:a16="http://schemas.microsoft.com/office/drawing/2014/main" id="{903AB9B3-2CB6-3048-47FD-07FACBF21F40}"/>
+              </a:ext>
+            </a:extLst>
+          </p:cNvPr>
+          <p:cNvCxnSpPr/>
+          <p:nvPr/>
+        </p:nvCxnSpPr>
+        <p:spPr>
+          <a:xfrm flipV="1">
+            <a:off x="2332393" y="787940"/>
+            <a:ext cx="0" cy="710120"/>
+          </a:xfrm>
+          <a:prstGeom prst="straightConnector1">
+            <a:avLst/>
+          </a:prstGeom>
+          <a:ln>
+            <a:tailEnd type="triangle"/>
+          </a:ln>
+        </p:spPr>
+        <p:style>
+          <a:lnRef idx="2">
+            <a:schemeClr val="accent1"/>
+          </a:lnRef>
+          <a:fillRef idx="0">
+            <a:schemeClr val="accent1"/>
+          </a:fillRef>
+          <a:effectRef idx="1">
+            <a:schemeClr val="accent1"/>
+          </a:effectRef>
+          <a:fontRef idx="minor">
+            <a:schemeClr val="tx1"/>
+          </a:fontRef>
+        </p:style>
+      </p:cxnSp>
+      <p:cxnSp>
+        <p:nvCxnSpPr>
+          <p:cNvPr id="32" name="Straight Arrow Connector 31">
+            <a:extLst>
+              <a:ext uri="{FF2B5EF4-FFF2-40B4-BE49-F238E27FC236}">
+                <a16:creationId xmlns:a16="http://schemas.microsoft.com/office/drawing/2014/main" id="{96786020-3053-E701-DB4C-FE04D96708D7}"/>
+              </a:ext>
+            </a:extLst>
+          </p:cNvPr>
+          <p:cNvCxnSpPr/>
+          <p:nvPr/>
+        </p:nvCxnSpPr>
+        <p:spPr>
+          <a:xfrm>
+            <a:off x="2332393" y="1760706"/>
+            <a:ext cx="0" cy="1892263"/>
+          </a:xfrm>
+          <a:prstGeom prst="straightConnector1">
+            <a:avLst/>
+          </a:prstGeom>
+          <a:ln>
+            <a:tailEnd type="triangle"/>
+          </a:ln>
+        </p:spPr>
+        <p:style>
+          <a:lnRef idx="2">
+            <a:schemeClr val="accent1"/>
+          </a:lnRef>
+          <a:fillRef idx="0">
+            <a:schemeClr val="accent1"/>
+          </a:fillRef>
+          <a:effectRef idx="1">
+            <a:schemeClr val="accent1"/>
+          </a:effectRef>
+          <a:fontRef idx="minor">
+            <a:schemeClr val="tx1"/>
+          </a:fontRef>
+        </p:style>
+      </p:cxnSp>
+      <p:cxnSp>
+        <p:nvCxnSpPr>
+          <p:cNvPr id="35" name="Straight Arrow Connector 34">
+            <a:extLst>
+              <a:ext uri="{FF2B5EF4-FFF2-40B4-BE49-F238E27FC236}">
+                <a16:creationId xmlns:a16="http://schemas.microsoft.com/office/drawing/2014/main" id="{8ACE21BC-91A9-4181-57BB-20157664BF64}"/>
+              </a:ext>
+            </a:extLst>
+          </p:cNvPr>
+          <p:cNvCxnSpPr/>
+          <p:nvPr/>
+        </p:nvCxnSpPr>
+        <p:spPr>
+          <a:xfrm flipV="1">
+            <a:off x="2062264" y="787940"/>
+            <a:ext cx="0" cy="4863830"/>
+          </a:xfrm>
+          <a:prstGeom prst="straightConnector1">
+            <a:avLst/>
+          </a:prstGeom>
+          <a:ln>
+            <a:tailEnd type="triangle"/>
+          </a:ln>
+        </p:spPr>
+        <p:style>
+          <a:lnRef idx="2">
+            <a:schemeClr val="accent1"/>
+          </a:lnRef>
+          <a:fillRef idx="0">
+            <a:schemeClr val="accent1"/>
+          </a:fillRef>
+          <a:effectRef idx="1">
+            <a:schemeClr val="accent1"/>
+          </a:effectRef>
+          <a:fontRef idx="minor">
+            <a:schemeClr val="tx1"/>
+          </a:fontRef>
+        </p:style>
+      </p:cxnSp>
+      <p:cxnSp>
+        <p:nvCxnSpPr>
+          <p:cNvPr id="38" name="Straight Arrow Connector 37">
+            <a:extLst>
+              <a:ext uri="{FF2B5EF4-FFF2-40B4-BE49-F238E27FC236}">
+                <a16:creationId xmlns:a16="http://schemas.microsoft.com/office/drawing/2014/main" id="{158B8029-A709-54A6-75B5-00648E4F87AC}"/>
+              </a:ext>
+            </a:extLst>
+          </p:cNvPr>
+          <p:cNvCxnSpPr/>
+          <p:nvPr/>
+        </p:nvCxnSpPr>
+        <p:spPr>
+          <a:xfrm>
+            <a:off x="2062264" y="6050604"/>
+            <a:ext cx="0" cy="389107"/>
+          </a:xfrm>
+          <a:prstGeom prst="straightConnector1">
+            <a:avLst/>
+          </a:prstGeom>
+          <a:ln>
+            <a:tailEnd type="triangle"/>
+          </a:ln>
+        </p:spPr>
+        <p:style>
+          <a:lnRef idx="2">
+            <a:schemeClr val="accent1"/>
+          </a:lnRef>
+          <a:fillRef idx="0">
+            <a:schemeClr val="accent1"/>
+          </a:fillRef>
+          <a:effectRef idx="1">
+            <a:schemeClr val="accent1"/>
+          </a:effectRef>
+          <a:fontRef idx="minor">
+            <a:schemeClr val="tx1"/>
+          </a:fontRef>
+        </p:style>
+      </p:cxnSp>
+      <p:sp>
+        <p:nvSpPr>
+          <p:cNvPr id="39" name="TextBox 38">
+            <a:extLst>
+              <a:ext uri="{FF2B5EF4-FFF2-40B4-BE49-F238E27FC236}">
+                <a16:creationId xmlns:a16="http://schemas.microsoft.com/office/drawing/2014/main" id="{A80C1738-B9B4-AAA9-C21E-69AC380459D1}"/>
+              </a:ext>
+            </a:extLst>
+          </p:cNvPr>
+          <p:cNvSpPr txBox="1"/>
+          <p:nvPr/>
+        </p:nvSpPr>
+        <p:spPr>
+          <a:xfrm>
+            <a:off x="1867711" y="1498060"/>
+            <a:ext cx="1026213" cy="369332"/>
+          </a:xfrm>
+          <a:prstGeom prst="rect">
+            <a:avLst/>
+          </a:prstGeom>
+          <a:noFill/>
+        </p:spPr>
+        <p:txBody>
+          <a:bodyPr wrap="square" rtlCol="0">
+            <a:spAutoFit/>
+          </a:bodyPr>
+          <a:lstStyle/>
+          <a:p>
+            <a:pPr algn="ctr"/>
+            <a:r>
+              <a:rPr lang="en-US" dirty="0"/>
+              <a:t>13’- 3”</a:t>
+            </a:r>
+          </a:p>
+        </p:txBody>
+      </p:sp>
+      <p:sp>
+        <p:nvSpPr>
+          <p:cNvPr id="40" name="TextBox 39">
+            <a:extLst>
+              <a:ext uri="{FF2B5EF4-FFF2-40B4-BE49-F238E27FC236}">
+                <a16:creationId xmlns:a16="http://schemas.microsoft.com/office/drawing/2014/main" id="{35A31091-E868-C733-5185-F7D88D35F3EC}"/>
+              </a:ext>
+            </a:extLst>
+          </p:cNvPr>
+          <p:cNvSpPr txBox="1"/>
+          <p:nvPr/>
+        </p:nvSpPr>
+        <p:spPr>
+          <a:xfrm>
+            <a:off x="1678395" y="5690998"/>
+            <a:ext cx="856034" cy="369332"/>
+          </a:xfrm>
+          <a:prstGeom prst="rect">
+            <a:avLst/>
+          </a:prstGeom>
+          <a:noFill/>
+        </p:spPr>
+        <p:txBody>
+          <a:bodyPr wrap="square" rtlCol="0">
+            <a:spAutoFit/>
+          </a:bodyPr>
+          <a:lstStyle/>
+          <a:p>
+            <a:r>
+              <a:rPr lang="en-US" dirty="0"/>
+              <a:t>26’- 7”</a:t>
+            </a:r>
+          </a:p>
+        </p:txBody>
+      </p:sp>
+      <p:sp>
+        <p:nvSpPr>
+          <p:cNvPr id="42" name="Rectangle 41">
+            <a:extLst>
+              <a:ext uri="{FF2B5EF4-FFF2-40B4-BE49-F238E27FC236}">
+                <a16:creationId xmlns:a16="http://schemas.microsoft.com/office/drawing/2014/main" id="{CDF6BE33-D78F-F2AF-A67B-3F97A2091FE7}"/>
+              </a:ext>
+            </a:extLst>
+          </p:cNvPr>
+          <p:cNvSpPr/>
+          <p:nvPr/>
+        </p:nvSpPr>
+        <p:spPr>
+          <a:xfrm>
+            <a:off x="5343727" y="1027427"/>
+            <a:ext cx="466928" cy="466928"/>
+          </a:xfrm>
+          <a:prstGeom prst="rect">
+            <a:avLst/>
+          </a:prstGeom>
+          <a:solidFill>
+            <a:schemeClr val="accent3">
+              <a:lumMod val="40000"/>
+              <a:lumOff val="60000"/>
+            </a:schemeClr>
+          </a:solidFill>
+        </p:spPr>
+        <p:style>
+          <a:lnRef idx="2">
+            <a:schemeClr val="accent1">
+              <a:shade val="15000"/>
+            </a:schemeClr>
+          </a:lnRef>
+          <a:fillRef idx="1">
+            <a:schemeClr val="accent1"/>
+          </a:fillRef>
+          <a:effectRef idx="0">
+            <a:schemeClr val="accent1"/>
+          </a:effectRef>
+          <a:fontRef idx="minor">
+            <a:schemeClr val="lt1"/>
+          </a:fontRef>
+        </p:style>
+        <p:txBody>
+          <a:bodyPr rtlCol="0" anchor="ctr"/>
+          <a:lstStyle/>
+          <a:p>
+            <a:pPr algn="ctr"/>
+            <a:r>
+              <a:rPr lang="en-US" dirty="0">
+                <a:solidFill>
+                  <a:schemeClr val="tx1"/>
+                </a:solidFill>
+              </a:rPr>
+              <a:t>S1</a:t>
+            </a:r>
+          </a:p>
+        </p:txBody>
+      </p:sp>
+      <p:sp>
+        <p:nvSpPr>
+          <p:cNvPr id="43" name="Rectangle 42">
+            <a:extLst>
+              <a:ext uri="{FF2B5EF4-FFF2-40B4-BE49-F238E27FC236}">
+                <a16:creationId xmlns:a16="http://schemas.microsoft.com/office/drawing/2014/main" id="{BF37C460-1616-14EF-77EB-FA04502FF910}"/>
+              </a:ext>
+            </a:extLst>
+          </p:cNvPr>
+          <p:cNvSpPr/>
+          <p:nvPr/>
+        </p:nvSpPr>
+        <p:spPr>
+          <a:xfrm>
+            <a:off x="5293166" y="2706837"/>
+            <a:ext cx="466928" cy="466928"/>
+          </a:xfrm>
+          <a:prstGeom prst="rect">
+            <a:avLst/>
+          </a:prstGeom>
+          <a:solidFill>
+            <a:schemeClr val="accent3">
+              <a:lumMod val="40000"/>
+              <a:lumOff val="60000"/>
+            </a:schemeClr>
+          </a:solidFill>
+        </p:spPr>
+        <p:style>
+          <a:lnRef idx="2">
+            <a:schemeClr val="accent1">
+              <a:shade val="15000"/>
+            </a:schemeClr>
+          </a:lnRef>
+          <a:fillRef idx="1">
+            <a:schemeClr val="accent1"/>
+          </a:fillRef>
+          <a:effectRef idx="0">
+            <a:schemeClr val="accent1"/>
+          </a:effectRef>
+          <a:fontRef idx="minor">
+            <a:schemeClr val="lt1"/>
+          </a:fontRef>
+        </p:style>
+        <p:txBody>
+          <a:bodyPr rtlCol="0" anchor="ctr"/>
+          <a:lstStyle/>
+          <a:p>
+            <a:pPr algn="ctr"/>
+            <a:r>
+              <a:rPr lang="en-US" dirty="0">
+                <a:solidFill>
+                  <a:schemeClr val="tx1"/>
+                </a:solidFill>
+              </a:rPr>
+              <a:t>S2</a:t>
+            </a:r>
+          </a:p>
+        </p:txBody>
+      </p:sp>
+      <p:sp>
+        <p:nvSpPr>
+          <p:cNvPr id="44" name="Rectangle 43">
+            <a:extLst>
+              <a:ext uri="{FF2B5EF4-FFF2-40B4-BE49-F238E27FC236}">
+                <a16:creationId xmlns:a16="http://schemas.microsoft.com/office/drawing/2014/main" id="{4B45FDBB-C29F-46BF-3A52-5AE0F3439DC1}"/>
+              </a:ext>
+            </a:extLst>
+          </p:cNvPr>
+          <p:cNvSpPr/>
+          <p:nvPr/>
+        </p:nvSpPr>
+        <p:spPr>
+          <a:xfrm>
+            <a:off x="5293166" y="4186136"/>
+            <a:ext cx="466928" cy="466928"/>
+          </a:xfrm>
+          <a:prstGeom prst="rect">
+            <a:avLst/>
+          </a:prstGeom>
+          <a:solidFill>
+            <a:schemeClr val="accent3">
+              <a:lumMod val="40000"/>
+              <a:lumOff val="60000"/>
+            </a:schemeClr>
+          </a:solidFill>
+        </p:spPr>
+        <p:style>
+          <a:lnRef idx="2">
+            <a:schemeClr val="accent1">
+              <a:shade val="15000"/>
+            </a:schemeClr>
+          </a:lnRef>
+          <a:fillRef idx="1">
+            <a:schemeClr val="accent1"/>
+          </a:fillRef>
+          <a:effectRef idx="0">
+            <a:schemeClr val="accent1"/>
+          </a:effectRef>
+          <a:fontRef idx="minor">
+            <a:schemeClr val="lt1"/>
+          </a:fontRef>
+        </p:style>
+        <p:txBody>
+          <a:bodyPr rtlCol="0" anchor="ctr"/>
+          <a:lstStyle/>
+          <a:p>
+            <a:pPr algn="ctr"/>
+            <a:r>
+              <a:rPr lang="en-US" dirty="0">
+                <a:solidFill>
+                  <a:schemeClr val="tx1"/>
+                </a:solidFill>
+              </a:rPr>
+              <a:t>S3</a:t>
+            </a:r>
+          </a:p>
+        </p:txBody>
+      </p:sp>
+      <p:sp>
+        <p:nvSpPr>
+          <p:cNvPr id="45" name="Rectangle 44">
+            <a:extLst>
+              <a:ext uri="{FF2B5EF4-FFF2-40B4-BE49-F238E27FC236}">
+                <a16:creationId xmlns:a16="http://schemas.microsoft.com/office/drawing/2014/main" id="{A1F99331-A028-0716-267A-FC2ED21E25A8}"/>
+              </a:ext>
+            </a:extLst>
+          </p:cNvPr>
+          <p:cNvSpPr/>
+          <p:nvPr/>
+        </p:nvSpPr>
+        <p:spPr>
+          <a:xfrm>
+            <a:off x="5343727" y="5778229"/>
+            <a:ext cx="466928" cy="466928"/>
+          </a:xfrm>
+          <a:prstGeom prst="rect">
+            <a:avLst/>
+          </a:prstGeom>
+          <a:solidFill>
+            <a:schemeClr val="accent3">
+              <a:lumMod val="40000"/>
+              <a:lumOff val="60000"/>
+            </a:schemeClr>
+          </a:solidFill>
+        </p:spPr>
+        <p:style>
+          <a:lnRef idx="2">
+            <a:schemeClr val="accent1">
+              <a:shade val="15000"/>
+            </a:schemeClr>
+          </a:lnRef>
+          <a:fillRef idx="1">
+            <a:schemeClr val="accent1"/>
+          </a:fillRef>
+          <a:effectRef idx="0">
+            <a:schemeClr val="accent1"/>
+          </a:effectRef>
+          <a:fontRef idx="minor">
+            <a:schemeClr val="lt1"/>
+          </a:fontRef>
+        </p:style>
+        <p:txBody>
+          <a:bodyPr rtlCol="0" anchor="ctr"/>
+          <a:lstStyle/>
+          <a:p>
+            <a:pPr algn="ctr"/>
+            <a:r>
+              <a:rPr lang="en-US" dirty="0">
+                <a:solidFill>
+                  <a:schemeClr val="tx1"/>
+                </a:solidFill>
+              </a:rPr>
+              <a:t>S4</a:t>
+            </a:r>
+          </a:p>
+        </p:txBody>
+      </p:sp>
+      <p:sp>
+        <p:nvSpPr>
+          <p:cNvPr id="46" name="Rectangle 45">
+            <a:extLst>
+              <a:ext uri="{FF2B5EF4-FFF2-40B4-BE49-F238E27FC236}">
+                <a16:creationId xmlns:a16="http://schemas.microsoft.com/office/drawing/2014/main" id="{210245D3-5761-18B8-7ED7-F7539E0612C5}"/>
+              </a:ext>
+            </a:extLst>
+          </p:cNvPr>
+          <p:cNvSpPr/>
+          <p:nvPr/>
+        </p:nvSpPr>
+        <p:spPr>
+          <a:xfrm>
+            <a:off x="3509226" y="3049740"/>
+            <a:ext cx="466928" cy="466928"/>
+          </a:xfrm>
+          <a:prstGeom prst="rect">
+            <a:avLst/>
+          </a:prstGeom>
+          <a:solidFill>
+            <a:schemeClr val="accent1">
+              <a:lumMod val="40000"/>
+              <a:lumOff val="60000"/>
+            </a:schemeClr>
+          </a:solidFill>
+        </p:spPr>
+        <p:style>
+          <a:lnRef idx="2">
+            <a:schemeClr val="accent1">
+              <a:shade val="15000"/>
+            </a:schemeClr>
+          </a:lnRef>
+          <a:fillRef idx="1">
+            <a:schemeClr val="accent1"/>
+          </a:fillRef>
+          <a:effectRef idx="0">
+            <a:schemeClr val="accent1"/>
+          </a:effectRef>
+          <a:fontRef idx="minor">
+            <a:schemeClr val="lt1"/>
+          </a:fontRef>
+        </p:style>
+        <p:txBody>
+          <a:bodyPr rtlCol="0" anchor="ctr"/>
+          <a:lstStyle/>
+          <a:p>
+            <a:pPr algn="ctr"/>
+            <a:r>
+              <a:rPr lang="en-US" dirty="0">
+                <a:solidFill>
+                  <a:schemeClr val="tx1"/>
+                </a:solidFill>
+              </a:rPr>
+              <a:t>C1</a:t>
+            </a:r>
+          </a:p>
+        </p:txBody>
+      </p:sp>
+      <p:sp>
+        <p:nvSpPr>
+          <p:cNvPr id="48" name="Rectangle 47">
+            <a:extLst>
+              <a:ext uri="{FF2B5EF4-FFF2-40B4-BE49-F238E27FC236}">
+                <a16:creationId xmlns:a16="http://schemas.microsoft.com/office/drawing/2014/main" id="{262C5265-7370-9FA1-003E-B3D2379F2C55}"/>
+              </a:ext>
+            </a:extLst>
+          </p:cNvPr>
+          <p:cNvSpPr/>
+          <p:nvPr/>
+        </p:nvSpPr>
+        <p:spPr>
+          <a:xfrm>
+            <a:off x="3332740" y="4233903"/>
+            <a:ext cx="466928" cy="466928"/>
+          </a:xfrm>
+          <a:prstGeom prst="rect">
+            <a:avLst/>
+          </a:prstGeom>
+          <a:solidFill>
+            <a:schemeClr val="accent1">
+              <a:lumMod val="40000"/>
+              <a:lumOff val="60000"/>
+            </a:schemeClr>
+          </a:solidFill>
+        </p:spPr>
+        <p:style>
+          <a:lnRef idx="2">
+            <a:schemeClr val="accent1">
+              <a:shade val="15000"/>
+            </a:schemeClr>
+          </a:lnRef>
+          <a:fillRef idx="1">
+            <a:schemeClr val="accent1"/>
+          </a:fillRef>
+          <a:effectRef idx="0">
+            <a:schemeClr val="accent1"/>
+          </a:effectRef>
+          <a:fontRef idx="minor">
+            <a:schemeClr val="lt1"/>
+          </a:fontRef>
+        </p:style>
+        <p:txBody>
+          <a:bodyPr rtlCol="0" anchor="ctr"/>
+          <a:lstStyle/>
+          <a:p>
+            <a:pPr algn="ctr"/>
+            <a:r>
+              <a:rPr lang="en-US" dirty="0">
+                <a:solidFill>
+                  <a:schemeClr val="tx1"/>
+                </a:solidFill>
+              </a:rPr>
+              <a:t>C2</a:t>
+            </a:r>
+          </a:p>
+        </p:txBody>
+      </p:sp>
+      <p:sp>
+        <p:nvSpPr>
+          <p:cNvPr id="49" name="TextBox 48">
+            <a:extLst>
+              <a:ext uri="{FF2B5EF4-FFF2-40B4-BE49-F238E27FC236}">
+                <a16:creationId xmlns:a16="http://schemas.microsoft.com/office/drawing/2014/main" id="{60E91C76-CA37-AE35-5996-DBB394B403D0}"/>
+              </a:ext>
+            </a:extLst>
+          </p:cNvPr>
+          <p:cNvSpPr txBox="1"/>
+          <p:nvPr/>
+        </p:nvSpPr>
+        <p:spPr>
+          <a:xfrm>
+            <a:off x="8696528" y="888051"/>
+            <a:ext cx="1717482" cy="400110"/>
+          </a:xfrm>
+          <a:prstGeom prst="rect">
+            <a:avLst/>
+          </a:prstGeom>
+          <a:noFill/>
+        </p:spPr>
+        <p:txBody>
+          <a:bodyPr wrap="square" rtlCol="0">
+            <a:spAutoFit/>
+          </a:bodyPr>
+          <a:lstStyle/>
+          <a:p>
+            <a:r>
+              <a:rPr lang="en-US" sz="2000" dirty="0"/>
+              <a:t>Neutral   Zone</a:t>
+            </a:r>
+          </a:p>
+        </p:txBody>
+      </p:sp>
+      <p:sp>
+        <p:nvSpPr>
+          <p:cNvPr id="50" name="TextBox 49">
+            <a:extLst>
+              <a:ext uri="{FF2B5EF4-FFF2-40B4-BE49-F238E27FC236}">
+                <a16:creationId xmlns:a16="http://schemas.microsoft.com/office/drawing/2014/main" id="{376A8393-6DF5-94BF-A9A0-6987886E8715}"/>
+              </a:ext>
+            </a:extLst>
+          </p:cNvPr>
+          <p:cNvSpPr txBox="1"/>
+          <p:nvPr/>
+        </p:nvSpPr>
+        <p:spPr>
+          <a:xfrm>
+            <a:off x="260823" y="207220"/>
+            <a:ext cx="1772258" cy="1015663"/>
+          </a:xfrm>
+          <a:prstGeom prst="rect">
+            <a:avLst/>
+          </a:prstGeom>
+          <a:noFill/>
+        </p:spPr>
+        <p:txBody>
+          <a:bodyPr wrap="square" rtlCol="0">
+            <a:spAutoFit/>
+          </a:bodyPr>
+          <a:lstStyle/>
+          <a:p>
+            <a:r>
+              <a:rPr lang="en-US" sz="2000" b="1" dirty="0"/>
+              <a:t>Autonomous Start &amp; End Positions</a:t>
+            </a:r>
+          </a:p>
+        </p:txBody>
+      </p:sp>
+      <p:sp>
+        <p:nvSpPr>
+          <p:cNvPr id="51" name="TextBox 50">
+            <a:extLst>
+              <a:ext uri="{FF2B5EF4-FFF2-40B4-BE49-F238E27FC236}">
+                <a16:creationId xmlns:a16="http://schemas.microsoft.com/office/drawing/2014/main" id="{0B814D1F-3CCB-87BC-CF0C-772386C49A12}"/>
+              </a:ext>
+            </a:extLst>
+          </p:cNvPr>
+          <p:cNvSpPr txBox="1"/>
+          <p:nvPr/>
+        </p:nvSpPr>
+        <p:spPr>
+          <a:xfrm>
+            <a:off x="2940927" y="817271"/>
+            <a:ext cx="1717482" cy="400110"/>
+          </a:xfrm>
+          <a:prstGeom prst="rect">
+            <a:avLst/>
+          </a:prstGeom>
+          <a:noFill/>
+        </p:spPr>
+        <p:txBody>
+          <a:bodyPr wrap="square" rtlCol="0">
+            <a:spAutoFit/>
+          </a:bodyPr>
+          <a:lstStyle/>
+          <a:p>
+            <a:r>
+              <a:rPr lang="en-US" sz="2000" dirty="0"/>
+              <a:t>Alliance Zone</a:t>
+            </a:r>
+          </a:p>
+        </p:txBody>
+      </p:sp>
+      <p:sp>
+        <p:nvSpPr>
+          <p:cNvPr id="2" name="TextBox 1">
+            <a:extLst>
+              <a:ext uri="{FF2B5EF4-FFF2-40B4-BE49-F238E27FC236}">
+                <a16:creationId xmlns:a16="http://schemas.microsoft.com/office/drawing/2014/main" id="{46FD4AE3-684C-9359-A0AA-1662D15496D1}"/>
+              </a:ext>
+            </a:extLst>
+          </p:cNvPr>
+          <p:cNvSpPr txBox="1"/>
+          <p:nvPr/>
+        </p:nvSpPr>
+        <p:spPr>
+          <a:xfrm>
+            <a:off x="201086" y="2106672"/>
+            <a:ext cx="1628590" cy="2554545"/>
+          </a:xfrm>
+          <a:prstGeom prst="rect">
+            <a:avLst/>
+          </a:prstGeom>
+          <a:noFill/>
+        </p:spPr>
+        <p:txBody>
+          <a:bodyPr wrap="square" rtlCol="0">
+            <a:spAutoFit/>
+          </a:bodyPr>
+          <a:lstStyle/>
+          <a:p>
+            <a:pPr algn="ctr"/>
+            <a:r>
+              <a:rPr lang="en-US" sz="1600" dirty="0"/>
+              <a:t>Coordinates</a:t>
+            </a:r>
+          </a:p>
+          <a:p>
+            <a:pPr algn="ctr"/>
+            <a:r>
+              <a:rPr lang="en-US" sz="1600" dirty="0"/>
+              <a:t> (x, y) – </a:t>
+            </a:r>
+            <a:r>
+              <a:rPr lang="en-US" sz="900" dirty="0"/>
+              <a:t>meters</a:t>
+            </a:r>
+          </a:p>
+          <a:p>
+            <a:pPr algn="ctr"/>
+            <a:endParaRPr lang="en-US" sz="1600" dirty="0"/>
+          </a:p>
+          <a:p>
+            <a:pPr indent="285750"/>
+            <a:r>
+              <a:rPr lang="en-US" sz="1600" dirty="0"/>
+              <a:t>S1- 3.8, 7.5</a:t>
+            </a:r>
+          </a:p>
+          <a:p>
+            <a:pPr indent="285750"/>
+            <a:r>
+              <a:rPr lang="en-US" sz="1600" dirty="0"/>
+              <a:t>S2- 3.7, 5.0</a:t>
+            </a:r>
+          </a:p>
+          <a:p>
+            <a:pPr indent="285750"/>
+            <a:r>
+              <a:rPr lang="en-US" sz="1600" dirty="0"/>
+              <a:t>S3- 3.7, 2.8</a:t>
+            </a:r>
+          </a:p>
+          <a:p>
+            <a:pPr indent="285750"/>
+            <a:r>
+              <a:rPr lang="en-US" sz="1600" dirty="0"/>
+              <a:t>S4- 3.8, 0.7</a:t>
+            </a:r>
+          </a:p>
+          <a:p>
+            <a:pPr indent="285750"/>
+            <a:endParaRPr lang="en-US" sz="1600" dirty="0"/>
+          </a:p>
+          <a:p>
+            <a:pPr indent="285750"/>
+            <a:r>
+              <a:rPr lang="en-US" sz="1600" dirty="0"/>
+              <a:t>C1- 1.3, 4.6</a:t>
+            </a:r>
+          </a:p>
+          <a:p>
+            <a:pPr indent="285750"/>
+            <a:r>
+              <a:rPr lang="en-US" sz="1600" dirty="0"/>
+              <a:t>C2- 0.9, 2.9</a:t>
+            </a:r>
+          </a:p>
+        </p:txBody>
+      </p:sp>
+    </p:spTree>
+    <p:extLst>
+      <p:ext uri="{BB962C8B-B14F-4D97-AF65-F5344CB8AC3E}">
+        <p14:creationId xmlns:p14="http://schemas.microsoft.com/office/powerpoint/2010/main" val="425072585"/>
+      </p:ext>
+    </p:extLst>
+  </p:cSld>
+  <p:clrMapOvr>
+    <a:masterClrMapping/>
+  </p:clrMapOvr>
+</p:sld>
+</file>
+
+<file path=ppt/slides/slide4.xml><?xml version="1.0" encoding="utf-8"?>
+<p:sld xmlns:a="http://schemas.openxmlformats.org/drawingml/2006/main" xmlns:r="http://schemas.openxmlformats.org/officeDocument/2006/relationships" xmlns:p="http://schemas.openxmlformats.org/presentationml/2006/main">
+  <p:cSld>
+    <p:spTree>
+      <p:nvGrpSpPr>
+        <p:cNvPr id="1" name="">
+          <a:extLst>
+            <a:ext uri="{FF2B5EF4-FFF2-40B4-BE49-F238E27FC236}">
+              <a16:creationId xmlns:a16="http://schemas.microsoft.com/office/drawing/2014/main" id="{95D4248F-BAFC-DA8A-700D-56C75C01F555}"/>
+            </a:ext>
+          </a:extLst>
+        </p:cNvPr>
+        <p:cNvGrpSpPr/>
+        <p:nvPr/>
+      </p:nvGrpSpPr>
+      <p:grpSpPr>
+        <a:xfrm>
+          <a:off x="0" y="0"/>
+          <a:ext cx="0" cy="0"/>
+          <a:chOff x="0" y="0"/>
+          <a:chExt cx="0" cy="0"/>
+        </a:xfrm>
+      </p:grpSpPr>
+      <p:pic>
+        <p:nvPicPr>
+          <p:cNvPr id="5" name="Picture 4">
+            <a:extLst>
+              <a:ext uri="{FF2B5EF4-FFF2-40B4-BE49-F238E27FC236}">
+                <a16:creationId xmlns:a16="http://schemas.microsoft.com/office/drawing/2014/main" id="{135CC9F3-7CD8-4AA4-F0E1-141B0A20D8B7}"/>
+              </a:ext>
+            </a:extLst>
+          </p:cNvPr>
+          <p:cNvPicPr>
+            <a:picLocks noChangeAspect="1"/>
+          </p:cNvPicPr>
+          <p:nvPr/>
+        </p:nvPicPr>
+        <p:blipFill>
+          <a:blip r:embed="rId2">
+            <a:extLst>
+              <a:ext uri="{28A0092B-C50C-407E-A947-70E740481C1C}">
+                <a14:useLocalDpi xmlns:a14="http://schemas.microsoft.com/office/drawing/2010/main" val="0"/>
+              </a:ext>
+            </a:extLst>
+          </a:blip>
+          <a:srcRect l="35550" r="11291"/>
+          <a:stretch>
+            <a:fillRect/>
+          </a:stretch>
+        </p:blipFill>
+        <p:spPr>
+          <a:xfrm rot="10800000">
+            <a:off x="2602522" y="447940"/>
+            <a:ext cx="8400421" cy="6410060"/>
+          </a:xfrm>
+          <a:prstGeom prst="rect">
+            <a:avLst/>
+          </a:prstGeom>
+        </p:spPr>
+      </p:pic>
+      <p:sp>
+        <p:nvSpPr>
+          <p:cNvPr id="44" name="Rectangle 43">
+            <a:extLst>
+              <a:ext uri="{FF2B5EF4-FFF2-40B4-BE49-F238E27FC236}">
+                <a16:creationId xmlns:a16="http://schemas.microsoft.com/office/drawing/2014/main" id="{AB59C961-3696-03C9-3E25-29BB556001EA}"/>
+              </a:ext>
+            </a:extLst>
+          </p:cNvPr>
+          <p:cNvSpPr/>
+          <p:nvPr/>
+        </p:nvSpPr>
+        <p:spPr>
+          <a:xfrm>
+            <a:off x="5218585" y="2579483"/>
+            <a:ext cx="466928" cy="466928"/>
+          </a:xfrm>
+          <a:prstGeom prst="rect">
+            <a:avLst/>
+          </a:prstGeom>
+          <a:solidFill>
+            <a:schemeClr val="accent3">
+              <a:lumMod val="40000"/>
+              <a:lumOff val="60000"/>
+              <a:alpha val="54000"/>
+            </a:schemeClr>
+          </a:solidFill>
+        </p:spPr>
+        <p:style>
+          <a:lnRef idx="2">
+            <a:schemeClr val="accent1">
+              <a:shade val="15000"/>
+            </a:schemeClr>
+          </a:lnRef>
+          <a:fillRef idx="1">
+            <a:schemeClr val="accent1"/>
+          </a:fillRef>
+          <a:effectRef idx="0">
+            <a:schemeClr val="accent1"/>
+          </a:effectRef>
+          <a:fontRef idx="minor">
+            <a:schemeClr val="lt1"/>
+          </a:fontRef>
+        </p:style>
+        <p:txBody>
+          <a:bodyPr rtlCol="0" anchor="ctr"/>
+          <a:lstStyle/>
+          <a:p>
+            <a:pPr algn="ctr"/>
+            <a:r>
+              <a:rPr lang="en-US" dirty="0">
+                <a:solidFill>
+                  <a:schemeClr val="tx1"/>
+                </a:solidFill>
+              </a:rPr>
+              <a:t>A3</a:t>
+            </a:r>
+          </a:p>
+        </p:txBody>
+      </p:sp>
+      <p:cxnSp>
+        <p:nvCxnSpPr>
+          <p:cNvPr id="7" name="Straight Connector 6">
+            <a:extLst>
+              <a:ext uri="{FF2B5EF4-FFF2-40B4-BE49-F238E27FC236}">
+                <a16:creationId xmlns:a16="http://schemas.microsoft.com/office/drawing/2014/main" id="{7B5D64C9-8C6A-0139-4AFA-6E04EE524950}"/>
+              </a:ext>
+            </a:extLst>
+          </p:cNvPr>
+          <p:cNvCxnSpPr/>
+          <p:nvPr/>
+        </p:nvCxnSpPr>
+        <p:spPr>
+          <a:xfrm flipV="1">
+            <a:off x="2893925" y="80387"/>
+            <a:ext cx="0" cy="622998"/>
+          </a:xfrm>
+          <a:prstGeom prst="line">
+            <a:avLst/>
+          </a:prstGeom>
+        </p:spPr>
+        <p:style>
+          <a:lnRef idx="2">
+            <a:schemeClr val="accent1"/>
+          </a:lnRef>
+          <a:fillRef idx="0">
+            <a:schemeClr val="accent1"/>
+          </a:fillRef>
+          <a:effectRef idx="1">
+            <a:schemeClr val="accent1"/>
+          </a:effectRef>
+          <a:fontRef idx="minor">
+            <a:schemeClr val="tx1"/>
+          </a:fontRef>
+        </p:style>
+      </p:cxnSp>
+      <p:cxnSp>
+        <p:nvCxnSpPr>
+          <p:cNvPr id="9" name="Straight Connector 8">
+            <a:extLst>
+              <a:ext uri="{FF2B5EF4-FFF2-40B4-BE49-F238E27FC236}">
+                <a16:creationId xmlns:a16="http://schemas.microsoft.com/office/drawing/2014/main" id="{7387EDA1-6135-5BC6-04CE-EA6DC907CD09}"/>
+              </a:ext>
+            </a:extLst>
+          </p:cNvPr>
+          <p:cNvCxnSpPr/>
+          <p:nvPr/>
+        </p:nvCxnSpPr>
+        <p:spPr>
+          <a:xfrm flipV="1">
+            <a:off x="6173821" y="80387"/>
+            <a:ext cx="0" cy="622998"/>
+          </a:xfrm>
+          <a:prstGeom prst="line">
+            <a:avLst/>
+          </a:prstGeom>
+        </p:spPr>
+        <p:style>
+          <a:lnRef idx="2">
+            <a:schemeClr val="accent1"/>
+          </a:lnRef>
+          <a:fillRef idx="0">
+            <a:schemeClr val="accent1"/>
+          </a:fillRef>
+          <a:effectRef idx="1">
+            <a:schemeClr val="accent1"/>
+          </a:effectRef>
+          <a:fontRef idx="minor">
+            <a:schemeClr val="tx1"/>
+          </a:fontRef>
+        </p:style>
+      </p:cxnSp>
+      <p:sp>
+        <p:nvSpPr>
+          <p:cNvPr id="10" name="TextBox 9">
+            <a:extLst>
+              <a:ext uri="{FF2B5EF4-FFF2-40B4-BE49-F238E27FC236}">
+                <a16:creationId xmlns:a16="http://schemas.microsoft.com/office/drawing/2014/main" id="{247C4AD1-9A9A-69D4-8520-90FDDA04ABEB}"/>
+              </a:ext>
+            </a:extLst>
+          </p:cNvPr>
+          <p:cNvSpPr txBox="1"/>
+          <p:nvPr/>
+        </p:nvSpPr>
+        <p:spPr>
+          <a:xfrm>
+            <a:off x="4124527" y="207220"/>
+            <a:ext cx="1040857" cy="369332"/>
+          </a:xfrm>
+          <a:prstGeom prst="rect">
+            <a:avLst/>
+          </a:prstGeom>
+          <a:noFill/>
+        </p:spPr>
+        <p:txBody>
+          <a:bodyPr wrap="square" rtlCol="0">
+            <a:spAutoFit/>
+          </a:bodyPr>
+          <a:lstStyle/>
+          <a:p>
+            <a:r>
+              <a:rPr lang="en-US" dirty="0"/>
+              <a:t>15’ – 2”</a:t>
+            </a:r>
+          </a:p>
+        </p:txBody>
+      </p:sp>
+      <p:cxnSp>
+        <p:nvCxnSpPr>
+          <p:cNvPr id="12" name="Straight Arrow Connector 11">
+            <a:extLst>
+              <a:ext uri="{FF2B5EF4-FFF2-40B4-BE49-F238E27FC236}">
+                <a16:creationId xmlns:a16="http://schemas.microsoft.com/office/drawing/2014/main" id="{54E15653-9E7E-F05F-E088-D4ED56A87D60}"/>
+              </a:ext>
+            </a:extLst>
+          </p:cNvPr>
+          <p:cNvCxnSpPr/>
+          <p:nvPr/>
+        </p:nvCxnSpPr>
+        <p:spPr>
+          <a:xfrm>
+            <a:off x="4980562" y="391886"/>
+            <a:ext cx="1193259" cy="0"/>
+          </a:xfrm>
+          <a:prstGeom prst="straightConnector1">
+            <a:avLst/>
+          </a:prstGeom>
+          <a:ln>
+            <a:tailEnd type="triangle"/>
+          </a:ln>
+        </p:spPr>
+        <p:style>
+          <a:lnRef idx="2">
+            <a:schemeClr val="accent1"/>
+          </a:lnRef>
+          <a:fillRef idx="0">
+            <a:schemeClr val="accent1"/>
+          </a:fillRef>
+          <a:effectRef idx="1">
+            <a:schemeClr val="accent1"/>
+          </a:effectRef>
+          <a:fontRef idx="minor">
+            <a:schemeClr val="tx1"/>
+          </a:fontRef>
+        </p:style>
+      </p:cxnSp>
+      <p:cxnSp>
+        <p:nvCxnSpPr>
+          <p:cNvPr id="14" name="Straight Arrow Connector 13">
+            <a:extLst>
+              <a:ext uri="{FF2B5EF4-FFF2-40B4-BE49-F238E27FC236}">
+                <a16:creationId xmlns:a16="http://schemas.microsoft.com/office/drawing/2014/main" id="{C2ED39BC-E8C6-E91F-C9DD-87EB68B17C0F}"/>
+              </a:ext>
+            </a:extLst>
+          </p:cNvPr>
+          <p:cNvCxnSpPr>
+            <a:stCxn id="10" idx="1"/>
+          </p:cNvCxnSpPr>
+          <p:nvPr/>
+        </p:nvCxnSpPr>
+        <p:spPr>
+          <a:xfrm flipH="1">
+            <a:off x="2893925" y="391886"/>
+            <a:ext cx="1230602" cy="0"/>
+          </a:xfrm>
+          <a:prstGeom prst="straightConnector1">
+            <a:avLst/>
+          </a:prstGeom>
+          <a:ln>
+            <a:tailEnd type="triangle"/>
+          </a:ln>
+        </p:spPr>
+        <p:style>
+          <a:lnRef idx="2">
+            <a:schemeClr val="accent1"/>
+          </a:lnRef>
+          <a:fillRef idx="0">
+            <a:schemeClr val="accent1"/>
+          </a:fillRef>
+          <a:effectRef idx="1">
+            <a:schemeClr val="accent1"/>
+          </a:effectRef>
+          <a:fontRef idx="minor">
+            <a:schemeClr val="tx1"/>
+          </a:fontRef>
+        </p:style>
+      </p:cxnSp>
+      <p:sp>
+        <p:nvSpPr>
+          <p:cNvPr id="15" name="TextBox 14">
+            <a:extLst>
+              <a:ext uri="{FF2B5EF4-FFF2-40B4-BE49-F238E27FC236}">
+                <a16:creationId xmlns:a16="http://schemas.microsoft.com/office/drawing/2014/main" id="{75982180-9178-7DCD-D898-C138B580FD7B}"/>
+              </a:ext>
+            </a:extLst>
+          </p:cNvPr>
+          <p:cNvSpPr txBox="1"/>
+          <p:nvPr/>
+        </p:nvSpPr>
+        <p:spPr>
+          <a:xfrm>
+            <a:off x="6846630" y="207220"/>
+            <a:ext cx="1115583" cy="369332"/>
+          </a:xfrm>
+          <a:prstGeom prst="rect">
+            <a:avLst/>
+          </a:prstGeom>
+          <a:noFill/>
+        </p:spPr>
+        <p:txBody>
+          <a:bodyPr wrap="square" rtlCol="0">
+            <a:spAutoFit/>
+          </a:bodyPr>
+          <a:lstStyle/>
+          <a:p>
+            <a:pPr algn="ctr"/>
+            <a:r>
+              <a:rPr lang="en-US" dirty="0"/>
+              <a:t>11’-11”</a:t>
+            </a:r>
+          </a:p>
+        </p:txBody>
+      </p:sp>
+      <p:cxnSp>
+        <p:nvCxnSpPr>
+          <p:cNvPr id="17" name="Straight Arrow Connector 16">
+            <a:extLst>
+              <a:ext uri="{FF2B5EF4-FFF2-40B4-BE49-F238E27FC236}">
+                <a16:creationId xmlns:a16="http://schemas.microsoft.com/office/drawing/2014/main" id="{878A0986-CA72-6B41-A1E1-294473A3D721}"/>
+              </a:ext>
+            </a:extLst>
+          </p:cNvPr>
+          <p:cNvCxnSpPr/>
+          <p:nvPr/>
+        </p:nvCxnSpPr>
+        <p:spPr>
+          <a:xfrm flipH="1">
+            <a:off x="6245157" y="391886"/>
+            <a:ext cx="739303" cy="0"/>
+          </a:xfrm>
+          <a:prstGeom prst="straightConnector1">
+            <a:avLst/>
+          </a:prstGeom>
+          <a:ln>
+            <a:tailEnd type="triangle"/>
+          </a:ln>
+        </p:spPr>
+        <p:style>
+          <a:lnRef idx="2">
+            <a:schemeClr val="accent1"/>
+          </a:lnRef>
+          <a:fillRef idx="0">
+            <a:schemeClr val="accent1"/>
+          </a:fillRef>
+          <a:effectRef idx="1">
+            <a:schemeClr val="accent1"/>
+          </a:effectRef>
+          <a:fontRef idx="minor">
+            <a:schemeClr val="tx1"/>
+          </a:fontRef>
+        </p:style>
+      </p:cxnSp>
+      <p:cxnSp>
+        <p:nvCxnSpPr>
+          <p:cNvPr id="19" name="Straight Connector 18">
+            <a:extLst>
+              <a:ext uri="{FF2B5EF4-FFF2-40B4-BE49-F238E27FC236}">
+                <a16:creationId xmlns:a16="http://schemas.microsoft.com/office/drawing/2014/main" id="{A1BBFB1C-8E47-46AB-4017-0BB6A6047510}"/>
+              </a:ext>
+            </a:extLst>
+          </p:cNvPr>
+          <p:cNvCxnSpPr/>
+          <p:nvPr/>
+        </p:nvCxnSpPr>
+        <p:spPr>
+          <a:xfrm flipV="1">
+            <a:off x="8725711" y="80387"/>
+            <a:ext cx="0" cy="622998"/>
+          </a:xfrm>
+          <a:prstGeom prst="line">
+            <a:avLst/>
+          </a:prstGeom>
+        </p:spPr>
+        <p:style>
+          <a:lnRef idx="2">
+            <a:schemeClr val="accent1"/>
+          </a:lnRef>
+          <a:fillRef idx="0">
+            <a:schemeClr val="accent1"/>
+          </a:fillRef>
+          <a:effectRef idx="1">
+            <a:schemeClr val="accent1"/>
+          </a:effectRef>
+          <a:fontRef idx="minor">
+            <a:schemeClr val="tx1"/>
+          </a:fontRef>
+        </p:style>
+      </p:cxnSp>
+      <p:cxnSp>
+        <p:nvCxnSpPr>
+          <p:cNvPr id="21" name="Straight Arrow Connector 20">
+            <a:extLst>
+              <a:ext uri="{FF2B5EF4-FFF2-40B4-BE49-F238E27FC236}">
+                <a16:creationId xmlns:a16="http://schemas.microsoft.com/office/drawing/2014/main" id="{3E7B8991-ED28-DF23-E520-243AE181DDF9}"/>
+              </a:ext>
+            </a:extLst>
+          </p:cNvPr>
+          <p:cNvCxnSpPr/>
+          <p:nvPr/>
+        </p:nvCxnSpPr>
+        <p:spPr>
+          <a:xfrm>
+            <a:off x="7801583" y="391886"/>
+            <a:ext cx="894945" cy="0"/>
+          </a:xfrm>
+          <a:prstGeom prst="straightConnector1">
+            <a:avLst/>
+          </a:prstGeom>
+          <a:ln>
+            <a:tailEnd type="triangle"/>
+          </a:ln>
+        </p:spPr>
+        <p:style>
+          <a:lnRef idx="2">
+            <a:schemeClr val="accent1"/>
+          </a:lnRef>
+          <a:fillRef idx="0">
+            <a:schemeClr val="accent1"/>
+          </a:fillRef>
+          <a:effectRef idx="1">
+            <a:schemeClr val="accent1"/>
+          </a:effectRef>
+          <a:fontRef idx="minor">
+            <a:schemeClr val="tx1"/>
+          </a:fontRef>
+        </p:style>
+      </p:cxnSp>
+      <p:cxnSp>
+        <p:nvCxnSpPr>
+          <p:cNvPr id="23" name="Straight Connector 22">
+            <a:extLst>
+              <a:ext uri="{FF2B5EF4-FFF2-40B4-BE49-F238E27FC236}">
+                <a16:creationId xmlns:a16="http://schemas.microsoft.com/office/drawing/2014/main" id="{18644650-2489-5253-F6AA-3A2F443EDFC8}"/>
+              </a:ext>
+            </a:extLst>
+          </p:cNvPr>
+          <p:cNvCxnSpPr>
+            <a:cxnSpLocks/>
+          </p:cNvCxnSpPr>
+          <p:nvPr/>
+        </p:nvCxnSpPr>
+        <p:spPr>
+          <a:xfrm flipH="1">
+            <a:off x="1867711" y="787940"/>
+            <a:ext cx="856034" cy="0"/>
+          </a:xfrm>
+          <a:prstGeom prst="line">
+            <a:avLst/>
+          </a:prstGeom>
+        </p:spPr>
+        <p:style>
+          <a:lnRef idx="2">
+            <a:schemeClr val="accent1"/>
+          </a:lnRef>
+          <a:fillRef idx="0">
+            <a:schemeClr val="accent1"/>
+          </a:fillRef>
+          <a:effectRef idx="1">
+            <a:schemeClr val="accent1"/>
+          </a:effectRef>
+          <a:fontRef idx="minor">
+            <a:schemeClr val="tx1"/>
+          </a:fontRef>
+        </p:style>
+      </p:cxnSp>
+      <p:cxnSp>
+        <p:nvCxnSpPr>
+          <p:cNvPr id="25" name="Straight Connector 24">
+            <a:extLst>
+              <a:ext uri="{FF2B5EF4-FFF2-40B4-BE49-F238E27FC236}">
+                <a16:creationId xmlns:a16="http://schemas.microsoft.com/office/drawing/2014/main" id="{040DE5C4-9D5B-4811-9077-8B763F3CB363}"/>
+              </a:ext>
+            </a:extLst>
+          </p:cNvPr>
+          <p:cNvCxnSpPr>
+            <a:cxnSpLocks/>
+            <a:endCxn id="5" idx="3"/>
+          </p:cNvCxnSpPr>
+          <p:nvPr/>
+        </p:nvCxnSpPr>
+        <p:spPr>
+          <a:xfrm>
+            <a:off x="2235116" y="3652970"/>
+            <a:ext cx="367406" cy="0"/>
+          </a:xfrm>
+          <a:prstGeom prst="line">
+            <a:avLst/>
+          </a:prstGeom>
+        </p:spPr>
+        <p:style>
+          <a:lnRef idx="2">
+            <a:schemeClr val="accent1"/>
+          </a:lnRef>
+          <a:fillRef idx="0">
+            <a:schemeClr val="accent1"/>
+          </a:fillRef>
+          <a:effectRef idx="1">
+            <a:schemeClr val="accent1"/>
+          </a:effectRef>
+          <a:fontRef idx="minor">
+            <a:schemeClr val="tx1"/>
+          </a:fontRef>
+        </p:style>
+      </p:cxnSp>
+      <p:cxnSp>
+        <p:nvCxnSpPr>
+          <p:cNvPr id="28" name="Straight Connector 27">
+            <a:extLst>
+              <a:ext uri="{FF2B5EF4-FFF2-40B4-BE49-F238E27FC236}">
+                <a16:creationId xmlns:a16="http://schemas.microsoft.com/office/drawing/2014/main" id="{1FD341D9-5AA4-76DD-6322-92939003CB90}"/>
+              </a:ext>
+            </a:extLst>
+          </p:cNvPr>
+          <p:cNvCxnSpPr/>
+          <p:nvPr/>
+        </p:nvCxnSpPr>
+        <p:spPr>
+          <a:xfrm flipH="1">
+            <a:off x="1867711" y="6439711"/>
+            <a:ext cx="734811" cy="0"/>
+          </a:xfrm>
+          <a:prstGeom prst="line">
+            <a:avLst/>
+          </a:prstGeom>
+        </p:spPr>
+        <p:style>
+          <a:lnRef idx="2">
+            <a:schemeClr val="accent1"/>
+          </a:lnRef>
+          <a:fillRef idx="0">
+            <a:schemeClr val="accent1"/>
+          </a:fillRef>
+          <a:effectRef idx="1">
+            <a:schemeClr val="accent1"/>
+          </a:effectRef>
+          <a:fontRef idx="minor">
+            <a:schemeClr val="tx1"/>
+          </a:fontRef>
+        </p:style>
+      </p:cxnSp>
+      <p:cxnSp>
+        <p:nvCxnSpPr>
+          <p:cNvPr id="30" name="Straight Arrow Connector 29">
+            <a:extLst>
+              <a:ext uri="{FF2B5EF4-FFF2-40B4-BE49-F238E27FC236}">
+                <a16:creationId xmlns:a16="http://schemas.microsoft.com/office/drawing/2014/main" id="{E937E883-5B27-D803-8587-385C72842291}"/>
+              </a:ext>
+            </a:extLst>
+          </p:cNvPr>
+          <p:cNvCxnSpPr/>
+          <p:nvPr/>
+        </p:nvCxnSpPr>
+        <p:spPr>
+          <a:xfrm flipV="1">
+            <a:off x="2332393" y="787940"/>
+            <a:ext cx="0" cy="710120"/>
+          </a:xfrm>
+          <a:prstGeom prst="straightConnector1">
+            <a:avLst/>
+          </a:prstGeom>
+          <a:ln>
+            <a:tailEnd type="triangle"/>
+          </a:ln>
+        </p:spPr>
+        <p:style>
+          <a:lnRef idx="2">
+            <a:schemeClr val="accent1"/>
+          </a:lnRef>
+          <a:fillRef idx="0">
+            <a:schemeClr val="accent1"/>
+          </a:fillRef>
+          <a:effectRef idx="1">
+            <a:schemeClr val="accent1"/>
+          </a:effectRef>
+          <a:fontRef idx="minor">
+            <a:schemeClr val="tx1"/>
+          </a:fontRef>
+        </p:style>
+      </p:cxnSp>
+      <p:cxnSp>
+        <p:nvCxnSpPr>
+          <p:cNvPr id="32" name="Straight Arrow Connector 31">
+            <a:extLst>
+              <a:ext uri="{FF2B5EF4-FFF2-40B4-BE49-F238E27FC236}">
+                <a16:creationId xmlns:a16="http://schemas.microsoft.com/office/drawing/2014/main" id="{6FC3030A-6F2D-A0F1-7944-6AC805733D2D}"/>
+              </a:ext>
+            </a:extLst>
+          </p:cNvPr>
+          <p:cNvCxnSpPr/>
+          <p:nvPr/>
+        </p:nvCxnSpPr>
+        <p:spPr>
+          <a:xfrm>
+            <a:off x="2332393" y="1760706"/>
+            <a:ext cx="0" cy="1892263"/>
+          </a:xfrm>
+          <a:prstGeom prst="straightConnector1">
+            <a:avLst/>
+          </a:prstGeom>
+          <a:ln>
+            <a:tailEnd type="triangle"/>
+          </a:ln>
+        </p:spPr>
+        <p:style>
+          <a:lnRef idx="2">
+            <a:schemeClr val="accent1"/>
+          </a:lnRef>
+          <a:fillRef idx="0">
+            <a:schemeClr val="accent1"/>
+          </a:fillRef>
+          <a:effectRef idx="1">
+            <a:schemeClr val="accent1"/>
+          </a:effectRef>
+          <a:fontRef idx="minor">
+            <a:schemeClr val="tx1"/>
+          </a:fontRef>
+        </p:style>
+      </p:cxnSp>
+      <p:cxnSp>
+        <p:nvCxnSpPr>
+          <p:cNvPr id="35" name="Straight Arrow Connector 34">
+            <a:extLst>
+              <a:ext uri="{FF2B5EF4-FFF2-40B4-BE49-F238E27FC236}">
+                <a16:creationId xmlns:a16="http://schemas.microsoft.com/office/drawing/2014/main" id="{A5A10180-6C41-890E-5036-B4B3E5524029}"/>
+              </a:ext>
+            </a:extLst>
+          </p:cNvPr>
+          <p:cNvCxnSpPr/>
+          <p:nvPr/>
+        </p:nvCxnSpPr>
+        <p:spPr>
+          <a:xfrm flipV="1">
+            <a:off x="2062264" y="787940"/>
+            <a:ext cx="0" cy="4863830"/>
+          </a:xfrm>
+          <a:prstGeom prst="straightConnector1">
+            <a:avLst/>
+          </a:prstGeom>
+          <a:ln>
+            <a:tailEnd type="triangle"/>
+          </a:ln>
+        </p:spPr>
+        <p:style>
+          <a:lnRef idx="2">
+            <a:schemeClr val="accent1"/>
+          </a:lnRef>
+          <a:fillRef idx="0">
+            <a:schemeClr val="accent1"/>
+          </a:fillRef>
+          <a:effectRef idx="1">
+            <a:schemeClr val="accent1"/>
+          </a:effectRef>
+          <a:fontRef idx="minor">
+            <a:schemeClr val="tx1"/>
+          </a:fontRef>
+        </p:style>
+      </p:cxnSp>
+      <p:cxnSp>
+        <p:nvCxnSpPr>
+          <p:cNvPr id="38" name="Straight Arrow Connector 37">
+            <a:extLst>
+              <a:ext uri="{FF2B5EF4-FFF2-40B4-BE49-F238E27FC236}">
+                <a16:creationId xmlns:a16="http://schemas.microsoft.com/office/drawing/2014/main" id="{4A28019C-8495-618E-FB7C-3CB674ABBBF9}"/>
+              </a:ext>
+            </a:extLst>
+          </p:cNvPr>
+          <p:cNvCxnSpPr/>
+          <p:nvPr/>
+        </p:nvCxnSpPr>
+        <p:spPr>
+          <a:xfrm>
+            <a:off x="2062264" y="6050604"/>
+            <a:ext cx="0" cy="389107"/>
+          </a:xfrm>
+          <a:prstGeom prst="straightConnector1">
+            <a:avLst/>
+          </a:prstGeom>
+          <a:ln>
+            <a:tailEnd type="triangle"/>
+          </a:ln>
+        </p:spPr>
+        <p:style>
+          <a:lnRef idx="2">
+            <a:schemeClr val="accent1"/>
+          </a:lnRef>
+          <a:fillRef idx="0">
+            <a:schemeClr val="accent1"/>
+          </a:fillRef>
+          <a:effectRef idx="1">
+            <a:schemeClr val="accent1"/>
+          </a:effectRef>
+          <a:fontRef idx="minor">
+            <a:schemeClr val="tx1"/>
+          </a:fontRef>
+        </p:style>
+      </p:cxnSp>
+      <p:sp>
+        <p:nvSpPr>
+          <p:cNvPr id="39" name="TextBox 38">
+            <a:extLst>
+              <a:ext uri="{FF2B5EF4-FFF2-40B4-BE49-F238E27FC236}">
+                <a16:creationId xmlns:a16="http://schemas.microsoft.com/office/drawing/2014/main" id="{67C34121-AAE7-8CA5-5A30-653E250EDC92}"/>
+              </a:ext>
+            </a:extLst>
+          </p:cNvPr>
+          <p:cNvSpPr txBox="1"/>
+          <p:nvPr/>
+        </p:nvSpPr>
+        <p:spPr>
+          <a:xfrm>
+            <a:off x="1867711" y="1498060"/>
+            <a:ext cx="1026213" cy="369332"/>
+          </a:xfrm>
+          <a:prstGeom prst="rect">
+            <a:avLst/>
+          </a:prstGeom>
+          <a:noFill/>
+        </p:spPr>
+        <p:txBody>
+          <a:bodyPr wrap="square" rtlCol="0">
+            <a:spAutoFit/>
+          </a:bodyPr>
+          <a:lstStyle/>
+          <a:p>
+            <a:pPr algn="ctr"/>
+            <a:r>
+              <a:rPr lang="en-US" dirty="0"/>
+              <a:t>13’- 3”</a:t>
+            </a:r>
+          </a:p>
+        </p:txBody>
+      </p:sp>
+      <p:sp>
+        <p:nvSpPr>
+          <p:cNvPr id="40" name="TextBox 39">
+            <a:extLst>
+              <a:ext uri="{FF2B5EF4-FFF2-40B4-BE49-F238E27FC236}">
+                <a16:creationId xmlns:a16="http://schemas.microsoft.com/office/drawing/2014/main" id="{88BC7468-5105-FDC7-B74A-392D86DF962E}"/>
+              </a:ext>
+            </a:extLst>
+          </p:cNvPr>
+          <p:cNvSpPr txBox="1"/>
+          <p:nvPr/>
+        </p:nvSpPr>
+        <p:spPr>
+          <a:xfrm>
+            <a:off x="1678395" y="5690998"/>
+            <a:ext cx="856034" cy="369332"/>
+          </a:xfrm>
+          <a:prstGeom prst="rect">
+            <a:avLst/>
+          </a:prstGeom>
+          <a:noFill/>
+        </p:spPr>
+        <p:txBody>
+          <a:bodyPr wrap="square" rtlCol="0">
+            <a:spAutoFit/>
+          </a:bodyPr>
+          <a:lstStyle/>
+          <a:p>
+            <a:r>
+              <a:rPr lang="en-US" dirty="0"/>
+              <a:t>26’- 7”</a:t>
+            </a:r>
+          </a:p>
+        </p:txBody>
+      </p:sp>
+      <p:sp>
+        <p:nvSpPr>
+          <p:cNvPr id="42" name="Rectangle 41">
+            <a:extLst>
+              <a:ext uri="{FF2B5EF4-FFF2-40B4-BE49-F238E27FC236}">
+                <a16:creationId xmlns:a16="http://schemas.microsoft.com/office/drawing/2014/main" id="{FB9DAA7B-237F-0924-745C-488A16E0630D}"/>
+              </a:ext>
+            </a:extLst>
+          </p:cNvPr>
+          <p:cNvSpPr/>
+          <p:nvPr/>
+        </p:nvSpPr>
+        <p:spPr>
+          <a:xfrm>
+            <a:off x="5219423" y="2027091"/>
+            <a:ext cx="466928" cy="466928"/>
+          </a:xfrm>
+          <a:prstGeom prst="rect">
+            <a:avLst/>
+          </a:prstGeom>
+          <a:solidFill>
+            <a:schemeClr val="accent5">
+              <a:lumMod val="40000"/>
+              <a:lumOff val="60000"/>
+            </a:schemeClr>
+          </a:solidFill>
+          <a:ln>
+            <a:solidFill>
+              <a:schemeClr val="accent1">
+                <a:shade val="15000"/>
+                <a:alpha val="48000"/>
+              </a:schemeClr>
+            </a:solidFill>
+          </a:ln>
+        </p:spPr>
+        <p:style>
+          <a:lnRef idx="2">
+            <a:schemeClr val="accent1">
+              <a:shade val="15000"/>
+            </a:schemeClr>
+          </a:lnRef>
+          <a:fillRef idx="1">
+            <a:schemeClr val="accent1"/>
+          </a:fillRef>
+          <a:effectRef idx="0">
+            <a:schemeClr val="accent1"/>
+          </a:effectRef>
+          <a:fontRef idx="minor">
+            <a:schemeClr val="lt1"/>
+          </a:fontRef>
+        </p:style>
+        <p:txBody>
+          <a:bodyPr rtlCol="0" anchor="ctr"/>
+          <a:lstStyle/>
+          <a:p>
+            <a:pPr algn="ctr"/>
+            <a:r>
+              <a:rPr lang="en-US" dirty="0">
+                <a:solidFill>
+                  <a:schemeClr val="tx1"/>
+                </a:solidFill>
+              </a:rPr>
+              <a:t>A1</a:t>
+            </a:r>
+          </a:p>
+        </p:txBody>
+      </p:sp>
+      <p:sp>
+        <p:nvSpPr>
+          <p:cNvPr id="43" name="Rectangle 42">
+            <a:extLst>
+              <a:ext uri="{FF2B5EF4-FFF2-40B4-BE49-F238E27FC236}">
+                <a16:creationId xmlns:a16="http://schemas.microsoft.com/office/drawing/2014/main" id="{55FF6F4E-7535-0E17-50C6-67E50C766985}"/>
+              </a:ext>
+            </a:extLst>
+          </p:cNvPr>
+          <p:cNvSpPr/>
+          <p:nvPr/>
+        </p:nvSpPr>
+        <p:spPr>
+          <a:xfrm>
+            <a:off x="5150492" y="2299189"/>
+            <a:ext cx="466928" cy="466928"/>
+          </a:xfrm>
+          <a:prstGeom prst="rect">
+            <a:avLst/>
+          </a:prstGeom>
+          <a:solidFill>
+            <a:schemeClr val="accent2">
+              <a:lumMod val="60000"/>
+              <a:lumOff val="40000"/>
+              <a:alpha val="52000"/>
+            </a:schemeClr>
+          </a:solidFill>
+        </p:spPr>
+        <p:style>
+          <a:lnRef idx="2">
+            <a:schemeClr val="accent1">
+              <a:shade val="15000"/>
+            </a:schemeClr>
+          </a:lnRef>
+          <a:fillRef idx="1">
+            <a:schemeClr val="accent1"/>
+          </a:fillRef>
+          <a:effectRef idx="0">
+            <a:schemeClr val="accent1"/>
+          </a:effectRef>
+          <a:fontRef idx="minor">
+            <a:schemeClr val="lt1"/>
+          </a:fontRef>
+        </p:style>
+        <p:txBody>
+          <a:bodyPr rtlCol="0" anchor="ctr"/>
+          <a:lstStyle/>
+          <a:p>
+            <a:pPr algn="ctr"/>
+            <a:r>
+              <a:rPr lang="en-US" dirty="0">
+                <a:solidFill>
+                  <a:schemeClr val="tx1"/>
+                </a:solidFill>
+              </a:rPr>
+              <a:t>A2</a:t>
+            </a:r>
+          </a:p>
+        </p:txBody>
+      </p:sp>
+      <p:sp>
+        <p:nvSpPr>
+          <p:cNvPr id="46" name="Rectangle 45">
+            <a:extLst>
+              <a:ext uri="{FF2B5EF4-FFF2-40B4-BE49-F238E27FC236}">
+                <a16:creationId xmlns:a16="http://schemas.microsoft.com/office/drawing/2014/main" id="{67F31813-8F09-F1A7-1DCB-15A8058456DD}"/>
+              </a:ext>
+            </a:extLst>
+          </p:cNvPr>
+          <p:cNvSpPr/>
+          <p:nvPr/>
+        </p:nvSpPr>
+        <p:spPr>
+          <a:xfrm>
+            <a:off x="3395271" y="1867392"/>
+            <a:ext cx="466928" cy="466928"/>
+          </a:xfrm>
+          <a:prstGeom prst="rect">
+            <a:avLst/>
+          </a:prstGeom>
+          <a:solidFill>
+            <a:schemeClr val="accent6">
+              <a:lumMod val="40000"/>
+              <a:lumOff val="60000"/>
+              <a:alpha val="46000"/>
+            </a:schemeClr>
+          </a:solidFill>
+        </p:spPr>
+        <p:style>
+          <a:lnRef idx="2">
+            <a:schemeClr val="accent1">
+              <a:shade val="15000"/>
+            </a:schemeClr>
+          </a:lnRef>
+          <a:fillRef idx="1">
+            <a:schemeClr val="accent1"/>
+          </a:fillRef>
+          <a:effectRef idx="0">
+            <a:schemeClr val="accent1"/>
+          </a:effectRef>
+          <a:fontRef idx="minor">
+            <a:schemeClr val="lt1"/>
+          </a:fontRef>
+        </p:style>
+        <p:txBody>
+          <a:bodyPr rtlCol="0" anchor="ctr"/>
+          <a:lstStyle/>
+          <a:p>
+            <a:pPr algn="ctr"/>
+            <a:r>
+              <a:rPr lang="en-US" dirty="0">
+                <a:solidFill>
+                  <a:schemeClr val="tx1"/>
+                </a:solidFill>
+              </a:rPr>
+              <a:t>D1</a:t>
+            </a:r>
+          </a:p>
+        </p:txBody>
+      </p:sp>
+      <p:sp>
+        <p:nvSpPr>
+          <p:cNvPr id="48" name="Rectangle 47">
+            <a:extLst>
+              <a:ext uri="{FF2B5EF4-FFF2-40B4-BE49-F238E27FC236}">
+                <a16:creationId xmlns:a16="http://schemas.microsoft.com/office/drawing/2014/main" id="{80669ED3-CD83-7831-2E4A-73E1AFB88A42}"/>
+              </a:ext>
+            </a:extLst>
+          </p:cNvPr>
+          <p:cNvSpPr/>
+          <p:nvPr/>
+        </p:nvSpPr>
+        <p:spPr>
+          <a:xfrm>
+            <a:off x="2963044" y="5778229"/>
+            <a:ext cx="466928" cy="466928"/>
+          </a:xfrm>
+          <a:prstGeom prst="rect">
+            <a:avLst/>
+          </a:prstGeom>
+          <a:solidFill>
+            <a:schemeClr val="accent1">
+              <a:lumMod val="40000"/>
+              <a:lumOff val="60000"/>
+            </a:schemeClr>
+          </a:solidFill>
+        </p:spPr>
+        <p:style>
+          <a:lnRef idx="2">
+            <a:schemeClr val="accent1">
+              <a:shade val="15000"/>
+            </a:schemeClr>
+          </a:lnRef>
+          <a:fillRef idx="1">
+            <a:schemeClr val="accent1"/>
+          </a:fillRef>
+          <a:effectRef idx="0">
+            <a:schemeClr val="accent1"/>
+          </a:effectRef>
+          <a:fontRef idx="minor">
+            <a:schemeClr val="lt1"/>
+          </a:fontRef>
+        </p:style>
+        <p:txBody>
+          <a:bodyPr rtlCol="0" anchor="ctr"/>
+          <a:lstStyle/>
+          <a:p>
+            <a:pPr algn="ctr"/>
+            <a:r>
+              <a:rPr lang="en-US" sz="1600" dirty="0">
+                <a:solidFill>
+                  <a:schemeClr val="tx1"/>
+                </a:solidFill>
+              </a:rPr>
+              <a:t>O1</a:t>
+            </a:r>
+          </a:p>
+        </p:txBody>
+      </p:sp>
+      <p:sp>
+        <p:nvSpPr>
+          <p:cNvPr id="2" name="TextBox 1">
+            <a:extLst>
+              <a:ext uri="{FF2B5EF4-FFF2-40B4-BE49-F238E27FC236}">
+                <a16:creationId xmlns:a16="http://schemas.microsoft.com/office/drawing/2014/main" id="{312C0D62-4EA0-A84B-2C43-0F356C43C098}"/>
+              </a:ext>
+            </a:extLst>
+          </p:cNvPr>
+          <p:cNvSpPr txBox="1"/>
+          <p:nvPr/>
+        </p:nvSpPr>
+        <p:spPr>
+          <a:xfrm>
+            <a:off x="260823" y="207220"/>
+            <a:ext cx="1772258" cy="1015663"/>
+          </a:xfrm>
+          <a:prstGeom prst="rect">
+            <a:avLst/>
+          </a:prstGeom>
+          <a:noFill/>
+        </p:spPr>
+        <p:txBody>
+          <a:bodyPr wrap="square" rtlCol="0">
+            <a:spAutoFit/>
+          </a:bodyPr>
+          <a:lstStyle/>
+          <a:p>
+            <a:r>
+              <a:rPr lang="en-US" sz="2000" b="1" dirty="0"/>
+              <a:t>Crossing &amp; Game Piece Positions</a:t>
+            </a:r>
+          </a:p>
+        </p:txBody>
+      </p:sp>
+      <p:sp>
+        <p:nvSpPr>
+          <p:cNvPr id="3" name="TextBox 2">
+            <a:extLst>
+              <a:ext uri="{FF2B5EF4-FFF2-40B4-BE49-F238E27FC236}">
+                <a16:creationId xmlns:a16="http://schemas.microsoft.com/office/drawing/2014/main" id="{574C4225-528C-FAFD-61CD-F20481E79D92}"/>
+              </a:ext>
+            </a:extLst>
+          </p:cNvPr>
+          <p:cNvSpPr txBox="1"/>
+          <p:nvPr/>
+        </p:nvSpPr>
+        <p:spPr>
+          <a:xfrm>
+            <a:off x="8769379" y="897102"/>
+            <a:ext cx="1717482" cy="400110"/>
+          </a:xfrm>
+          <a:prstGeom prst="rect">
+            <a:avLst/>
+          </a:prstGeom>
+          <a:noFill/>
+        </p:spPr>
+        <p:txBody>
+          <a:bodyPr wrap="square" rtlCol="0">
+            <a:spAutoFit/>
+          </a:bodyPr>
+          <a:lstStyle/>
+          <a:p>
+            <a:r>
+              <a:rPr lang="en-US" sz="2000" dirty="0"/>
+              <a:t>Neutral   Zone</a:t>
+            </a:r>
+          </a:p>
+        </p:txBody>
+      </p:sp>
+      <p:sp>
+        <p:nvSpPr>
+          <p:cNvPr id="4" name="TextBox 3">
+            <a:extLst>
+              <a:ext uri="{FF2B5EF4-FFF2-40B4-BE49-F238E27FC236}">
+                <a16:creationId xmlns:a16="http://schemas.microsoft.com/office/drawing/2014/main" id="{78B767EC-481F-18EF-CF24-1561154D9AD7}"/>
+              </a:ext>
+            </a:extLst>
+          </p:cNvPr>
+          <p:cNvSpPr txBox="1"/>
+          <p:nvPr/>
+        </p:nvSpPr>
+        <p:spPr>
+          <a:xfrm>
+            <a:off x="2940927" y="817271"/>
+            <a:ext cx="1717482" cy="400110"/>
+          </a:xfrm>
+          <a:prstGeom prst="rect">
+            <a:avLst/>
+          </a:prstGeom>
+          <a:noFill/>
+        </p:spPr>
+        <p:txBody>
+          <a:bodyPr wrap="square" rtlCol="0">
+            <a:spAutoFit/>
+          </a:bodyPr>
+          <a:lstStyle/>
+          <a:p>
+            <a:r>
+              <a:rPr lang="en-US" sz="2000" dirty="0"/>
+              <a:t>Alliance Zone</a:t>
+            </a:r>
+          </a:p>
+        </p:txBody>
+      </p:sp>
+      <p:sp>
+        <p:nvSpPr>
+          <p:cNvPr id="6" name="Rectangle 5">
+            <a:extLst>
+              <a:ext uri="{FF2B5EF4-FFF2-40B4-BE49-F238E27FC236}">
+                <a16:creationId xmlns:a16="http://schemas.microsoft.com/office/drawing/2014/main" id="{AB19B74E-0A17-007A-E878-4C7D54B9022F}"/>
+              </a:ext>
+            </a:extLst>
+          </p:cNvPr>
+          <p:cNvSpPr/>
+          <p:nvPr/>
+        </p:nvSpPr>
+        <p:spPr>
+          <a:xfrm>
+            <a:off x="3395271" y="2261071"/>
+            <a:ext cx="466928" cy="466928"/>
+          </a:xfrm>
+          <a:prstGeom prst="rect">
+            <a:avLst/>
+          </a:prstGeom>
+          <a:solidFill>
+            <a:schemeClr val="accent6">
+              <a:lumMod val="40000"/>
+              <a:lumOff val="60000"/>
+              <a:alpha val="54000"/>
+            </a:schemeClr>
+          </a:solidFill>
+        </p:spPr>
+        <p:style>
+          <a:lnRef idx="2">
+            <a:schemeClr val="accent1">
+              <a:shade val="15000"/>
+            </a:schemeClr>
+          </a:lnRef>
+          <a:fillRef idx="1">
+            <a:schemeClr val="accent1"/>
+          </a:fillRef>
+          <a:effectRef idx="0">
+            <a:schemeClr val="accent1"/>
+          </a:effectRef>
+          <a:fontRef idx="minor">
+            <a:schemeClr val="lt1"/>
+          </a:fontRef>
+        </p:style>
+        <p:txBody>
+          <a:bodyPr rtlCol="0" anchor="ctr"/>
+          <a:lstStyle/>
+          <a:p>
+            <a:pPr algn="ctr"/>
+            <a:r>
+              <a:rPr lang="en-US" dirty="0">
+                <a:solidFill>
+                  <a:schemeClr val="tx1"/>
+                </a:solidFill>
+              </a:rPr>
+              <a:t>D2</a:t>
+            </a:r>
+          </a:p>
+        </p:txBody>
+      </p:sp>
+      <p:sp>
+        <p:nvSpPr>
+          <p:cNvPr id="8" name="Rectangle 7">
+            <a:extLst>
+              <a:ext uri="{FF2B5EF4-FFF2-40B4-BE49-F238E27FC236}">
+                <a16:creationId xmlns:a16="http://schemas.microsoft.com/office/drawing/2014/main" id="{047F4142-7501-22CD-9B75-5C0DFB0150BB}"/>
+              </a:ext>
+            </a:extLst>
+          </p:cNvPr>
+          <p:cNvSpPr/>
+          <p:nvPr/>
+        </p:nvSpPr>
+        <p:spPr>
+          <a:xfrm>
+            <a:off x="6614807" y="2027091"/>
+            <a:ext cx="465287" cy="466928"/>
+          </a:xfrm>
+          <a:prstGeom prst="rect">
+            <a:avLst/>
+          </a:prstGeom>
+          <a:solidFill>
+            <a:schemeClr val="accent5">
+              <a:lumMod val="40000"/>
+              <a:lumOff val="60000"/>
+              <a:alpha val="51000"/>
+            </a:schemeClr>
+          </a:solidFill>
+          <a:ln>
+            <a:solidFill>
+              <a:schemeClr val="accent1">
+                <a:shade val="15000"/>
+              </a:schemeClr>
+            </a:solidFill>
+          </a:ln>
+        </p:spPr>
+        <p:style>
+          <a:lnRef idx="2">
+            <a:schemeClr val="accent1">
+              <a:shade val="15000"/>
+            </a:schemeClr>
+          </a:lnRef>
+          <a:fillRef idx="1">
+            <a:schemeClr val="accent1"/>
+          </a:fillRef>
+          <a:effectRef idx="0">
+            <a:schemeClr val="accent1"/>
+          </a:effectRef>
+          <a:fontRef idx="minor">
+            <a:schemeClr val="lt1"/>
+          </a:fontRef>
+        </p:style>
+        <p:txBody>
+          <a:bodyPr rtlCol="0" anchor="ctr"/>
+          <a:lstStyle/>
+          <a:p>
+            <a:pPr algn="ctr"/>
+            <a:r>
+              <a:rPr lang="en-US" sz="1600" dirty="0">
+                <a:solidFill>
+                  <a:schemeClr val="tx1"/>
+                </a:solidFill>
+              </a:rPr>
+              <a:t>N1</a:t>
+            </a:r>
+            <a:endParaRPr lang="en-US" dirty="0">
+              <a:solidFill>
+                <a:schemeClr val="tx1"/>
+              </a:solidFill>
+            </a:endParaRPr>
+          </a:p>
+        </p:txBody>
+      </p:sp>
+      <p:sp>
+        <p:nvSpPr>
+          <p:cNvPr id="11" name="Rectangle 10">
+            <a:extLst>
+              <a:ext uri="{FF2B5EF4-FFF2-40B4-BE49-F238E27FC236}">
+                <a16:creationId xmlns:a16="http://schemas.microsoft.com/office/drawing/2014/main" id="{868FF492-E23E-CFAF-D104-17927AADB1BD}"/>
+              </a:ext>
+            </a:extLst>
+          </p:cNvPr>
+          <p:cNvSpPr/>
+          <p:nvPr/>
+        </p:nvSpPr>
+        <p:spPr>
+          <a:xfrm>
+            <a:off x="6672249" y="2270687"/>
+            <a:ext cx="466928" cy="466928"/>
+          </a:xfrm>
+          <a:prstGeom prst="rect">
+            <a:avLst/>
+          </a:prstGeom>
+          <a:solidFill>
+            <a:schemeClr val="accent2">
+              <a:lumMod val="60000"/>
+              <a:lumOff val="40000"/>
+              <a:alpha val="52000"/>
+            </a:schemeClr>
+          </a:solidFill>
+        </p:spPr>
+        <p:style>
+          <a:lnRef idx="2">
+            <a:schemeClr val="accent1">
+              <a:shade val="15000"/>
+            </a:schemeClr>
+          </a:lnRef>
+          <a:fillRef idx="1">
+            <a:schemeClr val="accent1"/>
+          </a:fillRef>
+          <a:effectRef idx="0">
+            <a:schemeClr val="accent1"/>
+          </a:effectRef>
+          <a:fontRef idx="minor">
+            <a:schemeClr val="lt1"/>
+          </a:fontRef>
+        </p:style>
+        <p:txBody>
+          <a:bodyPr rtlCol="0" anchor="ctr"/>
+          <a:lstStyle/>
+          <a:p>
+            <a:pPr algn="ctr"/>
+            <a:r>
+              <a:rPr lang="en-US" sz="1600" dirty="0">
+                <a:solidFill>
+                  <a:schemeClr val="tx1"/>
+                </a:solidFill>
+              </a:rPr>
+              <a:t>N2</a:t>
+            </a:r>
+          </a:p>
+        </p:txBody>
+      </p:sp>
+      <p:sp>
+        <p:nvSpPr>
+          <p:cNvPr id="16" name="Rectangle 15">
+            <a:extLst>
+              <a:ext uri="{FF2B5EF4-FFF2-40B4-BE49-F238E27FC236}">
+                <a16:creationId xmlns:a16="http://schemas.microsoft.com/office/drawing/2014/main" id="{D911689B-315D-85E7-6146-CE49FAC4F925}"/>
+              </a:ext>
+            </a:extLst>
+          </p:cNvPr>
+          <p:cNvSpPr/>
+          <p:nvPr/>
+        </p:nvSpPr>
+        <p:spPr>
+          <a:xfrm>
+            <a:off x="6614808" y="2551494"/>
+            <a:ext cx="466928" cy="466928"/>
+          </a:xfrm>
+          <a:prstGeom prst="rect">
+            <a:avLst/>
+          </a:prstGeom>
+          <a:solidFill>
+            <a:schemeClr val="accent3">
+              <a:lumMod val="40000"/>
+              <a:lumOff val="60000"/>
+              <a:alpha val="54000"/>
+            </a:schemeClr>
+          </a:solidFill>
+        </p:spPr>
+        <p:style>
+          <a:lnRef idx="2">
+            <a:schemeClr val="accent1">
+              <a:shade val="15000"/>
+            </a:schemeClr>
+          </a:lnRef>
+          <a:fillRef idx="1">
+            <a:schemeClr val="accent1"/>
+          </a:fillRef>
+          <a:effectRef idx="0">
+            <a:schemeClr val="accent1"/>
+          </a:effectRef>
+          <a:fontRef idx="minor">
+            <a:schemeClr val="lt1"/>
+          </a:fontRef>
+        </p:style>
+        <p:txBody>
+          <a:bodyPr rtlCol="0" anchor="ctr"/>
+          <a:lstStyle/>
+          <a:p>
+            <a:pPr algn="ctr"/>
+            <a:r>
+              <a:rPr lang="en-US" sz="1600" dirty="0">
+                <a:solidFill>
+                  <a:schemeClr val="tx1"/>
+                </a:solidFill>
+              </a:rPr>
+              <a:t>N3</a:t>
+            </a:r>
+          </a:p>
+        </p:txBody>
+      </p:sp>
+      <p:sp>
+        <p:nvSpPr>
+          <p:cNvPr id="29" name="Rectangle 28">
+            <a:extLst>
+              <a:ext uri="{FF2B5EF4-FFF2-40B4-BE49-F238E27FC236}">
+                <a16:creationId xmlns:a16="http://schemas.microsoft.com/office/drawing/2014/main" id="{8DB8492B-5C8E-756A-F71B-9D97D7B861EA}"/>
+              </a:ext>
+            </a:extLst>
+          </p:cNvPr>
+          <p:cNvSpPr/>
+          <p:nvPr/>
+        </p:nvSpPr>
+        <p:spPr>
+          <a:xfrm>
+            <a:off x="5216943" y="4831434"/>
+            <a:ext cx="466928" cy="466928"/>
+          </a:xfrm>
+          <a:prstGeom prst="rect">
+            <a:avLst/>
+          </a:prstGeom>
+          <a:solidFill>
+            <a:schemeClr val="accent3">
+              <a:lumMod val="40000"/>
+              <a:lumOff val="60000"/>
+              <a:alpha val="54000"/>
+            </a:schemeClr>
+          </a:solidFill>
+        </p:spPr>
+        <p:style>
+          <a:lnRef idx="2">
+            <a:schemeClr val="accent1">
+              <a:shade val="15000"/>
+            </a:schemeClr>
+          </a:lnRef>
+          <a:fillRef idx="1">
+            <a:schemeClr val="accent1"/>
+          </a:fillRef>
+          <a:effectRef idx="0">
+            <a:schemeClr val="accent1"/>
+          </a:effectRef>
+          <a:fontRef idx="minor">
+            <a:schemeClr val="lt1"/>
+          </a:fontRef>
+        </p:style>
+        <p:txBody>
+          <a:bodyPr rtlCol="0" anchor="ctr"/>
+          <a:lstStyle/>
+          <a:p>
+            <a:pPr algn="ctr"/>
+            <a:r>
+              <a:rPr lang="en-US" dirty="0">
+                <a:solidFill>
+                  <a:schemeClr val="tx1"/>
+                </a:solidFill>
+              </a:rPr>
+              <a:t>A6</a:t>
+            </a:r>
+          </a:p>
+        </p:txBody>
+      </p:sp>
+      <p:sp>
+        <p:nvSpPr>
+          <p:cNvPr id="31" name="Rectangle 30">
+            <a:extLst>
+              <a:ext uri="{FF2B5EF4-FFF2-40B4-BE49-F238E27FC236}">
+                <a16:creationId xmlns:a16="http://schemas.microsoft.com/office/drawing/2014/main" id="{6F5D0803-AB42-78EA-05F5-C1A7A93C1508}"/>
+              </a:ext>
+            </a:extLst>
+          </p:cNvPr>
+          <p:cNvSpPr/>
+          <p:nvPr/>
+        </p:nvSpPr>
+        <p:spPr>
+          <a:xfrm>
+            <a:off x="5217781" y="4287751"/>
+            <a:ext cx="466928" cy="466928"/>
+          </a:xfrm>
+          <a:prstGeom prst="rect">
+            <a:avLst/>
+          </a:prstGeom>
+          <a:solidFill>
+            <a:schemeClr val="accent5">
+              <a:lumMod val="40000"/>
+              <a:lumOff val="60000"/>
+            </a:schemeClr>
+          </a:solidFill>
+          <a:ln>
+            <a:solidFill>
+              <a:schemeClr val="accent1">
+                <a:shade val="15000"/>
+                <a:alpha val="48000"/>
+              </a:schemeClr>
+            </a:solidFill>
+          </a:ln>
+        </p:spPr>
+        <p:style>
+          <a:lnRef idx="2">
+            <a:schemeClr val="accent1">
+              <a:shade val="15000"/>
+            </a:schemeClr>
+          </a:lnRef>
+          <a:fillRef idx="1">
+            <a:schemeClr val="accent1"/>
+          </a:fillRef>
+          <a:effectRef idx="0">
+            <a:schemeClr val="accent1"/>
+          </a:effectRef>
+          <a:fontRef idx="minor">
+            <a:schemeClr val="lt1"/>
+          </a:fontRef>
+        </p:style>
+        <p:txBody>
+          <a:bodyPr rtlCol="0" anchor="ctr"/>
+          <a:lstStyle/>
+          <a:p>
+            <a:pPr algn="ctr"/>
+            <a:r>
+              <a:rPr lang="en-US" dirty="0">
+                <a:solidFill>
+                  <a:schemeClr val="tx1"/>
+                </a:solidFill>
+              </a:rPr>
+              <a:t>A4</a:t>
+            </a:r>
+          </a:p>
+        </p:txBody>
+      </p:sp>
+      <p:sp>
+        <p:nvSpPr>
+          <p:cNvPr id="33" name="Rectangle 32">
+            <a:extLst>
+              <a:ext uri="{FF2B5EF4-FFF2-40B4-BE49-F238E27FC236}">
+                <a16:creationId xmlns:a16="http://schemas.microsoft.com/office/drawing/2014/main" id="{1A27DE07-00AD-7113-708B-7BAA4FD03616}"/>
+              </a:ext>
+            </a:extLst>
+          </p:cNvPr>
+          <p:cNvSpPr/>
+          <p:nvPr/>
+        </p:nvSpPr>
+        <p:spPr>
+          <a:xfrm>
+            <a:off x="5148850" y="4559849"/>
+            <a:ext cx="466928" cy="466928"/>
+          </a:xfrm>
+          <a:prstGeom prst="rect">
+            <a:avLst/>
+          </a:prstGeom>
+          <a:solidFill>
+            <a:schemeClr val="accent2">
+              <a:lumMod val="60000"/>
+              <a:lumOff val="40000"/>
+              <a:alpha val="52000"/>
+            </a:schemeClr>
+          </a:solidFill>
+        </p:spPr>
+        <p:style>
+          <a:lnRef idx="2">
+            <a:schemeClr val="accent1">
+              <a:shade val="15000"/>
+            </a:schemeClr>
+          </a:lnRef>
+          <a:fillRef idx="1">
+            <a:schemeClr val="accent1"/>
+          </a:fillRef>
+          <a:effectRef idx="0">
+            <a:schemeClr val="accent1"/>
+          </a:effectRef>
+          <a:fontRef idx="minor">
+            <a:schemeClr val="lt1"/>
+          </a:fontRef>
+        </p:style>
+        <p:txBody>
+          <a:bodyPr rtlCol="0" anchor="ctr"/>
+          <a:lstStyle/>
+          <a:p>
+            <a:pPr algn="ctr"/>
+            <a:r>
+              <a:rPr lang="en-US" dirty="0">
+                <a:solidFill>
+                  <a:schemeClr val="tx1"/>
+                </a:solidFill>
+              </a:rPr>
+              <a:t>A5</a:t>
+            </a:r>
+          </a:p>
+        </p:txBody>
+      </p:sp>
+      <p:sp>
+        <p:nvSpPr>
+          <p:cNvPr id="34" name="Rectangle 33">
+            <a:extLst>
+              <a:ext uri="{FF2B5EF4-FFF2-40B4-BE49-F238E27FC236}">
+                <a16:creationId xmlns:a16="http://schemas.microsoft.com/office/drawing/2014/main" id="{E0E14AF4-F66C-E05D-41B4-4C8E57B63695}"/>
+              </a:ext>
+            </a:extLst>
+          </p:cNvPr>
+          <p:cNvSpPr/>
+          <p:nvPr/>
+        </p:nvSpPr>
+        <p:spPr>
+          <a:xfrm>
+            <a:off x="6613166" y="4287751"/>
+            <a:ext cx="466928" cy="466928"/>
+          </a:xfrm>
+          <a:prstGeom prst="rect">
+            <a:avLst/>
+          </a:prstGeom>
+          <a:solidFill>
+            <a:schemeClr val="accent5">
+              <a:lumMod val="40000"/>
+              <a:lumOff val="60000"/>
+              <a:alpha val="51000"/>
+            </a:schemeClr>
+          </a:solidFill>
+          <a:ln>
+            <a:solidFill>
+              <a:schemeClr val="accent1">
+                <a:shade val="15000"/>
+              </a:schemeClr>
+            </a:solidFill>
+          </a:ln>
+        </p:spPr>
+        <p:style>
+          <a:lnRef idx="2">
+            <a:schemeClr val="accent1">
+              <a:shade val="15000"/>
+            </a:schemeClr>
+          </a:lnRef>
+          <a:fillRef idx="1">
+            <a:schemeClr val="accent1"/>
+          </a:fillRef>
+          <a:effectRef idx="0">
+            <a:schemeClr val="accent1"/>
+          </a:effectRef>
+          <a:fontRef idx="minor">
+            <a:schemeClr val="lt1"/>
+          </a:fontRef>
+        </p:style>
+        <p:txBody>
+          <a:bodyPr rtlCol="0" anchor="ctr"/>
+          <a:lstStyle/>
+          <a:p>
+            <a:pPr algn="ctr"/>
+            <a:r>
+              <a:rPr lang="en-US" sz="1600" dirty="0">
+                <a:solidFill>
+                  <a:schemeClr val="tx1"/>
+                </a:solidFill>
+              </a:rPr>
+              <a:t>N4</a:t>
+            </a:r>
+          </a:p>
+        </p:txBody>
+      </p:sp>
+      <p:sp>
+        <p:nvSpPr>
+          <p:cNvPr id="36" name="Rectangle 35">
+            <a:extLst>
+              <a:ext uri="{FF2B5EF4-FFF2-40B4-BE49-F238E27FC236}">
+                <a16:creationId xmlns:a16="http://schemas.microsoft.com/office/drawing/2014/main" id="{2C86FF98-785C-4306-A6F8-CBE8D53875D0}"/>
+              </a:ext>
+            </a:extLst>
+          </p:cNvPr>
+          <p:cNvSpPr/>
+          <p:nvPr/>
+        </p:nvSpPr>
+        <p:spPr>
+          <a:xfrm>
+            <a:off x="6670607" y="4531347"/>
+            <a:ext cx="466928" cy="466928"/>
+          </a:xfrm>
+          <a:prstGeom prst="rect">
+            <a:avLst/>
+          </a:prstGeom>
+          <a:solidFill>
+            <a:schemeClr val="accent2">
+              <a:lumMod val="60000"/>
+              <a:lumOff val="40000"/>
+              <a:alpha val="52000"/>
+            </a:schemeClr>
+          </a:solidFill>
+        </p:spPr>
+        <p:style>
+          <a:lnRef idx="2">
+            <a:schemeClr val="accent1">
+              <a:shade val="15000"/>
+            </a:schemeClr>
+          </a:lnRef>
+          <a:fillRef idx="1">
+            <a:schemeClr val="accent1"/>
+          </a:fillRef>
+          <a:effectRef idx="0">
+            <a:schemeClr val="accent1"/>
+          </a:effectRef>
+          <a:fontRef idx="minor">
+            <a:schemeClr val="lt1"/>
+          </a:fontRef>
+        </p:style>
+        <p:txBody>
+          <a:bodyPr rtlCol="0" anchor="ctr"/>
+          <a:lstStyle/>
+          <a:p>
+            <a:pPr algn="ctr"/>
+            <a:r>
+              <a:rPr lang="en-US" sz="1600" dirty="0">
+                <a:solidFill>
+                  <a:schemeClr val="tx1"/>
+                </a:solidFill>
+              </a:rPr>
+              <a:t>N5</a:t>
+            </a:r>
+            <a:endParaRPr lang="en-US" dirty="0">
+              <a:solidFill>
+                <a:schemeClr val="tx1"/>
+              </a:solidFill>
+            </a:endParaRPr>
+          </a:p>
+        </p:txBody>
+      </p:sp>
+      <p:sp>
+        <p:nvSpPr>
+          <p:cNvPr id="37" name="Rectangle 36">
+            <a:extLst>
+              <a:ext uri="{FF2B5EF4-FFF2-40B4-BE49-F238E27FC236}">
+                <a16:creationId xmlns:a16="http://schemas.microsoft.com/office/drawing/2014/main" id="{768A24AD-8785-C327-6477-1A224574605A}"/>
+              </a:ext>
+            </a:extLst>
+          </p:cNvPr>
+          <p:cNvSpPr/>
+          <p:nvPr/>
+        </p:nvSpPr>
+        <p:spPr>
+          <a:xfrm>
+            <a:off x="6613166" y="4812154"/>
+            <a:ext cx="466928" cy="466928"/>
+          </a:xfrm>
+          <a:prstGeom prst="rect">
+            <a:avLst/>
+          </a:prstGeom>
+          <a:solidFill>
+            <a:schemeClr val="accent3">
+              <a:lumMod val="40000"/>
+              <a:lumOff val="60000"/>
+              <a:alpha val="54000"/>
+            </a:schemeClr>
+          </a:solidFill>
+        </p:spPr>
+        <p:style>
+          <a:lnRef idx="2">
+            <a:schemeClr val="accent1">
+              <a:shade val="15000"/>
+            </a:schemeClr>
+          </a:lnRef>
+          <a:fillRef idx="1">
+            <a:schemeClr val="accent1"/>
+          </a:fillRef>
+          <a:effectRef idx="0">
+            <a:schemeClr val="accent1"/>
+          </a:effectRef>
+          <a:fontRef idx="minor">
+            <a:schemeClr val="lt1"/>
+          </a:fontRef>
+        </p:style>
+        <p:txBody>
+          <a:bodyPr rtlCol="0" anchor="ctr"/>
+          <a:lstStyle/>
+          <a:p>
+            <a:pPr algn="ctr"/>
+            <a:r>
+              <a:rPr lang="en-US" sz="1600" dirty="0">
+                <a:solidFill>
+                  <a:schemeClr val="tx1"/>
+                </a:solidFill>
+              </a:rPr>
+              <a:t>N6</a:t>
+            </a:r>
+          </a:p>
+        </p:txBody>
+      </p:sp>
+      <p:sp>
+        <p:nvSpPr>
+          <p:cNvPr id="13" name="TextBox 12">
+            <a:extLst>
+              <a:ext uri="{FF2B5EF4-FFF2-40B4-BE49-F238E27FC236}">
+                <a16:creationId xmlns:a16="http://schemas.microsoft.com/office/drawing/2014/main" id="{2C1F0821-2990-31E5-EEBA-16A76089DEE4}"/>
+              </a:ext>
+            </a:extLst>
+          </p:cNvPr>
+          <p:cNvSpPr txBox="1"/>
+          <p:nvPr/>
+        </p:nvSpPr>
+        <p:spPr>
+          <a:xfrm>
+            <a:off x="209938" y="1203918"/>
+            <a:ext cx="1628590" cy="5755422"/>
+          </a:xfrm>
+          <a:prstGeom prst="rect">
+            <a:avLst/>
+          </a:prstGeom>
+          <a:noFill/>
+        </p:spPr>
+        <p:txBody>
+          <a:bodyPr wrap="square" rtlCol="0">
+            <a:spAutoFit/>
+          </a:bodyPr>
+          <a:lstStyle/>
+          <a:p>
+            <a:pPr algn="ctr"/>
+            <a:r>
+              <a:rPr lang="en-US" sz="1600" dirty="0"/>
+              <a:t>Coordinates</a:t>
+            </a:r>
+          </a:p>
+          <a:p>
+            <a:pPr algn="ctr"/>
+            <a:r>
+              <a:rPr lang="en-US" sz="1600" dirty="0"/>
+              <a:t> (x, y) – </a:t>
+            </a:r>
+            <a:r>
+              <a:rPr lang="en-US" sz="900" dirty="0"/>
+              <a:t>meters</a:t>
+            </a:r>
+          </a:p>
+          <a:p>
+            <a:pPr algn="ctr"/>
+            <a:endParaRPr lang="en-US" sz="1400" dirty="0"/>
+          </a:p>
+          <a:p>
+            <a:pPr indent="285750"/>
+            <a:r>
+              <a:rPr lang="en-US" sz="1400" dirty="0"/>
+              <a:t>A1 – 3.5, 5.9</a:t>
+            </a:r>
+          </a:p>
+          <a:p>
+            <a:pPr indent="285750"/>
+            <a:r>
+              <a:rPr lang="en-US" sz="1400" dirty="0"/>
+              <a:t>N1 – 5.8, 5.9</a:t>
+            </a:r>
+          </a:p>
+          <a:p>
+            <a:pPr indent="285750"/>
+            <a:endParaRPr lang="en-US" sz="1400" dirty="0"/>
+          </a:p>
+          <a:p>
+            <a:pPr indent="285750"/>
+            <a:r>
+              <a:rPr lang="en-US" sz="1400" dirty="0"/>
+              <a:t>A2 – 3.4 </a:t>
+            </a:r>
+            <a:r>
+              <a:rPr lang="en-US" sz="1400"/>
+              <a:t>, 5.5 </a:t>
+            </a:r>
+            <a:endParaRPr lang="en-US" sz="1400" dirty="0"/>
+          </a:p>
+          <a:p>
+            <a:pPr indent="285750"/>
+            <a:r>
+              <a:rPr lang="en-US" sz="1400" dirty="0"/>
+              <a:t>N2 – 5.8, 5.5</a:t>
+            </a:r>
+          </a:p>
+          <a:p>
+            <a:pPr indent="285750"/>
+            <a:endParaRPr lang="en-US" sz="1400" dirty="0"/>
+          </a:p>
+          <a:p>
+            <a:pPr indent="285750"/>
+            <a:r>
+              <a:rPr lang="en-US" sz="1400" dirty="0"/>
+              <a:t>A3 – 3.5, 5.2</a:t>
+            </a:r>
+          </a:p>
+          <a:p>
+            <a:pPr indent="285750"/>
+            <a:r>
+              <a:rPr lang="en-US" sz="1400" dirty="0"/>
+              <a:t>N3- , 5.2</a:t>
+            </a:r>
+          </a:p>
+          <a:p>
+            <a:pPr indent="285750"/>
+            <a:endParaRPr lang="en-US" sz="1400" dirty="0"/>
+          </a:p>
+          <a:p>
+            <a:pPr indent="285750"/>
+            <a:r>
+              <a:rPr lang="en-US" sz="1400" dirty="0"/>
+              <a:t>A4- 3.5,</a:t>
+            </a:r>
+          </a:p>
+          <a:p>
+            <a:pPr indent="285750"/>
+            <a:r>
+              <a:rPr lang="en-US" sz="1400" dirty="0"/>
+              <a:t>N4 -</a:t>
+            </a:r>
+          </a:p>
+          <a:p>
+            <a:pPr indent="285750"/>
+            <a:endParaRPr lang="en-US" sz="1400" dirty="0"/>
+          </a:p>
+          <a:p>
+            <a:pPr indent="285750"/>
+            <a:r>
+              <a:rPr lang="en-US" sz="1400" dirty="0"/>
+              <a:t>A5- 3.4, </a:t>
+            </a:r>
+          </a:p>
+          <a:p>
+            <a:pPr indent="285750"/>
+            <a:r>
+              <a:rPr lang="en-US" sz="1400" dirty="0"/>
+              <a:t>N5 –</a:t>
+            </a:r>
+          </a:p>
+          <a:p>
+            <a:pPr indent="285750"/>
+            <a:endParaRPr lang="en-US" sz="1400" dirty="0"/>
+          </a:p>
+          <a:p>
+            <a:pPr indent="285750"/>
+            <a:r>
+              <a:rPr lang="en-US" sz="1400" dirty="0"/>
+              <a:t>A6- 3.5,</a:t>
+            </a:r>
+          </a:p>
+          <a:p>
+            <a:pPr indent="285750"/>
+            <a:r>
+              <a:rPr lang="en-US" sz="1400" dirty="0"/>
+              <a:t>N6 –</a:t>
+            </a:r>
+          </a:p>
+          <a:p>
+            <a:pPr indent="285750"/>
+            <a:endParaRPr lang="en-US" sz="1400" dirty="0"/>
+          </a:p>
+          <a:p>
+            <a:pPr indent="285750"/>
+            <a:r>
+              <a:rPr lang="en-US" sz="1400" dirty="0"/>
+              <a:t>D1-</a:t>
+            </a:r>
+          </a:p>
+          <a:p>
+            <a:pPr indent="285750"/>
+            <a:r>
+              <a:rPr lang="en-US" sz="1400" dirty="0"/>
+              <a:t>D2-</a:t>
+            </a:r>
+          </a:p>
+          <a:p>
+            <a:pPr indent="285750"/>
+            <a:endParaRPr lang="en-US" sz="1400" dirty="0"/>
+          </a:p>
+          <a:p>
+            <a:pPr indent="285750"/>
+            <a:r>
+              <a:rPr lang="en-US" sz="1400" dirty="0"/>
+              <a:t>O1-</a:t>
+            </a:r>
+          </a:p>
+          <a:p>
+            <a:pPr indent="285750"/>
+            <a:r>
+              <a:rPr lang="en-US" sz="1400" dirty="0"/>
+              <a:t> </a:t>
+            </a:r>
+            <a:endParaRPr lang="en-US" sz="1600" dirty="0"/>
+          </a:p>
+        </p:txBody>
+      </p:sp>
+    </p:spTree>
+    <p:extLst>
+      <p:ext uri="{BB962C8B-B14F-4D97-AF65-F5344CB8AC3E}">
+        <p14:creationId xmlns:p14="http://schemas.microsoft.com/office/powerpoint/2010/main" val="3330468595"/>
+      </p:ext>
+    </p:extLst>
+  </p:cSld>
+  <p:clrMapOvr>
+    <a:masterClrMapping/>
+  </p:clrMapOvr>
+</p:sld>
+</file>
+
+<file path=ppt/slides/slide5.xml><?xml version="1.0" encoding="utf-8"?>
+<p:sld xmlns:a="http://schemas.openxmlformats.org/drawingml/2006/main" xmlns:r="http://schemas.openxmlformats.org/officeDocument/2006/relationships" xmlns:p="http://schemas.openxmlformats.org/presentationml/2006/main">
+  <p:cSld>
+    <p:spTree>
+      <p:nvGrpSpPr>
+        <p:cNvPr id="1" name="">
+          <a:extLst>
+            <a:ext uri="{FF2B5EF4-FFF2-40B4-BE49-F238E27FC236}">
+              <a16:creationId xmlns:a16="http://schemas.microsoft.com/office/drawing/2014/main" id="{D74660D2-DCDB-640C-6196-04CB1A99B69D}"/>
+            </a:ext>
+          </a:extLst>
+        </p:cNvPr>
+        <p:cNvGrpSpPr/>
+        <p:nvPr/>
+      </p:nvGrpSpPr>
+      <p:grpSpPr>
+        <a:xfrm>
+          <a:off x="0" y="0"/>
+          <a:ext cx="0" cy="0"/>
+          <a:chOff x="0" y="0"/>
+          <a:chExt cx="0" cy="0"/>
+        </a:xfrm>
+      </p:grpSpPr>
+      <p:pic>
+        <p:nvPicPr>
+          <p:cNvPr id="5" name="Picture 4">
+            <a:extLst>
+              <a:ext uri="{FF2B5EF4-FFF2-40B4-BE49-F238E27FC236}">
+                <a16:creationId xmlns:a16="http://schemas.microsoft.com/office/drawing/2014/main" id="{BE545A79-35B1-BA9C-1036-5CB3DCDB524F}"/>
+              </a:ext>
+            </a:extLst>
+          </p:cNvPr>
+          <p:cNvPicPr>
+            <a:picLocks noChangeAspect="1"/>
+          </p:cNvPicPr>
+          <p:nvPr/>
+        </p:nvPicPr>
+        <p:blipFill>
+          <a:blip r:embed="rId2">
+            <a:extLst>
+              <a:ext uri="{28A0092B-C50C-407E-A947-70E740481C1C}">
+                <a14:useLocalDpi xmlns:a14="http://schemas.microsoft.com/office/drawing/2010/main" val="0"/>
+              </a:ext>
+            </a:extLst>
+          </a:blip>
+          <a:srcRect l="35550" r="11291"/>
+          <a:stretch>
+            <a:fillRect/>
+          </a:stretch>
+        </p:blipFill>
+        <p:spPr>
+          <a:xfrm rot="10800000">
+            <a:off x="2602522" y="447940"/>
+            <a:ext cx="8400421" cy="6410060"/>
+          </a:xfrm>
+          <a:prstGeom prst="rect">
+            <a:avLst/>
+          </a:prstGeom>
+        </p:spPr>
+      </p:pic>
+      <p:cxnSp>
+        <p:nvCxnSpPr>
+          <p:cNvPr id="7" name="Straight Connector 6">
+            <a:extLst>
+              <a:ext uri="{FF2B5EF4-FFF2-40B4-BE49-F238E27FC236}">
+                <a16:creationId xmlns:a16="http://schemas.microsoft.com/office/drawing/2014/main" id="{B7BE419A-FF46-BFB2-208C-0B58C2D980EA}"/>
+              </a:ext>
+            </a:extLst>
+          </p:cNvPr>
+          <p:cNvCxnSpPr/>
+          <p:nvPr/>
+        </p:nvCxnSpPr>
+        <p:spPr>
+          <a:xfrm flipV="1">
+            <a:off x="2893925" y="80387"/>
+            <a:ext cx="0" cy="622998"/>
+          </a:xfrm>
+          <a:prstGeom prst="line">
+            <a:avLst/>
+          </a:prstGeom>
+        </p:spPr>
+        <p:style>
+          <a:lnRef idx="2">
+            <a:schemeClr val="accent1"/>
+          </a:lnRef>
+          <a:fillRef idx="0">
+            <a:schemeClr val="accent1"/>
+          </a:fillRef>
+          <a:effectRef idx="1">
+            <a:schemeClr val="accent1"/>
+          </a:effectRef>
+          <a:fontRef idx="minor">
+            <a:schemeClr val="tx1"/>
+          </a:fontRef>
+        </p:style>
+      </p:cxnSp>
+      <p:cxnSp>
+        <p:nvCxnSpPr>
+          <p:cNvPr id="9" name="Straight Connector 8">
+            <a:extLst>
+              <a:ext uri="{FF2B5EF4-FFF2-40B4-BE49-F238E27FC236}">
+                <a16:creationId xmlns:a16="http://schemas.microsoft.com/office/drawing/2014/main" id="{B4C03606-679D-FD5F-E031-59FF92F5A00D}"/>
+              </a:ext>
+            </a:extLst>
+          </p:cNvPr>
+          <p:cNvCxnSpPr/>
+          <p:nvPr/>
+        </p:nvCxnSpPr>
+        <p:spPr>
+          <a:xfrm flipV="1">
+            <a:off x="6173821" y="80387"/>
+            <a:ext cx="0" cy="622998"/>
+          </a:xfrm>
+          <a:prstGeom prst="line">
+            <a:avLst/>
+          </a:prstGeom>
+        </p:spPr>
+        <p:style>
+          <a:lnRef idx="2">
+            <a:schemeClr val="accent1"/>
+          </a:lnRef>
+          <a:fillRef idx="0">
+            <a:schemeClr val="accent1"/>
+          </a:fillRef>
+          <a:effectRef idx="1">
+            <a:schemeClr val="accent1"/>
+          </a:effectRef>
+          <a:fontRef idx="minor">
+            <a:schemeClr val="tx1"/>
+          </a:fontRef>
+        </p:style>
+      </p:cxnSp>
+      <p:sp>
+        <p:nvSpPr>
+          <p:cNvPr id="10" name="TextBox 9">
+            <a:extLst>
+              <a:ext uri="{FF2B5EF4-FFF2-40B4-BE49-F238E27FC236}">
+                <a16:creationId xmlns:a16="http://schemas.microsoft.com/office/drawing/2014/main" id="{1CF3CF17-4BCE-8073-786B-57000E43F379}"/>
+              </a:ext>
+            </a:extLst>
+          </p:cNvPr>
+          <p:cNvSpPr txBox="1"/>
+          <p:nvPr/>
+        </p:nvSpPr>
+        <p:spPr>
+          <a:xfrm>
+            <a:off x="4124527" y="207220"/>
+            <a:ext cx="1040857" cy="369332"/>
+          </a:xfrm>
+          <a:prstGeom prst="rect">
+            <a:avLst/>
+          </a:prstGeom>
+          <a:noFill/>
+        </p:spPr>
+        <p:txBody>
+          <a:bodyPr wrap="square" rtlCol="0">
+            <a:spAutoFit/>
+          </a:bodyPr>
+          <a:lstStyle/>
+          <a:p>
+            <a:r>
+              <a:rPr lang="en-US" dirty="0"/>
+              <a:t>15’ – 2”</a:t>
+            </a:r>
+          </a:p>
+        </p:txBody>
+      </p:sp>
+      <p:cxnSp>
+        <p:nvCxnSpPr>
+          <p:cNvPr id="12" name="Straight Arrow Connector 11">
+            <a:extLst>
+              <a:ext uri="{FF2B5EF4-FFF2-40B4-BE49-F238E27FC236}">
+                <a16:creationId xmlns:a16="http://schemas.microsoft.com/office/drawing/2014/main" id="{8AEFB58C-DB35-CBB5-AC09-49E421F9ED0F}"/>
+              </a:ext>
+            </a:extLst>
+          </p:cNvPr>
+          <p:cNvCxnSpPr/>
+          <p:nvPr/>
+        </p:nvCxnSpPr>
+        <p:spPr>
+          <a:xfrm>
+            <a:off x="4980562" y="391886"/>
+            <a:ext cx="1193259" cy="0"/>
+          </a:xfrm>
+          <a:prstGeom prst="straightConnector1">
+            <a:avLst/>
+          </a:prstGeom>
+          <a:ln>
+            <a:tailEnd type="triangle"/>
+          </a:ln>
+        </p:spPr>
+        <p:style>
+          <a:lnRef idx="2">
+            <a:schemeClr val="accent1"/>
+          </a:lnRef>
+          <a:fillRef idx="0">
+            <a:schemeClr val="accent1"/>
+          </a:fillRef>
+          <a:effectRef idx="1">
+            <a:schemeClr val="accent1"/>
+          </a:effectRef>
+          <a:fontRef idx="minor">
+            <a:schemeClr val="tx1"/>
+          </a:fontRef>
+        </p:style>
+      </p:cxnSp>
+      <p:cxnSp>
+        <p:nvCxnSpPr>
+          <p:cNvPr id="14" name="Straight Arrow Connector 13">
+            <a:extLst>
+              <a:ext uri="{FF2B5EF4-FFF2-40B4-BE49-F238E27FC236}">
+                <a16:creationId xmlns:a16="http://schemas.microsoft.com/office/drawing/2014/main" id="{7231D71A-CD8B-940B-A79D-97375FB2167B}"/>
+              </a:ext>
+            </a:extLst>
+          </p:cNvPr>
+          <p:cNvCxnSpPr>
+            <a:stCxn id="10" idx="1"/>
+          </p:cNvCxnSpPr>
+          <p:nvPr/>
+        </p:nvCxnSpPr>
+        <p:spPr>
+          <a:xfrm flipH="1">
+            <a:off x="2893925" y="391886"/>
+            <a:ext cx="1230602" cy="0"/>
+          </a:xfrm>
+          <a:prstGeom prst="straightConnector1">
+            <a:avLst/>
+          </a:prstGeom>
+          <a:ln>
+            <a:tailEnd type="triangle"/>
+          </a:ln>
+        </p:spPr>
+        <p:style>
+          <a:lnRef idx="2">
+            <a:schemeClr val="accent1"/>
+          </a:lnRef>
+          <a:fillRef idx="0">
+            <a:schemeClr val="accent1"/>
+          </a:fillRef>
+          <a:effectRef idx="1">
+            <a:schemeClr val="accent1"/>
+          </a:effectRef>
+          <a:fontRef idx="minor">
+            <a:schemeClr val="tx1"/>
+          </a:fontRef>
+        </p:style>
+      </p:cxnSp>
+      <p:sp>
+        <p:nvSpPr>
+          <p:cNvPr id="15" name="TextBox 14">
+            <a:extLst>
+              <a:ext uri="{FF2B5EF4-FFF2-40B4-BE49-F238E27FC236}">
+                <a16:creationId xmlns:a16="http://schemas.microsoft.com/office/drawing/2014/main" id="{ECB5BE62-F3C6-FF96-ACA0-FF2DAF5C7472}"/>
+              </a:ext>
+            </a:extLst>
+          </p:cNvPr>
+          <p:cNvSpPr txBox="1"/>
+          <p:nvPr/>
+        </p:nvSpPr>
+        <p:spPr>
+          <a:xfrm>
+            <a:off x="6846630" y="207220"/>
+            <a:ext cx="1115583" cy="369332"/>
+          </a:xfrm>
+          <a:prstGeom prst="rect">
+            <a:avLst/>
+          </a:prstGeom>
+          <a:noFill/>
+        </p:spPr>
+        <p:txBody>
+          <a:bodyPr wrap="square" rtlCol="0">
+            <a:spAutoFit/>
+          </a:bodyPr>
+          <a:lstStyle/>
+          <a:p>
+            <a:pPr algn="ctr"/>
+            <a:r>
+              <a:rPr lang="en-US" dirty="0"/>
+              <a:t>11’-11”</a:t>
+            </a:r>
+          </a:p>
+        </p:txBody>
+      </p:sp>
+      <p:cxnSp>
+        <p:nvCxnSpPr>
+          <p:cNvPr id="17" name="Straight Arrow Connector 16">
+            <a:extLst>
+              <a:ext uri="{FF2B5EF4-FFF2-40B4-BE49-F238E27FC236}">
+                <a16:creationId xmlns:a16="http://schemas.microsoft.com/office/drawing/2014/main" id="{CC359F47-8374-648A-D20F-FB190F150F23}"/>
+              </a:ext>
+            </a:extLst>
+          </p:cNvPr>
+          <p:cNvCxnSpPr/>
+          <p:nvPr/>
+        </p:nvCxnSpPr>
+        <p:spPr>
+          <a:xfrm flipH="1">
+            <a:off x="6245157" y="391886"/>
+            <a:ext cx="739303" cy="0"/>
+          </a:xfrm>
+          <a:prstGeom prst="straightConnector1">
+            <a:avLst/>
+          </a:prstGeom>
+          <a:ln>
+            <a:tailEnd type="triangle"/>
+          </a:ln>
+        </p:spPr>
+        <p:style>
+          <a:lnRef idx="2">
+            <a:schemeClr val="accent1"/>
+          </a:lnRef>
+          <a:fillRef idx="0">
+            <a:schemeClr val="accent1"/>
+          </a:fillRef>
+          <a:effectRef idx="1">
+            <a:schemeClr val="accent1"/>
+          </a:effectRef>
+          <a:fontRef idx="minor">
+            <a:schemeClr val="tx1"/>
+          </a:fontRef>
+        </p:style>
+      </p:cxnSp>
+      <p:cxnSp>
+        <p:nvCxnSpPr>
+          <p:cNvPr id="19" name="Straight Connector 18">
+            <a:extLst>
+              <a:ext uri="{FF2B5EF4-FFF2-40B4-BE49-F238E27FC236}">
+                <a16:creationId xmlns:a16="http://schemas.microsoft.com/office/drawing/2014/main" id="{3CFCD8DB-CFC1-348C-20E0-CD96A10C1B7B}"/>
+              </a:ext>
+            </a:extLst>
+          </p:cNvPr>
+          <p:cNvCxnSpPr/>
+          <p:nvPr/>
+        </p:nvCxnSpPr>
+        <p:spPr>
+          <a:xfrm flipV="1">
+            <a:off x="8725711" y="80387"/>
+            <a:ext cx="0" cy="622998"/>
+          </a:xfrm>
+          <a:prstGeom prst="line">
+            <a:avLst/>
+          </a:prstGeom>
+        </p:spPr>
+        <p:style>
+          <a:lnRef idx="2">
+            <a:schemeClr val="accent1"/>
+          </a:lnRef>
+          <a:fillRef idx="0">
+            <a:schemeClr val="accent1"/>
+          </a:fillRef>
+          <a:effectRef idx="1">
+            <a:schemeClr val="accent1"/>
+          </a:effectRef>
+          <a:fontRef idx="minor">
+            <a:schemeClr val="tx1"/>
+          </a:fontRef>
+        </p:style>
+      </p:cxnSp>
+      <p:cxnSp>
+        <p:nvCxnSpPr>
+          <p:cNvPr id="21" name="Straight Arrow Connector 20">
+            <a:extLst>
+              <a:ext uri="{FF2B5EF4-FFF2-40B4-BE49-F238E27FC236}">
+                <a16:creationId xmlns:a16="http://schemas.microsoft.com/office/drawing/2014/main" id="{06256956-8C46-2A5E-C6A9-9D0AA1E4D009}"/>
+              </a:ext>
+            </a:extLst>
+          </p:cNvPr>
+          <p:cNvCxnSpPr/>
+          <p:nvPr/>
+        </p:nvCxnSpPr>
+        <p:spPr>
+          <a:xfrm>
+            <a:off x="7801583" y="391886"/>
+            <a:ext cx="894945" cy="0"/>
+          </a:xfrm>
+          <a:prstGeom prst="straightConnector1">
+            <a:avLst/>
+          </a:prstGeom>
+          <a:ln>
+            <a:tailEnd type="triangle"/>
+          </a:ln>
+        </p:spPr>
+        <p:style>
+          <a:lnRef idx="2">
+            <a:schemeClr val="accent1"/>
+          </a:lnRef>
+          <a:fillRef idx="0">
+            <a:schemeClr val="accent1"/>
+          </a:fillRef>
+          <a:effectRef idx="1">
+            <a:schemeClr val="accent1"/>
+          </a:effectRef>
+          <a:fontRef idx="minor">
+            <a:schemeClr val="tx1"/>
+          </a:fontRef>
+        </p:style>
+      </p:cxnSp>
+      <p:cxnSp>
+        <p:nvCxnSpPr>
+          <p:cNvPr id="23" name="Straight Connector 22">
+            <a:extLst>
+              <a:ext uri="{FF2B5EF4-FFF2-40B4-BE49-F238E27FC236}">
+                <a16:creationId xmlns:a16="http://schemas.microsoft.com/office/drawing/2014/main" id="{31E7E91F-B86C-48D8-AEA6-49D8CAA9E93E}"/>
+              </a:ext>
+            </a:extLst>
+          </p:cNvPr>
+          <p:cNvCxnSpPr>
+            <a:cxnSpLocks/>
+          </p:cNvCxnSpPr>
+          <p:nvPr/>
+        </p:nvCxnSpPr>
+        <p:spPr>
+          <a:xfrm flipH="1">
+            <a:off x="1867711" y="787940"/>
+            <a:ext cx="856034" cy="0"/>
+          </a:xfrm>
+          <a:prstGeom prst="line">
+            <a:avLst/>
+          </a:prstGeom>
+        </p:spPr>
+        <p:style>
+          <a:lnRef idx="2">
+            <a:schemeClr val="accent1"/>
+          </a:lnRef>
+          <a:fillRef idx="0">
+            <a:schemeClr val="accent1"/>
+          </a:fillRef>
+          <a:effectRef idx="1">
+            <a:schemeClr val="accent1"/>
+          </a:effectRef>
+          <a:fontRef idx="minor">
+            <a:schemeClr val="tx1"/>
+          </a:fontRef>
+        </p:style>
+      </p:cxnSp>
+      <p:cxnSp>
+        <p:nvCxnSpPr>
+          <p:cNvPr id="25" name="Straight Connector 24">
+            <a:extLst>
+              <a:ext uri="{FF2B5EF4-FFF2-40B4-BE49-F238E27FC236}">
+                <a16:creationId xmlns:a16="http://schemas.microsoft.com/office/drawing/2014/main" id="{A05D80A7-6ED1-7407-93B9-4D9361E31089}"/>
+              </a:ext>
+            </a:extLst>
+          </p:cNvPr>
+          <p:cNvCxnSpPr>
+            <a:cxnSpLocks/>
+            <a:endCxn id="5" idx="3"/>
+          </p:cNvCxnSpPr>
+          <p:nvPr/>
+        </p:nvCxnSpPr>
+        <p:spPr>
+          <a:xfrm>
+            <a:off x="2235116" y="3652970"/>
+            <a:ext cx="367406" cy="0"/>
+          </a:xfrm>
+          <a:prstGeom prst="line">
+            <a:avLst/>
+          </a:prstGeom>
+        </p:spPr>
+        <p:style>
+          <a:lnRef idx="2">
+            <a:schemeClr val="accent1"/>
+          </a:lnRef>
+          <a:fillRef idx="0">
+            <a:schemeClr val="accent1"/>
+          </a:fillRef>
+          <a:effectRef idx="1">
+            <a:schemeClr val="accent1"/>
+          </a:effectRef>
+          <a:fontRef idx="minor">
+            <a:schemeClr val="tx1"/>
+          </a:fontRef>
+        </p:style>
+      </p:cxnSp>
+      <p:cxnSp>
+        <p:nvCxnSpPr>
+          <p:cNvPr id="28" name="Straight Connector 27">
+            <a:extLst>
+              <a:ext uri="{FF2B5EF4-FFF2-40B4-BE49-F238E27FC236}">
+                <a16:creationId xmlns:a16="http://schemas.microsoft.com/office/drawing/2014/main" id="{D6A602AD-3CF3-D040-3655-9B2E4235621B}"/>
+              </a:ext>
+            </a:extLst>
+          </p:cNvPr>
+          <p:cNvCxnSpPr/>
+          <p:nvPr/>
+        </p:nvCxnSpPr>
+        <p:spPr>
+          <a:xfrm flipH="1">
+            <a:off x="1867711" y="6439711"/>
+            <a:ext cx="734811" cy="0"/>
+          </a:xfrm>
+          <a:prstGeom prst="line">
+            <a:avLst/>
+          </a:prstGeom>
+        </p:spPr>
+        <p:style>
+          <a:lnRef idx="2">
+            <a:schemeClr val="accent1"/>
+          </a:lnRef>
+          <a:fillRef idx="0">
+            <a:schemeClr val="accent1"/>
+          </a:fillRef>
+          <a:effectRef idx="1">
+            <a:schemeClr val="accent1"/>
+          </a:effectRef>
+          <a:fontRef idx="minor">
+            <a:schemeClr val="tx1"/>
+          </a:fontRef>
+        </p:style>
+      </p:cxnSp>
+      <p:cxnSp>
+        <p:nvCxnSpPr>
+          <p:cNvPr id="30" name="Straight Arrow Connector 29">
+            <a:extLst>
+              <a:ext uri="{FF2B5EF4-FFF2-40B4-BE49-F238E27FC236}">
+                <a16:creationId xmlns:a16="http://schemas.microsoft.com/office/drawing/2014/main" id="{E4E021CA-09C9-4A67-EACB-79D426A833F0}"/>
+              </a:ext>
+            </a:extLst>
+          </p:cNvPr>
+          <p:cNvCxnSpPr/>
+          <p:nvPr/>
+        </p:nvCxnSpPr>
+        <p:spPr>
+          <a:xfrm flipV="1">
+            <a:off x="2332393" y="787940"/>
+            <a:ext cx="0" cy="710120"/>
+          </a:xfrm>
+          <a:prstGeom prst="straightConnector1">
+            <a:avLst/>
+          </a:prstGeom>
+          <a:ln>
+            <a:tailEnd type="triangle"/>
+          </a:ln>
+        </p:spPr>
+        <p:style>
+          <a:lnRef idx="2">
+            <a:schemeClr val="accent1"/>
+          </a:lnRef>
+          <a:fillRef idx="0">
+            <a:schemeClr val="accent1"/>
+          </a:fillRef>
+          <a:effectRef idx="1">
+            <a:schemeClr val="accent1"/>
+          </a:effectRef>
+          <a:fontRef idx="minor">
+            <a:schemeClr val="tx1"/>
+          </a:fontRef>
+        </p:style>
+      </p:cxnSp>
+      <p:cxnSp>
+        <p:nvCxnSpPr>
+          <p:cNvPr id="32" name="Straight Arrow Connector 31">
+            <a:extLst>
+              <a:ext uri="{FF2B5EF4-FFF2-40B4-BE49-F238E27FC236}">
+                <a16:creationId xmlns:a16="http://schemas.microsoft.com/office/drawing/2014/main" id="{5E611D11-F188-3378-5EF1-BA200BC97F0E}"/>
+              </a:ext>
+            </a:extLst>
+          </p:cNvPr>
+          <p:cNvCxnSpPr/>
+          <p:nvPr/>
+        </p:nvCxnSpPr>
+        <p:spPr>
+          <a:xfrm>
+            <a:off x="2332393" y="1760706"/>
+            <a:ext cx="0" cy="1892263"/>
+          </a:xfrm>
+          <a:prstGeom prst="straightConnector1">
+            <a:avLst/>
+          </a:prstGeom>
+          <a:ln>
+            <a:tailEnd type="triangle"/>
+          </a:ln>
+        </p:spPr>
+        <p:style>
+          <a:lnRef idx="2">
+            <a:schemeClr val="accent1"/>
+          </a:lnRef>
+          <a:fillRef idx="0">
+            <a:schemeClr val="accent1"/>
+          </a:fillRef>
+          <a:effectRef idx="1">
+            <a:schemeClr val="accent1"/>
+          </a:effectRef>
+          <a:fontRef idx="minor">
+            <a:schemeClr val="tx1"/>
+          </a:fontRef>
+        </p:style>
+      </p:cxnSp>
+      <p:cxnSp>
+        <p:nvCxnSpPr>
+          <p:cNvPr id="35" name="Straight Arrow Connector 34">
+            <a:extLst>
+              <a:ext uri="{FF2B5EF4-FFF2-40B4-BE49-F238E27FC236}">
+                <a16:creationId xmlns:a16="http://schemas.microsoft.com/office/drawing/2014/main" id="{6F545F50-4F17-451B-8AFC-03972143AC45}"/>
+              </a:ext>
+            </a:extLst>
+          </p:cNvPr>
+          <p:cNvCxnSpPr/>
+          <p:nvPr/>
+        </p:nvCxnSpPr>
+        <p:spPr>
+          <a:xfrm flipV="1">
+            <a:off x="2062264" y="787940"/>
+            <a:ext cx="0" cy="4863830"/>
+          </a:xfrm>
+          <a:prstGeom prst="straightConnector1">
+            <a:avLst/>
+          </a:prstGeom>
+          <a:ln>
+            <a:tailEnd type="triangle"/>
+          </a:ln>
+        </p:spPr>
+        <p:style>
+          <a:lnRef idx="2">
+            <a:schemeClr val="accent1"/>
+          </a:lnRef>
+          <a:fillRef idx="0">
+            <a:schemeClr val="accent1"/>
+          </a:fillRef>
+          <a:effectRef idx="1">
+            <a:schemeClr val="accent1"/>
+          </a:effectRef>
+          <a:fontRef idx="minor">
+            <a:schemeClr val="tx1"/>
+          </a:fontRef>
+        </p:style>
+      </p:cxnSp>
+      <p:cxnSp>
+        <p:nvCxnSpPr>
+          <p:cNvPr id="38" name="Straight Arrow Connector 37">
+            <a:extLst>
+              <a:ext uri="{FF2B5EF4-FFF2-40B4-BE49-F238E27FC236}">
+                <a16:creationId xmlns:a16="http://schemas.microsoft.com/office/drawing/2014/main" id="{46270073-99C2-20BE-9E3D-B3B5548A9F64}"/>
+              </a:ext>
+            </a:extLst>
+          </p:cNvPr>
+          <p:cNvCxnSpPr/>
+          <p:nvPr/>
+        </p:nvCxnSpPr>
+        <p:spPr>
+          <a:xfrm>
+            <a:off x="2062264" y="6050604"/>
+            <a:ext cx="0" cy="389107"/>
+          </a:xfrm>
+          <a:prstGeom prst="straightConnector1">
+            <a:avLst/>
+          </a:prstGeom>
+          <a:ln>
+            <a:tailEnd type="triangle"/>
+          </a:ln>
+        </p:spPr>
+        <p:style>
+          <a:lnRef idx="2">
+            <a:schemeClr val="accent1"/>
+          </a:lnRef>
+          <a:fillRef idx="0">
+            <a:schemeClr val="accent1"/>
+          </a:fillRef>
+          <a:effectRef idx="1">
+            <a:schemeClr val="accent1"/>
+          </a:effectRef>
+          <a:fontRef idx="minor">
+            <a:schemeClr val="tx1"/>
+          </a:fontRef>
+        </p:style>
+      </p:cxnSp>
+      <p:sp>
+        <p:nvSpPr>
+          <p:cNvPr id="39" name="TextBox 38">
+            <a:extLst>
+              <a:ext uri="{FF2B5EF4-FFF2-40B4-BE49-F238E27FC236}">
+                <a16:creationId xmlns:a16="http://schemas.microsoft.com/office/drawing/2014/main" id="{E395048E-5A8C-69EF-A1D8-A893DB65C1AA}"/>
+              </a:ext>
+            </a:extLst>
+          </p:cNvPr>
+          <p:cNvSpPr txBox="1"/>
+          <p:nvPr/>
+        </p:nvSpPr>
+        <p:spPr>
+          <a:xfrm>
+            <a:off x="1867711" y="1498060"/>
+            <a:ext cx="1026213" cy="369332"/>
+          </a:xfrm>
+          <a:prstGeom prst="rect">
+            <a:avLst/>
+          </a:prstGeom>
+          <a:noFill/>
+        </p:spPr>
+        <p:txBody>
+          <a:bodyPr wrap="square" rtlCol="0">
+            <a:spAutoFit/>
+          </a:bodyPr>
+          <a:lstStyle/>
+          <a:p>
+            <a:pPr algn="ctr"/>
+            <a:r>
+              <a:rPr lang="en-US" dirty="0"/>
+              <a:t>13’- 3”</a:t>
+            </a:r>
+          </a:p>
+        </p:txBody>
+      </p:sp>
+      <p:sp>
+        <p:nvSpPr>
+          <p:cNvPr id="40" name="TextBox 39">
+            <a:extLst>
+              <a:ext uri="{FF2B5EF4-FFF2-40B4-BE49-F238E27FC236}">
+                <a16:creationId xmlns:a16="http://schemas.microsoft.com/office/drawing/2014/main" id="{D0ACE6F0-6AAA-E345-4754-9325E55E6CD5}"/>
+              </a:ext>
+            </a:extLst>
+          </p:cNvPr>
+          <p:cNvSpPr txBox="1"/>
+          <p:nvPr/>
+        </p:nvSpPr>
+        <p:spPr>
+          <a:xfrm>
+            <a:off x="1678395" y="5690998"/>
+            <a:ext cx="856034" cy="369332"/>
+          </a:xfrm>
+          <a:prstGeom prst="rect">
+            <a:avLst/>
+          </a:prstGeom>
+          <a:noFill/>
+        </p:spPr>
+        <p:txBody>
+          <a:bodyPr wrap="square" rtlCol="0">
+            <a:spAutoFit/>
+          </a:bodyPr>
+          <a:lstStyle/>
+          <a:p>
+            <a:r>
+              <a:rPr lang="en-US" dirty="0"/>
+              <a:t>26’- 7”</a:t>
+            </a:r>
+          </a:p>
+        </p:txBody>
+      </p:sp>
+      <p:sp>
+        <p:nvSpPr>
+          <p:cNvPr id="3" name="TextBox 2">
+            <a:extLst>
+              <a:ext uri="{FF2B5EF4-FFF2-40B4-BE49-F238E27FC236}">
+                <a16:creationId xmlns:a16="http://schemas.microsoft.com/office/drawing/2014/main" id="{E5C4C32B-73DD-FA6E-F84E-8D74CB637C5C}"/>
+              </a:ext>
+            </a:extLst>
+          </p:cNvPr>
+          <p:cNvSpPr txBox="1"/>
+          <p:nvPr/>
+        </p:nvSpPr>
+        <p:spPr>
+          <a:xfrm>
+            <a:off x="8769379" y="897102"/>
+            <a:ext cx="1717482" cy="400110"/>
+          </a:xfrm>
+          <a:prstGeom prst="rect">
+            <a:avLst/>
+          </a:prstGeom>
+          <a:noFill/>
+        </p:spPr>
+        <p:txBody>
+          <a:bodyPr wrap="square" rtlCol="0">
+            <a:spAutoFit/>
+          </a:bodyPr>
+          <a:lstStyle/>
+          <a:p>
+            <a:r>
+              <a:rPr lang="en-US" sz="2000" dirty="0"/>
+              <a:t>Neutral   Zone</a:t>
+            </a:r>
+          </a:p>
+        </p:txBody>
+      </p:sp>
+      <p:sp>
+        <p:nvSpPr>
+          <p:cNvPr id="4" name="TextBox 3">
+            <a:extLst>
+              <a:ext uri="{FF2B5EF4-FFF2-40B4-BE49-F238E27FC236}">
+                <a16:creationId xmlns:a16="http://schemas.microsoft.com/office/drawing/2014/main" id="{3D066739-1FD9-9F85-051B-2D3B24626301}"/>
+              </a:ext>
+            </a:extLst>
+          </p:cNvPr>
+          <p:cNvSpPr txBox="1"/>
+          <p:nvPr/>
+        </p:nvSpPr>
+        <p:spPr>
+          <a:xfrm>
+            <a:off x="2940927" y="817271"/>
+            <a:ext cx="1717482" cy="400110"/>
+          </a:xfrm>
+          <a:prstGeom prst="rect">
+            <a:avLst/>
+          </a:prstGeom>
+          <a:noFill/>
+        </p:spPr>
+        <p:txBody>
+          <a:bodyPr wrap="square" rtlCol="0">
+            <a:spAutoFit/>
+          </a:bodyPr>
+          <a:lstStyle/>
+          <a:p>
+            <a:r>
+              <a:rPr lang="en-US" sz="2000" dirty="0"/>
+              <a:t>Alliance Zone</a:t>
+            </a:r>
+          </a:p>
+        </p:txBody>
+      </p:sp>
+    </p:spTree>
+    <p:extLst>
+      <p:ext uri="{BB962C8B-B14F-4D97-AF65-F5344CB8AC3E}">
+        <p14:creationId xmlns:p14="http://schemas.microsoft.com/office/powerpoint/2010/main" val="3996436949"/>
+      </p:ext>
+    </p:extLst>
+  </p:cSld>
+  <p:clrMapOvr>
+    <a:masterClrMapping/>
+  </p:clrMapOvr>
+</p:sld>
+</file>
+
+<file path=ppt/slides/slide6.xml><?xml version="1.0" encoding="utf-8"?>
+<p:sld xmlns:a="http://schemas.openxmlformats.org/drawingml/2006/main" xmlns:r="http://schemas.openxmlformats.org/officeDocument/2006/relationships" xmlns:p="http://schemas.openxmlformats.org/presentationml/2006/main">
+  <p:cSld>
+    <p:spTree>
+      <p:nvGrpSpPr>
+        <p:cNvPr id="1" name="">
+          <a:extLst>
+            <a:ext uri="{FF2B5EF4-FFF2-40B4-BE49-F238E27FC236}">
+              <a16:creationId xmlns:a16="http://schemas.microsoft.com/office/drawing/2014/main" id="{868B0AF7-BF96-4931-2804-5E215C455C5A}"/>
+            </a:ext>
+          </a:extLst>
+        </p:cNvPr>
+        <p:cNvGrpSpPr/>
+        <p:nvPr/>
+      </p:nvGrpSpPr>
+      <p:grpSpPr>
+        <a:xfrm>
+          <a:off x="0" y="0"/>
+          <a:ext cx="0" cy="0"/>
+          <a:chOff x="0" y="0"/>
+          <a:chExt cx="0" cy="0"/>
+        </a:xfrm>
+      </p:grpSpPr>
+      <p:pic>
+        <p:nvPicPr>
+          <p:cNvPr id="5" name="Picture 4">
+            <a:extLst>
+              <a:ext uri="{FF2B5EF4-FFF2-40B4-BE49-F238E27FC236}">
+                <a16:creationId xmlns:a16="http://schemas.microsoft.com/office/drawing/2014/main" id="{9DA63BA2-2079-D6AD-51AA-9166343CCF10}"/>
+              </a:ext>
+            </a:extLst>
+          </p:cNvPr>
+          <p:cNvPicPr>
+            <a:picLocks noChangeAspect="1"/>
+          </p:cNvPicPr>
+          <p:nvPr/>
+        </p:nvPicPr>
+        <p:blipFill>
+          <a:blip r:embed="rId2">
+            <a:extLst>
+              <a:ext uri="{28A0092B-C50C-407E-A947-70E740481C1C}">
+                <a14:useLocalDpi xmlns:a14="http://schemas.microsoft.com/office/drawing/2010/main" val="0"/>
+              </a:ext>
+            </a:extLst>
+          </a:blip>
+          <a:srcRect l="35550" r="11291"/>
+          <a:stretch>
+            <a:fillRect/>
+          </a:stretch>
+        </p:blipFill>
+        <p:spPr>
+          <a:xfrm rot="10800000">
+            <a:off x="2602522" y="447940"/>
+            <a:ext cx="8400421" cy="6410060"/>
+          </a:xfrm>
+          <a:prstGeom prst="rect">
+            <a:avLst/>
+          </a:prstGeom>
+        </p:spPr>
+      </p:pic>
+      <p:cxnSp>
+        <p:nvCxnSpPr>
+          <p:cNvPr id="7" name="Straight Connector 6">
+            <a:extLst>
+              <a:ext uri="{FF2B5EF4-FFF2-40B4-BE49-F238E27FC236}">
+                <a16:creationId xmlns:a16="http://schemas.microsoft.com/office/drawing/2014/main" id="{5E35AC36-E5BF-3B42-FF11-5AEBC592ADE4}"/>
+              </a:ext>
+            </a:extLst>
+          </p:cNvPr>
+          <p:cNvCxnSpPr/>
+          <p:nvPr/>
+        </p:nvCxnSpPr>
+        <p:spPr>
+          <a:xfrm flipV="1">
+            <a:off x="2893925" y="80387"/>
+            <a:ext cx="0" cy="622998"/>
+          </a:xfrm>
+          <a:prstGeom prst="line">
+            <a:avLst/>
+          </a:prstGeom>
+        </p:spPr>
+        <p:style>
+          <a:lnRef idx="2">
+            <a:schemeClr val="accent1"/>
+          </a:lnRef>
+          <a:fillRef idx="0">
+            <a:schemeClr val="accent1"/>
+          </a:fillRef>
+          <a:effectRef idx="1">
+            <a:schemeClr val="accent1"/>
+          </a:effectRef>
+          <a:fontRef idx="minor">
+            <a:schemeClr val="tx1"/>
+          </a:fontRef>
+        </p:style>
+      </p:cxnSp>
+      <p:cxnSp>
+        <p:nvCxnSpPr>
+          <p:cNvPr id="9" name="Straight Connector 8">
+            <a:extLst>
+              <a:ext uri="{FF2B5EF4-FFF2-40B4-BE49-F238E27FC236}">
+                <a16:creationId xmlns:a16="http://schemas.microsoft.com/office/drawing/2014/main" id="{907E047A-68E8-B915-1B1A-9D23299291BD}"/>
+              </a:ext>
+            </a:extLst>
+          </p:cNvPr>
+          <p:cNvCxnSpPr/>
+          <p:nvPr/>
+        </p:nvCxnSpPr>
+        <p:spPr>
+          <a:xfrm flipV="1">
+            <a:off x="6173821" y="80387"/>
+            <a:ext cx="0" cy="622998"/>
+          </a:xfrm>
+          <a:prstGeom prst="line">
+            <a:avLst/>
+          </a:prstGeom>
+        </p:spPr>
+        <p:style>
+          <a:lnRef idx="2">
+            <a:schemeClr val="accent1"/>
+          </a:lnRef>
+          <a:fillRef idx="0">
+            <a:schemeClr val="accent1"/>
+          </a:fillRef>
+          <a:effectRef idx="1">
+            <a:schemeClr val="accent1"/>
+          </a:effectRef>
+          <a:fontRef idx="minor">
+            <a:schemeClr val="tx1"/>
+          </a:fontRef>
+        </p:style>
+      </p:cxnSp>
+      <p:sp>
+        <p:nvSpPr>
+          <p:cNvPr id="10" name="TextBox 9">
+            <a:extLst>
+              <a:ext uri="{FF2B5EF4-FFF2-40B4-BE49-F238E27FC236}">
+                <a16:creationId xmlns:a16="http://schemas.microsoft.com/office/drawing/2014/main" id="{40D0F1E7-D84C-E271-506E-550D66A6A1CF}"/>
+              </a:ext>
+            </a:extLst>
+          </p:cNvPr>
+          <p:cNvSpPr txBox="1"/>
+          <p:nvPr/>
+        </p:nvSpPr>
+        <p:spPr>
+          <a:xfrm>
+            <a:off x="4124527" y="207220"/>
+            <a:ext cx="1040857" cy="369332"/>
+          </a:xfrm>
+          <a:prstGeom prst="rect">
+            <a:avLst/>
+          </a:prstGeom>
+          <a:noFill/>
+        </p:spPr>
+        <p:txBody>
+          <a:bodyPr wrap="square" rtlCol="0">
+            <a:spAutoFit/>
+          </a:bodyPr>
+          <a:lstStyle/>
+          <a:p>
+            <a:r>
+              <a:rPr lang="en-US" dirty="0"/>
+              <a:t>15’ – 2”</a:t>
+            </a:r>
+          </a:p>
+        </p:txBody>
+      </p:sp>
+      <p:cxnSp>
+        <p:nvCxnSpPr>
+          <p:cNvPr id="12" name="Straight Arrow Connector 11">
+            <a:extLst>
+              <a:ext uri="{FF2B5EF4-FFF2-40B4-BE49-F238E27FC236}">
+                <a16:creationId xmlns:a16="http://schemas.microsoft.com/office/drawing/2014/main" id="{486056FB-444F-3687-9C1B-18EC44173FC4}"/>
+              </a:ext>
+            </a:extLst>
+          </p:cNvPr>
+          <p:cNvCxnSpPr/>
+          <p:nvPr/>
+        </p:nvCxnSpPr>
+        <p:spPr>
+          <a:xfrm>
+            <a:off x="4980562" y="391886"/>
+            <a:ext cx="1193259" cy="0"/>
+          </a:xfrm>
+          <a:prstGeom prst="straightConnector1">
+            <a:avLst/>
+          </a:prstGeom>
+          <a:ln>
+            <a:tailEnd type="triangle"/>
+          </a:ln>
+        </p:spPr>
+        <p:style>
+          <a:lnRef idx="2">
+            <a:schemeClr val="accent1"/>
+          </a:lnRef>
+          <a:fillRef idx="0">
+            <a:schemeClr val="accent1"/>
+          </a:fillRef>
+          <a:effectRef idx="1">
+            <a:schemeClr val="accent1"/>
+          </a:effectRef>
+          <a:fontRef idx="minor">
+            <a:schemeClr val="tx1"/>
+          </a:fontRef>
+        </p:style>
+      </p:cxnSp>
+      <p:cxnSp>
+        <p:nvCxnSpPr>
+          <p:cNvPr id="14" name="Straight Arrow Connector 13">
+            <a:extLst>
+              <a:ext uri="{FF2B5EF4-FFF2-40B4-BE49-F238E27FC236}">
+                <a16:creationId xmlns:a16="http://schemas.microsoft.com/office/drawing/2014/main" id="{3259A965-C9BB-53CB-CDDB-34D67C0FA222}"/>
+              </a:ext>
+            </a:extLst>
+          </p:cNvPr>
+          <p:cNvCxnSpPr>
+            <a:stCxn id="10" idx="1"/>
+          </p:cNvCxnSpPr>
+          <p:nvPr/>
+        </p:nvCxnSpPr>
+        <p:spPr>
+          <a:xfrm flipH="1">
+            <a:off x="2893925" y="391886"/>
+            <a:ext cx="1230602" cy="0"/>
+          </a:xfrm>
+          <a:prstGeom prst="straightConnector1">
+            <a:avLst/>
+          </a:prstGeom>
+          <a:ln>
+            <a:tailEnd type="triangle"/>
+          </a:ln>
+        </p:spPr>
+        <p:style>
+          <a:lnRef idx="2">
+            <a:schemeClr val="accent1"/>
+          </a:lnRef>
+          <a:fillRef idx="0">
+            <a:schemeClr val="accent1"/>
+          </a:fillRef>
+          <a:effectRef idx="1">
+            <a:schemeClr val="accent1"/>
+          </a:effectRef>
+          <a:fontRef idx="minor">
+            <a:schemeClr val="tx1"/>
+          </a:fontRef>
+        </p:style>
+      </p:cxnSp>
+      <p:sp>
+        <p:nvSpPr>
+          <p:cNvPr id="15" name="TextBox 14">
+            <a:extLst>
+              <a:ext uri="{FF2B5EF4-FFF2-40B4-BE49-F238E27FC236}">
+                <a16:creationId xmlns:a16="http://schemas.microsoft.com/office/drawing/2014/main" id="{F2338EDE-4737-3C03-0E2E-790EC4F9AF37}"/>
+              </a:ext>
+            </a:extLst>
+          </p:cNvPr>
+          <p:cNvSpPr txBox="1"/>
+          <p:nvPr/>
+        </p:nvSpPr>
+        <p:spPr>
+          <a:xfrm>
+            <a:off x="6846630" y="207220"/>
+            <a:ext cx="1115583" cy="369332"/>
+          </a:xfrm>
+          <a:prstGeom prst="rect">
+            <a:avLst/>
+          </a:prstGeom>
+          <a:noFill/>
+        </p:spPr>
+        <p:txBody>
+          <a:bodyPr wrap="square" rtlCol="0">
+            <a:spAutoFit/>
+          </a:bodyPr>
+          <a:lstStyle/>
+          <a:p>
+            <a:pPr algn="ctr"/>
+            <a:r>
+              <a:rPr lang="en-US" dirty="0"/>
+              <a:t>11’-11”</a:t>
+            </a:r>
+          </a:p>
+        </p:txBody>
+      </p:sp>
+      <p:cxnSp>
+        <p:nvCxnSpPr>
+          <p:cNvPr id="17" name="Straight Arrow Connector 16">
+            <a:extLst>
+              <a:ext uri="{FF2B5EF4-FFF2-40B4-BE49-F238E27FC236}">
+                <a16:creationId xmlns:a16="http://schemas.microsoft.com/office/drawing/2014/main" id="{A6C9760C-FB25-921F-8E65-E918E55EC9AB}"/>
+              </a:ext>
+            </a:extLst>
+          </p:cNvPr>
+          <p:cNvCxnSpPr/>
+          <p:nvPr/>
+        </p:nvCxnSpPr>
+        <p:spPr>
+          <a:xfrm flipH="1">
+            <a:off x="6245157" y="391886"/>
+            <a:ext cx="739303" cy="0"/>
+          </a:xfrm>
+          <a:prstGeom prst="straightConnector1">
+            <a:avLst/>
+          </a:prstGeom>
+          <a:ln>
+            <a:tailEnd type="triangle"/>
+          </a:ln>
+        </p:spPr>
+        <p:style>
+          <a:lnRef idx="2">
+            <a:schemeClr val="accent1"/>
+          </a:lnRef>
+          <a:fillRef idx="0">
+            <a:schemeClr val="accent1"/>
+          </a:fillRef>
+          <a:effectRef idx="1">
+            <a:schemeClr val="accent1"/>
+          </a:effectRef>
+          <a:fontRef idx="minor">
+            <a:schemeClr val="tx1"/>
+          </a:fontRef>
+        </p:style>
+      </p:cxnSp>
+      <p:cxnSp>
+        <p:nvCxnSpPr>
+          <p:cNvPr id="19" name="Straight Connector 18">
+            <a:extLst>
+              <a:ext uri="{FF2B5EF4-FFF2-40B4-BE49-F238E27FC236}">
+                <a16:creationId xmlns:a16="http://schemas.microsoft.com/office/drawing/2014/main" id="{775DB64F-4390-D26D-27D6-8F507F66D5D8}"/>
+              </a:ext>
+            </a:extLst>
+          </p:cNvPr>
+          <p:cNvCxnSpPr/>
+          <p:nvPr/>
+        </p:nvCxnSpPr>
+        <p:spPr>
+          <a:xfrm flipV="1">
+            <a:off x="8725711" y="80387"/>
+            <a:ext cx="0" cy="622998"/>
+          </a:xfrm>
+          <a:prstGeom prst="line">
+            <a:avLst/>
+          </a:prstGeom>
+        </p:spPr>
+        <p:style>
+          <a:lnRef idx="2">
+            <a:schemeClr val="accent1"/>
+          </a:lnRef>
+          <a:fillRef idx="0">
+            <a:schemeClr val="accent1"/>
+          </a:fillRef>
+          <a:effectRef idx="1">
+            <a:schemeClr val="accent1"/>
+          </a:effectRef>
+          <a:fontRef idx="minor">
+            <a:schemeClr val="tx1"/>
+          </a:fontRef>
+        </p:style>
+      </p:cxnSp>
+      <p:cxnSp>
+        <p:nvCxnSpPr>
+          <p:cNvPr id="21" name="Straight Arrow Connector 20">
+            <a:extLst>
+              <a:ext uri="{FF2B5EF4-FFF2-40B4-BE49-F238E27FC236}">
+                <a16:creationId xmlns:a16="http://schemas.microsoft.com/office/drawing/2014/main" id="{48C0C9FC-C5B1-5135-2EE1-E2FD2EB77E62}"/>
+              </a:ext>
+            </a:extLst>
+          </p:cNvPr>
+          <p:cNvCxnSpPr/>
+          <p:nvPr/>
+        </p:nvCxnSpPr>
+        <p:spPr>
+          <a:xfrm>
+            <a:off x="7801583" y="391886"/>
+            <a:ext cx="894945" cy="0"/>
+          </a:xfrm>
+          <a:prstGeom prst="straightConnector1">
+            <a:avLst/>
+          </a:prstGeom>
+          <a:ln>
+            <a:tailEnd type="triangle"/>
+          </a:ln>
+        </p:spPr>
+        <p:style>
+          <a:lnRef idx="2">
+            <a:schemeClr val="accent1"/>
+          </a:lnRef>
+          <a:fillRef idx="0">
+            <a:schemeClr val="accent1"/>
+          </a:fillRef>
+          <a:effectRef idx="1">
+            <a:schemeClr val="accent1"/>
+          </a:effectRef>
+          <a:fontRef idx="minor">
+            <a:schemeClr val="tx1"/>
+          </a:fontRef>
+        </p:style>
+      </p:cxnSp>
+      <p:cxnSp>
+        <p:nvCxnSpPr>
+          <p:cNvPr id="23" name="Straight Connector 22">
+            <a:extLst>
+              <a:ext uri="{FF2B5EF4-FFF2-40B4-BE49-F238E27FC236}">
+                <a16:creationId xmlns:a16="http://schemas.microsoft.com/office/drawing/2014/main" id="{114863AB-BD62-937C-C70D-AF9739FE12B5}"/>
+              </a:ext>
+            </a:extLst>
+          </p:cNvPr>
+          <p:cNvCxnSpPr>
+            <a:cxnSpLocks/>
+          </p:cNvCxnSpPr>
+          <p:nvPr/>
+        </p:nvCxnSpPr>
+        <p:spPr>
+          <a:xfrm flipH="1">
+            <a:off x="1867711" y="787940"/>
+            <a:ext cx="856034" cy="0"/>
+          </a:xfrm>
+          <a:prstGeom prst="line">
+            <a:avLst/>
+          </a:prstGeom>
+        </p:spPr>
+        <p:style>
+          <a:lnRef idx="2">
+            <a:schemeClr val="accent1"/>
+          </a:lnRef>
+          <a:fillRef idx="0">
+            <a:schemeClr val="accent1"/>
+          </a:fillRef>
+          <a:effectRef idx="1">
+            <a:schemeClr val="accent1"/>
+          </a:effectRef>
+          <a:fontRef idx="minor">
+            <a:schemeClr val="tx1"/>
+          </a:fontRef>
+        </p:style>
+      </p:cxnSp>
+      <p:cxnSp>
+        <p:nvCxnSpPr>
+          <p:cNvPr id="25" name="Straight Connector 24">
+            <a:extLst>
+              <a:ext uri="{FF2B5EF4-FFF2-40B4-BE49-F238E27FC236}">
+                <a16:creationId xmlns:a16="http://schemas.microsoft.com/office/drawing/2014/main" id="{DFF1D5D2-4492-1750-2D6C-EBCA1FD28EC7}"/>
+              </a:ext>
+            </a:extLst>
+          </p:cNvPr>
+          <p:cNvCxnSpPr>
+            <a:cxnSpLocks/>
+            <a:endCxn id="5" idx="3"/>
+          </p:cNvCxnSpPr>
+          <p:nvPr/>
+        </p:nvCxnSpPr>
+        <p:spPr>
+          <a:xfrm>
+            <a:off x="2235116" y="3652970"/>
+            <a:ext cx="367406" cy="0"/>
+          </a:xfrm>
+          <a:prstGeom prst="line">
+            <a:avLst/>
+          </a:prstGeom>
+        </p:spPr>
+        <p:style>
+          <a:lnRef idx="2">
+            <a:schemeClr val="accent1"/>
+          </a:lnRef>
+          <a:fillRef idx="0">
+            <a:schemeClr val="accent1"/>
+          </a:fillRef>
+          <a:effectRef idx="1">
+            <a:schemeClr val="accent1"/>
+          </a:effectRef>
+          <a:fontRef idx="minor">
+            <a:schemeClr val="tx1"/>
+          </a:fontRef>
+        </p:style>
+      </p:cxnSp>
+      <p:cxnSp>
+        <p:nvCxnSpPr>
+          <p:cNvPr id="28" name="Straight Connector 27">
+            <a:extLst>
+              <a:ext uri="{FF2B5EF4-FFF2-40B4-BE49-F238E27FC236}">
+                <a16:creationId xmlns:a16="http://schemas.microsoft.com/office/drawing/2014/main" id="{C7E09632-AA8E-527E-D907-AFE349BF1EBA}"/>
+              </a:ext>
+            </a:extLst>
+          </p:cNvPr>
+          <p:cNvCxnSpPr/>
+          <p:nvPr/>
+        </p:nvCxnSpPr>
+        <p:spPr>
+          <a:xfrm flipH="1">
+            <a:off x="1867711" y="6439711"/>
+            <a:ext cx="734811" cy="0"/>
+          </a:xfrm>
+          <a:prstGeom prst="line">
+            <a:avLst/>
+          </a:prstGeom>
+        </p:spPr>
+        <p:style>
+          <a:lnRef idx="2">
+            <a:schemeClr val="accent1"/>
+          </a:lnRef>
+          <a:fillRef idx="0">
+            <a:schemeClr val="accent1"/>
+          </a:fillRef>
+          <a:effectRef idx="1">
+            <a:schemeClr val="accent1"/>
+          </a:effectRef>
+          <a:fontRef idx="minor">
+            <a:schemeClr val="tx1"/>
+          </a:fontRef>
+        </p:style>
+      </p:cxnSp>
+      <p:cxnSp>
+        <p:nvCxnSpPr>
+          <p:cNvPr id="30" name="Straight Arrow Connector 29">
+            <a:extLst>
+              <a:ext uri="{FF2B5EF4-FFF2-40B4-BE49-F238E27FC236}">
+                <a16:creationId xmlns:a16="http://schemas.microsoft.com/office/drawing/2014/main" id="{577A0419-C46C-B641-417B-DAF04A693C36}"/>
+              </a:ext>
+            </a:extLst>
+          </p:cNvPr>
+          <p:cNvCxnSpPr/>
+          <p:nvPr/>
+        </p:nvCxnSpPr>
+        <p:spPr>
+          <a:xfrm flipV="1">
+            <a:off x="2332393" y="787940"/>
+            <a:ext cx="0" cy="710120"/>
+          </a:xfrm>
+          <a:prstGeom prst="straightConnector1">
+            <a:avLst/>
+          </a:prstGeom>
+          <a:ln>
+            <a:tailEnd type="triangle"/>
+          </a:ln>
+        </p:spPr>
+        <p:style>
+          <a:lnRef idx="2">
+            <a:schemeClr val="accent1"/>
+          </a:lnRef>
+          <a:fillRef idx="0">
+            <a:schemeClr val="accent1"/>
+          </a:fillRef>
+          <a:effectRef idx="1">
+            <a:schemeClr val="accent1"/>
+          </a:effectRef>
+          <a:fontRef idx="minor">
+            <a:schemeClr val="tx1"/>
+          </a:fontRef>
+        </p:style>
+      </p:cxnSp>
+      <p:cxnSp>
+        <p:nvCxnSpPr>
+          <p:cNvPr id="32" name="Straight Arrow Connector 31">
+            <a:extLst>
+              <a:ext uri="{FF2B5EF4-FFF2-40B4-BE49-F238E27FC236}">
+                <a16:creationId xmlns:a16="http://schemas.microsoft.com/office/drawing/2014/main" id="{B9222E6B-9C6E-93BC-A369-7567DBF0B762}"/>
+              </a:ext>
+            </a:extLst>
+          </p:cNvPr>
+          <p:cNvCxnSpPr/>
+          <p:nvPr/>
+        </p:nvCxnSpPr>
+        <p:spPr>
+          <a:xfrm>
+            <a:off x="2332393" y="1760706"/>
+            <a:ext cx="0" cy="1892263"/>
+          </a:xfrm>
+          <a:prstGeom prst="straightConnector1">
+            <a:avLst/>
+          </a:prstGeom>
+          <a:ln>
+            <a:tailEnd type="triangle"/>
+          </a:ln>
+        </p:spPr>
+        <p:style>
+          <a:lnRef idx="2">
+            <a:schemeClr val="accent1"/>
+          </a:lnRef>
+          <a:fillRef idx="0">
+            <a:schemeClr val="accent1"/>
+          </a:fillRef>
+          <a:effectRef idx="1">
+            <a:schemeClr val="accent1"/>
+          </a:effectRef>
+          <a:fontRef idx="minor">
+            <a:schemeClr val="tx1"/>
+          </a:fontRef>
+        </p:style>
+      </p:cxnSp>
+      <p:cxnSp>
+        <p:nvCxnSpPr>
+          <p:cNvPr id="35" name="Straight Arrow Connector 34">
+            <a:extLst>
+              <a:ext uri="{FF2B5EF4-FFF2-40B4-BE49-F238E27FC236}">
+                <a16:creationId xmlns:a16="http://schemas.microsoft.com/office/drawing/2014/main" id="{A9736E59-CF73-BD6F-CC51-A2547D395F65}"/>
+              </a:ext>
+            </a:extLst>
+          </p:cNvPr>
+          <p:cNvCxnSpPr/>
+          <p:nvPr/>
+        </p:nvCxnSpPr>
+        <p:spPr>
+          <a:xfrm flipV="1">
+            <a:off x="2062264" y="787940"/>
+            <a:ext cx="0" cy="4863830"/>
+          </a:xfrm>
+          <a:prstGeom prst="straightConnector1">
+            <a:avLst/>
+          </a:prstGeom>
+          <a:ln>
+            <a:tailEnd type="triangle"/>
+          </a:ln>
+        </p:spPr>
+        <p:style>
+          <a:lnRef idx="2">
+            <a:schemeClr val="accent1"/>
+          </a:lnRef>
+          <a:fillRef idx="0">
+            <a:schemeClr val="accent1"/>
+          </a:fillRef>
+          <a:effectRef idx="1">
+            <a:schemeClr val="accent1"/>
+          </a:effectRef>
+          <a:fontRef idx="minor">
+            <a:schemeClr val="tx1"/>
+          </a:fontRef>
+        </p:style>
+      </p:cxnSp>
+      <p:cxnSp>
+        <p:nvCxnSpPr>
+          <p:cNvPr id="38" name="Straight Arrow Connector 37">
+            <a:extLst>
+              <a:ext uri="{FF2B5EF4-FFF2-40B4-BE49-F238E27FC236}">
+                <a16:creationId xmlns:a16="http://schemas.microsoft.com/office/drawing/2014/main" id="{23026A9C-302D-9FEA-4702-8F8A278E43F1}"/>
+              </a:ext>
+            </a:extLst>
+          </p:cNvPr>
+          <p:cNvCxnSpPr/>
+          <p:nvPr/>
+        </p:nvCxnSpPr>
+        <p:spPr>
+          <a:xfrm>
+            <a:off x="2062264" y="6050604"/>
+            <a:ext cx="0" cy="389107"/>
+          </a:xfrm>
+          <a:prstGeom prst="straightConnector1">
+            <a:avLst/>
+          </a:prstGeom>
+          <a:ln>
+            <a:tailEnd type="triangle"/>
+          </a:ln>
+        </p:spPr>
+        <p:style>
+          <a:lnRef idx="2">
+            <a:schemeClr val="accent1"/>
+          </a:lnRef>
+          <a:fillRef idx="0">
+            <a:schemeClr val="accent1"/>
+          </a:fillRef>
+          <a:effectRef idx="1">
+            <a:schemeClr val="accent1"/>
+          </a:effectRef>
+          <a:fontRef idx="minor">
+            <a:schemeClr val="tx1"/>
+          </a:fontRef>
+        </p:style>
+      </p:cxnSp>
+      <p:sp>
+        <p:nvSpPr>
+          <p:cNvPr id="39" name="TextBox 38">
+            <a:extLst>
+              <a:ext uri="{FF2B5EF4-FFF2-40B4-BE49-F238E27FC236}">
+                <a16:creationId xmlns:a16="http://schemas.microsoft.com/office/drawing/2014/main" id="{A142D82E-A16A-9F69-0B73-A621D040F4D5}"/>
+              </a:ext>
+            </a:extLst>
+          </p:cNvPr>
+          <p:cNvSpPr txBox="1"/>
+          <p:nvPr/>
+        </p:nvSpPr>
+        <p:spPr>
+          <a:xfrm>
+            <a:off x="1867711" y="1498060"/>
+            <a:ext cx="1026213" cy="369332"/>
+          </a:xfrm>
+          <a:prstGeom prst="rect">
+            <a:avLst/>
+          </a:prstGeom>
+          <a:noFill/>
+        </p:spPr>
+        <p:txBody>
+          <a:bodyPr wrap="square" rtlCol="0">
+            <a:spAutoFit/>
+          </a:bodyPr>
+          <a:lstStyle/>
+          <a:p>
+            <a:pPr algn="ctr"/>
+            <a:r>
+              <a:rPr lang="en-US" dirty="0"/>
+              <a:t>13’- 3”</a:t>
+            </a:r>
+          </a:p>
+        </p:txBody>
+      </p:sp>
+      <p:sp>
+        <p:nvSpPr>
+          <p:cNvPr id="40" name="TextBox 39">
+            <a:extLst>
+              <a:ext uri="{FF2B5EF4-FFF2-40B4-BE49-F238E27FC236}">
+                <a16:creationId xmlns:a16="http://schemas.microsoft.com/office/drawing/2014/main" id="{B799C9DD-2EEF-8F61-D634-E816C0BDA082}"/>
+              </a:ext>
+            </a:extLst>
+          </p:cNvPr>
+          <p:cNvSpPr txBox="1"/>
+          <p:nvPr/>
+        </p:nvSpPr>
+        <p:spPr>
+          <a:xfrm>
+            <a:off x="1678395" y="5690998"/>
+            <a:ext cx="856034" cy="369332"/>
+          </a:xfrm>
+          <a:prstGeom prst="rect">
+            <a:avLst/>
+          </a:prstGeom>
+          <a:noFill/>
+        </p:spPr>
+        <p:txBody>
+          <a:bodyPr wrap="square" rtlCol="0">
+            <a:spAutoFit/>
+          </a:bodyPr>
+          <a:lstStyle/>
+          <a:p>
+            <a:r>
+              <a:rPr lang="en-US" dirty="0"/>
+              <a:t>26’- 7”</a:t>
+            </a:r>
+          </a:p>
+        </p:txBody>
+      </p:sp>
+      <p:sp>
+        <p:nvSpPr>
+          <p:cNvPr id="3" name="TextBox 2">
+            <a:extLst>
+              <a:ext uri="{FF2B5EF4-FFF2-40B4-BE49-F238E27FC236}">
+                <a16:creationId xmlns:a16="http://schemas.microsoft.com/office/drawing/2014/main" id="{8B8BEB12-BD0A-3C6E-DB46-56507C096FE2}"/>
+              </a:ext>
+            </a:extLst>
+          </p:cNvPr>
+          <p:cNvSpPr txBox="1"/>
+          <p:nvPr/>
+        </p:nvSpPr>
+        <p:spPr>
+          <a:xfrm>
+            <a:off x="8769379" y="897102"/>
+            <a:ext cx="1717482" cy="400110"/>
+          </a:xfrm>
+          <a:prstGeom prst="rect">
+            <a:avLst/>
+          </a:prstGeom>
+          <a:noFill/>
+        </p:spPr>
+        <p:txBody>
+          <a:bodyPr wrap="square" rtlCol="0">
+            <a:spAutoFit/>
+          </a:bodyPr>
+          <a:lstStyle/>
+          <a:p>
+            <a:r>
+              <a:rPr lang="en-US" sz="2000" dirty="0"/>
+              <a:t>Neutral   Zone</a:t>
+            </a:r>
+          </a:p>
+        </p:txBody>
+      </p:sp>
+      <p:sp>
+        <p:nvSpPr>
+          <p:cNvPr id="4" name="TextBox 3">
+            <a:extLst>
+              <a:ext uri="{FF2B5EF4-FFF2-40B4-BE49-F238E27FC236}">
+                <a16:creationId xmlns:a16="http://schemas.microsoft.com/office/drawing/2014/main" id="{1018E75D-2BEC-5248-C3B6-AFD1394D575D}"/>
+              </a:ext>
+            </a:extLst>
+          </p:cNvPr>
+          <p:cNvSpPr txBox="1"/>
+          <p:nvPr/>
+        </p:nvSpPr>
+        <p:spPr>
+          <a:xfrm>
+            <a:off x="2940927" y="817271"/>
+            <a:ext cx="1717482" cy="400110"/>
+          </a:xfrm>
+          <a:prstGeom prst="rect">
+            <a:avLst/>
+          </a:prstGeom>
+          <a:noFill/>
+        </p:spPr>
+        <p:txBody>
+          <a:bodyPr wrap="square" rtlCol="0">
+            <a:spAutoFit/>
+          </a:bodyPr>
+          <a:lstStyle/>
+          <a:p>
+            <a:r>
+              <a:rPr lang="en-US" sz="2000" dirty="0"/>
+              <a:t>Alliance Zone</a:t>
+            </a:r>
+          </a:p>
+        </p:txBody>
+      </p:sp>
+    </p:spTree>
+    <p:extLst>
+      <p:ext uri="{BB962C8B-B14F-4D97-AF65-F5344CB8AC3E}">
+        <p14:creationId xmlns:p14="http://schemas.microsoft.com/office/powerpoint/2010/main" val="1415849868"/>
+      </p:ext>
+    </p:extLst>
+  </p:cSld>
+  <p:clrMapOvr>
+    <a:masterClrMapping/>
+  </p:clrMapOvr>
+</p:sld>
+</file>
+
+<file path=ppt/slides/slide7.xml><?xml version="1.0" encoding="utf-8"?>
+<p:sld xmlns:a="http://schemas.openxmlformats.org/drawingml/2006/main" xmlns:r="http://schemas.openxmlformats.org/officeDocument/2006/relationships" xmlns:p="http://schemas.openxmlformats.org/presentationml/2006/main">
+  <p:cSld>
+    <p:spTree>
+      <p:nvGrpSpPr>
+        <p:cNvPr id="1" name="">
+          <a:extLst>
+            <a:ext uri="{FF2B5EF4-FFF2-40B4-BE49-F238E27FC236}">
+              <a16:creationId xmlns:a16="http://schemas.microsoft.com/office/drawing/2014/main" id="{380CC9A7-880F-366A-4746-7412F463E7C2}"/>
+            </a:ext>
+          </a:extLst>
+        </p:cNvPr>
+        <p:cNvGrpSpPr/>
+        <p:nvPr/>
+      </p:nvGrpSpPr>
+      <p:grpSpPr>
+        <a:xfrm>
+          <a:off x="0" y="0"/>
+          <a:ext cx="0" cy="0"/>
+          <a:chOff x="0" y="0"/>
+          <a:chExt cx="0" cy="0"/>
+        </a:xfrm>
+      </p:grpSpPr>
+      <p:pic>
+        <p:nvPicPr>
+          <p:cNvPr id="5" name="Picture 4">
+            <a:extLst>
+              <a:ext uri="{FF2B5EF4-FFF2-40B4-BE49-F238E27FC236}">
+                <a16:creationId xmlns:a16="http://schemas.microsoft.com/office/drawing/2014/main" id="{ED474870-262B-56B2-C101-7A3ECFA230B2}"/>
+              </a:ext>
+            </a:extLst>
+          </p:cNvPr>
+          <p:cNvPicPr>
+            <a:picLocks noChangeAspect="1"/>
+          </p:cNvPicPr>
+          <p:nvPr/>
+        </p:nvPicPr>
+        <p:blipFill>
+          <a:blip r:embed="rId2">
+            <a:extLst>
+              <a:ext uri="{28A0092B-C50C-407E-A947-70E740481C1C}">
+                <a14:useLocalDpi xmlns:a14="http://schemas.microsoft.com/office/drawing/2010/main" val="0"/>
+              </a:ext>
+            </a:extLst>
+          </a:blip>
+          <a:srcRect l="35550" r="11291"/>
+          <a:stretch>
+            <a:fillRect/>
+          </a:stretch>
+        </p:blipFill>
+        <p:spPr>
+          <a:xfrm rot="10800000">
+            <a:off x="2602522" y="447940"/>
+            <a:ext cx="8400421" cy="6410060"/>
+          </a:xfrm>
+          <a:prstGeom prst="rect">
+            <a:avLst/>
+          </a:prstGeom>
+        </p:spPr>
+      </p:pic>
+      <p:cxnSp>
+        <p:nvCxnSpPr>
+          <p:cNvPr id="7" name="Straight Connector 6">
+            <a:extLst>
+              <a:ext uri="{FF2B5EF4-FFF2-40B4-BE49-F238E27FC236}">
+                <a16:creationId xmlns:a16="http://schemas.microsoft.com/office/drawing/2014/main" id="{176688C5-2DB5-3573-C036-EEEC845792B6}"/>
+              </a:ext>
+            </a:extLst>
+          </p:cNvPr>
+          <p:cNvCxnSpPr/>
+          <p:nvPr/>
+        </p:nvCxnSpPr>
+        <p:spPr>
+          <a:xfrm flipV="1">
+            <a:off x="2893925" y="80387"/>
+            <a:ext cx="0" cy="622998"/>
+          </a:xfrm>
+          <a:prstGeom prst="line">
+            <a:avLst/>
+          </a:prstGeom>
+        </p:spPr>
+        <p:style>
+          <a:lnRef idx="2">
+            <a:schemeClr val="accent1"/>
+          </a:lnRef>
+          <a:fillRef idx="0">
+            <a:schemeClr val="accent1"/>
+          </a:fillRef>
+          <a:effectRef idx="1">
+            <a:schemeClr val="accent1"/>
+          </a:effectRef>
+          <a:fontRef idx="minor">
+            <a:schemeClr val="tx1"/>
+          </a:fontRef>
+        </p:style>
+      </p:cxnSp>
+      <p:cxnSp>
+        <p:nvCxnSpPr>
+          <p:cNvPr id="9" name="Straight Connector 8">
+            <a:extLst>
+              <a:ext uri="{FF2B5EF4-FFF2-40B4-BE49-F238E27FC236}">
+                <a16:creationId xmlns:a16="http://schemas.microsoft.com/office/drawing/2014/main" id="{6E3D64EA-FEFF-C83C-7CE7-E2528F5BB46E}"/>
+              </a:ext>
+            </a:extLst>
+          </p:cNvPr>
+          <p:cNvCxnSpPr/>
+          <p:nvPr/>
+        </p:nvCxnSpPr>
+        <p:spPr>
+          <a:xfrm flipV="1">
+            <a:off x="6173821" y="80387"/>
+            <a:ext cx="0" cy="622998"/>
+          </a:xfrm>
+          <a:prstGeom prst="line">
+            <a:avLst/>
+          </a:prstGeom>
+        </p:spPr>
+        <p:style>
+          <a:lnRef idx="2">
+            <a:schemeClr val="accent1"/>
+          </a:lnRef>
+          <a:fillRef idx="0">
+            <a:schemeClr val="accent1"/>
+          </a:fillRef>
+          <a:effectRef idx="1">
+            <a:schemeClr val="accent1"/>
+          </a:effectRef>
+          <a:fontRef idx="minor">
+            <a:schemeClr val="tx1"/>
+          </a:fontRef>
+        </p:style>
+      </p:cxnSp>
+      <p:sp>
+        <p:nvSpPr>
+          <p:cNvPr id="10" name="TextBox 9">
+            <a:extLst>
+              <a:ext uri="{FF2B5EF4-FFF2-40B4-BE49-F238E27FC236}">
+                <a16:creationId xmlns:a16="http://schemas.microsoft.com/office/drawing/2014/main" id="{C089E226-D443-450A-0711-EBFF224ED759}"/>
+              </a:ext>
+            </a:extLst>
+          </p:cNvPr>
+          <p:cNvSpPr txBox="1"/>
+          <p:nvPr/>
+        </p:nvSpPr>
+        <p:spPr>
+          <a:xfrm>
+            <a:off x="4124527" y="207220"/>
+            <a:ext cx="1040857" cy="369332"/>
+          </a:xfrm>
+          <a:prstGeom prst="rect">
+            <a:avLst/>
+          </a:prstGeom>
+          <a:noFill/>
+        </p:spPr>
+        <p:txBody>
+          <a:bodyPr wrap="square" rtlCol="0">
+            <a:spAutoFit/>
+          </a:bodyPr>
+          <a:lstStyle/>
+          <a:p>
+            <a:r>
+              <a:rPr lang="en-US" dirty="0"/>
+              <a:t>15’ – 2”</a:t>
+            </a:r>
+          </a:p>
+        </p:txBody>
+      </p:sp>
+      <p:cxnSp>
+        <p:nvCxnSpPr>
+          <p:cNvPr id="12" name="Straight Arrow Connector 11">
+            <a:extLst>
+              <a:ext uri="{FF2B5EF4-FFF2-40B4-BE49-F238E27FC236}">
+                <a16:creationId xmlns:a16="http://schemas.microsoft.com/office/drawing/2014/main" id="{82DB10E5-7987-67AE-907D-96866B830660}"/>
+              </a:ext>
+            </a:extLst>
+          </p:cNvPr>
+          <p:cNvCxnSpPr/>
+          <p:nvPr/>
+        </p:nvCxnSpPr>
+        <p:spPr>
+          <a:xfrm>
+            <a:off x="4980562" y="391886"/>
+            <a:ext cx="1193259" cy="0"/>
+          </a:xfrm>
+          <a:prstGeom prst="straightConnector1">
+            <a:avLst/>
+          </a:prstGeom>
+          <a:ln>
+            <a:tailEnd type="triangle"/>
+          </a:ln>
+        </p:spPr>
+        <p:style>
+          <a:lnRef idx="2">
+            <a:schemeClr val="accent1"/>
+          </a:lnRef>
+          <a:fillRef idx="0">
+            <a:schemeClr val="accent1"/>
+          </a:fillRef>
+          <a:effectRef idx="1">
+            <a:schemeClr val="accent1"/>
+          </a:effectRef>
+          <a:fontRef idx="minor">
+            <a:schemeClr val="tx1"/>
+          </a:fontRef>
+        </p:style>
+      </p:cxnSp>
+      <p:cxnSp>
+        <p:nvCxnSpPr>
+          <p:cNvPr id="14" name="Straight Arrow Connector 13">
+            <a:extLst>
+              <a:ext uri="{FF2B5EF4-FFF2-40B4-BE49-F238E27FC236}">
+                <a16:creationId xmlns:a16="http://schemas.microsoft.com/office/drawing/2014/main" id="{0029B26A-875C-1D34-AAF4-C8E884027635}"/>
+              </a:ext>
+            </a:extLst>
+          </p:cNvPr>
+          <p:cNvCxnSpPr>
+            <a:stCxn id="10" idx="1"/>
+          </p:cNvCxnSpPr>
+          <p:nvPr/>
+        </p:nvCxnSpPr>
+        <p:spPr>
+          <a:xfrm flipH="1">
+            <a:off x="2893925" y="391886"/>
+            <a:ext cx="1230602" cy="0"/>
+          </a:xfrm>
+          <a:prstGeom prst="straightConnector1">
+            <a:avLst/>
+          </a:prstGeom>
+          <a:ln>
+            <a:tailEnd type="triangle"/>
+          </a:ln>
+        </p:spPr>
+        <p:style>
+          <a:lnRef idx="2">
+            <a:schemeClr val="accent1"/>
+          </a:lnRef>
+          <a:fillRef idx="0">
+            <a:schemeClr val="accent1"/>
+          </a:fillRef>
+          <a:effectRef idx="1">
+            <a:schemeClr val="accent1"/>
+          </a:effectRef>
+          <a:fontRef idx="minor">
+            <a:schemeClr val="tx1"/>
+          </a:fontRef>
+        </p:style>
+      </p:cxnSp>
+      <p:sp>
+        <p:nvSpPr>
+          <p:cNvPr id="15" name="TextBox 14">
+            <a:extLst>
+              <a:ext uri="{FF2B5EF4-FFF2-40B4-BE49-F238E27FC236}">
+                <a16:creationId xmlns:a16="http://schemas.microsoft.com/office/drawing/2014/main" id="{3BBBB089-600F-0CD7-D8E3-A973E80D20B9}"/>
+              </a:ext>
+            </a:extLst>
+          </p:cNvPr>
+          <p:cNvSpPr txBox="1"/>
+          <p:nvPr/>
+        </p:nvSpPr>
+        <p:spPr>
+          <a:xfrm>
+            <a:off x="6846630" y="207220"/>
+            <a:ext cx="1115583" cy="369332"/>
+          </a:xfrm>
+          <a:prstGeom prst="rect">
+            <a:avLst/>
+          </a:prstGeom>
+          <a:noFill/>
+        </p:spPr>
+        <p:txBody>
+          <a:bodyPr wrap="square" rtlCol="0">
+            <a:spAutoFit/>
+          </a:bodyPr>
+          <a:lstStyle/>
+          <a:p>
+            <a:pPr algn="ctr"/>
+            <a:r>
+              <a:rPr lang="en-US" dirty="0"/>
+              <a:t>11’-11”</a:t>
+            </a:r>
+          </a:p>
+        </p:txBody>
+      </p:sp>
+      <p:cxnSp>
+        <p:nvCxnSpPr>
+          <p:cNvPr id="17" name="Straight Arrow Connector 16">
+            <a:extLst>
+              <a:ext uri="{FF2B5EF4-FFF2-40B4-BE49-F238E27FC236}">
+                <a16:creationId xmlns:a16="http://schemas.microsoft.com/office/drawing/2014/main" id="{F13668E3-CD92-69C0-E8BA-B7E0D12A73F7}"/>
+              </a:ext>
+            </a:extLst>
+          </p:cNvPr>
+          <p:cNvCxnSpPr/>
+          <p:nvPr/>
+        </p:nvCxnSpPr>
+        <p:spPr>
+          <a:xfrm flipH="1">
+            <a:off x="6245157" y="391886"/>
+            <a:ext cx="739303" cy="0"/>
+          </a:xfrm>
+          <a:prstGeom prst="straightConnector1">
+            <a:avLst/>
+          </a:prstGeom>
+          <a:ln>
+            <a:tailEnd type="triangle"/>
+          </a:ln>
+        </p:spPr>
+        <p:style>
+          <a:lnRef idx="2">
+            <a:schemeClr val="accent1"/>
+          </a:lnRef>
+          <a:fillRef idx="0">
+            <a:schemeClr val="accent1"/>
+          </a:fillRef>
+          <a:effectRef idx="1">
+            <a:schemeClr val="accent1"/>
+          </a:effectRef>
+          <a:fontRef idx="minor">
+            <a:schemeClr val="tx1"/>
+          </a:fontRef>
+        </p:style>
+      </p:cxnSp>
+      <p:cxnSp>
+        <p:nvCxnSpPr>
+          <p:cNvPr id="19" name="Straight Connector 18">
+            <a:extLst>
+              <a:ext uri="{FF2B5EF4-FFF2-40B4-BE49-F238E27FC236}">
+                <a16:creationId xmlns:a16="http://schemas.microsoft.com/office/drawing/2014/main" id="{5C35936B-1325-C650-3B17-AC0F166F5450}"/>
+              </a:ext>
+            </a:extLst>
+          </p:cNvPr>
+          <p:cNvCxnSpPr/>
+          <p:nvPr/>
+        </p:nvCxnSpPr>
+        <p:spPr>
+          <a:xfrm flipV="1">
+            <a:off x="8725711" y="80387"/>
+            <a:ext cx="0" cy="622998"/>
+          </a:xfrm>
+          <a:prstGeom prst="line">
+            <a:avLst/>
+          </a:prstGeom>
+        </p:spPr>
+        <p:style>
+          <a:lnRef idx="2">
+            <a:schemeClr val="accent1"/>
+          </a:lnRef>
+          <a:fillRef idx="0">
+            <a:schemeClr val="accent1"/>
+          </a:fillRef>
+          <a:effectRef idx="1">
+            <a:schemeClr val="accent1"/>
+          </a:effectRef>
+          <a:fontRef idx="minor">
+            <a:schemeClr val="tx1"/>
+          </a:fontRef>
+        </p:style>
+      </p:cxnSp>
+      <p:cxnSp>
+        <p:nvCxnSpPr>
+          <p:cNvPr id="21" name="Straight Arrow Connector 20">
+            <a:extLst>
+              <a:ext uri="{FF2B5EF4-FFF2-40B4-BE49-F238E27FC236}">
+                <a16:creationId xmlns:a16="http://schemas.microsoft.com/office/drawing/2014/main" id="{7DD6E884-E7C9-96F7-88DE-DC30AADC0597}"/>
+              </a:ext>
+            </a:extLst>
+          </p:cNvPr>
+          <p:cNvCxnSpPr/>
+          <p:nvPr/>
+        </p:nvCxnSpPr>
+        <p:spPr>
+          <a:xfrm>
+            <a:off x="7801583" y="391886"/>
+            <a:ext cx="894945" cy="0"/>
+          </a:xfrm>
+          <a:prstGeom prst="straightConnector1">
+            <a:avLst/>
+          </a:prstGeom>
+          <a:ln>
+            <a:tailEnd type="triangle"/>
+          </a:ln>
+        </p:spPr>
+        <p:style>
+          <a:lnRef idx="2">
+            <a:schemeClr val="accent1"/>
+          </a:lnRef>
+          <a:fillRef idx="0">
+            <a:schemeClr val="accent1"/>
+          </a:fillRef>
+          <a:effectRef idx="1">
+            <a:schemeClr val="accent1"/>
+          </a:effectRef>
+          <a:fontRef idx="minor">
+            <a:schemeClr val="tx1"/>
+          </a:fontRef>
+        </p:style>
+      </p:cxnSp>
+      <p:cxnSp>
+        <p:nvCxnSpPr>
+          <p:cNvPr id="23" name="Straight Connector 22">
+            <a:extLst>
+              <a:ext uri="{FF2B5EF4-FFF2-40B4-BE49-F238E27FC236}">
+                <a16:creationId xmlns:a16="http://schemas.microsoft.com/office/drawing/2014/main" id="{5B946095-33EC-8DA1-1648-B873A7DA710F}"/>
+              </a:ext>
+            </a:extLst>
+          </p:cNvPr>
+          <p:cNvCxnSpPr>
+            <a:cxnSpLocks/>
+          </p:cNvCxnSpPr>
+          <p:nvPr/>
+        </p:nvCxnSpPr>
+        <p:spPr>
+          <a:xfrm flipH="1">
+            <a:off x="1867711" y="787940"/>
+            <a:ext cx="856034" cy="0"/>
+          </a:xfrm>
+          <a:prstGeom prst="line">
+            <a:avLst/>
+          </a:prstGeom>
+        </p:spPr>
+        <p:style>
+          <a:lnRef idx="2">
+            <a:schemeClr val="accent1"/>
+          </a:lnRef>
+          <a:fillRef idx="0">
+            <a:schemeClr val="accent1"/>
+          </a:fillRef>
+          <a:effectRef idx="1">
+            <a:schemeClr val="accent1"/>
+          </a:effectRef>
+          <a:fontRef idx="minor">
+            <a:schemeClr val="tx1"/>
+          </a:fontRef>
+        </p:style>
+      </p:cxnSp>
+      <p:cxnSp>
+        <p:nvCxnSpPr>
+          <p:cNvPr id="25" name="Straight Connector 24">
+            <a:extLst>
+              <a:ext uri="{FF2B5EF4-FFF2-40B4-BE49-F238E27FC236}">
+                <a16:creationId xmlns:a16="http://schemas.microsoft.com/office/drawing/2014/main" id="{5CFA70FA-7418-9F50-427D-C6DF937CEE07}"/>
+              </a:ext>
+            </a:extLst>
+          </p:cNvPr>
+          <p:cNvCxnSpPr>
+            <a:cxnSpLocks/>
+            <a:endCxn id="5" idx="3"/>
+          </p:cNvCxnSpPr>
+          <p:nvPr/>
+        </p:nvCxnSpPr>
+        <p:spPr>
+          <a:xfrm>
+            <a:off x="2235116" y="3652970"/>
+            <a:ext cx="367406" cy="0"/>
+          </a:xfrm>
+          <a:prstGeom prst="line">
+            <a:avLst/>
+          </a:prstGeom>
+        </p:spPr>
+        <p:style>
+          <a:lnRef idx="2">
+            <a:schemeClr val="accent1"/>
+          </a:lnRef>
+          <a:fillRef idx="0">
+            <a:schemeClr val="accent1"/>
+          </a:fillRef>
+          <a:effectRef idx="1">
+            <a:schemeClr val="accent1"/>
+          </a:effectRef>
+          <a:fontRef idx="minor">
+            <a:schemeClr val="tx1"/>
+          </a:fontRef>
+        </p:style>
+      </p:cxnSp>
+      <p:cxnSp>
+        <p:nvCxnSpPr>
+          <p:cNvPr id="28" name="Straight Connector 27">
+            <a:extLst>
+              <a:ext uri="{FF2B5EF4-FFF2-40B4-BE49-F238E27FC236}">
+                <a16:creationId xmlns:a16="http://schemas.microsoft.com/office/drawing/2014/main" id="{374A1FFB-E610-E95E-B19F-04DCB58F0F36}"/>
+              </a:ext>
+            </a:extLst>
+          </p:cNvPr>
+          <p:cNvCxnSpPr/>
+          <p:nvPr/>
+        </p:nvCxnSpPr>
+        <p:spPr>
+          <a:xfrm flipH="1">
+            <a:off x="1867711" y="6439711"/>
+            <a:ext cx="734811" cy="0"/>
+          </a:xfrm>
+          <a:prstGeom prst="line">
+            <a:avLst/>
+          </a:prstGeom>
+        </p:spPr>
+        <p:style>
+          <a:lnRef idx="2">
+            <a:schemeClr val="accent1"/>
+          </a:lnRef>
+          <a:fillRef idx="0">
+            <a:schemeClr val="accent1"/>
+          </a:fillRef>
+          <a:effectRef idx="1">
+            <a:schemeClr val="accent1"/>
+          </a:effectRef>
+          <a:fontRef idx="minor">
+            <a:schemeClr val="tx1"/>
+          </a:fontRef>
+        </p:style>
+      </p:cxnSp>
+      <p:cxnSp>
+        <p:nvCxnSpPr>
+          <p:cNvPr id="30" name="Straight Arrow Connector 29">
+            <a:extLst>
+              <a:ext uri="{FF2B5EF4-FFF2-40B4-BE49-F238E27FC236}">
+                <a16:creationId xmlns:a16="http://schemas.microsoft.com/office/drawing/2014/main" id="{73C86588-8ED1-3659-9E2A-E253DADE2A46}"/>
+              </a:ext>
+            </a:extLst>
+          </p:cNvPr>
+          <p:cNvCxnSpPr/>
+          <p:nvPr/>
+        </p:nvCxnSpPr>
+        <p:spPr>
+          <a:xfrm flipV="1">
+            <a:off x="2332393" y="787940"/>
+            <a:ext cx="0" cy="710120"/>
+          </a:xfrm>
+          <a:prstGeom prst="straightConnector1">
+            <a:avLst/>
+          </a:prstGeom>
+          <a:ln>
+            <a:tailEnd type="triangle"/>
+          </a:ln>
+        </p:spPr>
+        <p:style>
+          <a:lnRef idx="2">
+            <a:schemeClr val="accent1"/>
+          </a:lnRef>
+          <a:fillRef idx="0">
+            <a:schemeClr val="accent1"/>
+          </a:fillRef>
+          <a:effectRef idx="1">
+            <a:schemeClr val="accent1"/>
+          </a:effectRef>
+          <a:fontRef idx="minor">
+            <a:schemeClr val="tx1"/>
+          </a:fontRef>
+        </p:style>
+      </p:cxnSp>
+      <p:cxnSp>
+        <p:nvCxnSpPr>
+          <p:cNvPr id="32" name="Straight Arrow Connector 31">
+            <a:extLst>
+              <a:ext uri="{FF2B5EF4-FFF2-40B4-BE49-F238E27FC236}">
+                <a16:creationId xmlns:a16="http://schemas.microsoft.com/office/drawing/2014/main" id="{D79418DD-92C7-0D8D-E902-3265EA6DBBFC}"/>
+              </a:ext>
+            </a:extLst>
+          </p:cNvPr>
+          <p:cNvCxnSpPr/>
+          <p:nvPr/>
+        </p:nvCxnSpPr>
+        <p:spPr>
+          <a:xfrm>
+            <a:off x="2332393" y="1760706"/>
+            <a:ext cx="0" cy="1892263"/>
+          </a:xfrm>
+          <a:prstGeom prst="straightConnector1">
+            <a:avLst/>
+          </a:prstGeom>
+          <a:ln>
+            <a:tailEnd type="triangle"/>
+          </a:ln>
+        </p:spPr>
+        <p:style>
+          <a:lnRef idx="2">
+            <a:schemeClr val="accent1"/>
+          </a:lnRef>
+          <a:fillRef idx="0">
+            <a:schemeClr val="accent1"/>
+          </a:fillRef>
+          <a:effectRef idx="1">
+            <a:schemeClr val="accent1"/>
+          </a:effectRef>
+          <a:fontRef idx="minor">
+            <a:schemeClr val="tx1"/>
+          </a:fontRef>
+        </p:style>
+      </p:cxnSp>
+      <p:cxnSp>
+        <p:nvCxnSpPr>
+          <p:cNvPr id="35" name="Straight Arrow Connector 34">
+            <a:extLst>
+              <a:ext uri="{FF2B5EF4-FFF2-40B4-BE49-F238E27FC236}">
+                <a16:creationId xmlns:a16="http://schemas.microsoft.com/office/drawing/2014/main" id="{4F024290-7F9D-E571-D4A0-A3FBF500F984}"/>
+              </a:ext>
+            </a:extLst>
+          </p:cNvPr>
+          <p:cNvCxnSpPr/>
+          <p:nvPr/>
+        </p:nvCxnSpPr>
+        <p:spPr>
+          <a:xfrm flipV="1">
+            <a:off x="2062264" y="787940"/>
+            <a:ext cx="0" cy="4863830"/>
+          </a:xfrm>
+          <a:prstGeom prst="straightConnector1">
+            <a:avLst/>
+          </a:prstGeom>
+          <a:ln>
+            <a:tailEnd type="triangle"/>
+          </a:ln>
+        </p:spPr>
+        <p:style>
+          <a:lnRef idx="2">
+            <a:schemeClr val="accent1"/>
+          </a:lnRef>
+          <a:fillRef idx="0">
+            <a:schemeClr val="accent1"/>
+          </a:fillRef>
+          <a:effectRef idx="1">
+            <a:schemeClr val="accent1"/>
+          </a:effectRef>
+          <a:fontRef idx="minor">
+            <a:schemeClr val="tx1"/>
+          </a:fontRef>
+        </p:style>
+      </p:cxnSp>
+      <p:cxnSp>
+        <p:nvCxnSpPr>
+          <p:cNvPr id="38" name="Straight Arrow Connector 37">
+            <a:extLst>
+              <a:ext uri="{FF2B5EF4-FFF2-40B4-BE49-F238E27FC236}">
+                <a16:creationId xmlns:a16="http://schemas.microsoft.com/office/drawing/2014/main" id="{59F63A00-5303-5C26-A115-E1A786C6F7A6}"/>
+              </a:ext>
+            </a:extLst>
+          </p:cNvPr>
+          <p:cNvCxnSpPr/>
+          <p:nvPr/>
+        </p:nvCxnSpPr>
+        <p:spPr>
+          <a:xfrm>
+            <a:off x="2062264" y="6050604"/>
+            <a:ext cx="0" cy="389107"/>
+          </a:xfrm>
+          <a:prstGeom prst="straightConnector1">
+            <a:avLst/>
+          </a:prstGeom>
+          <a:ln>
+            <a:tailEnd type="triangle"/>
+          </a:ln>
+        </p:spPr>
+        <p:style>
+          <a:lnRef idx="2">
+            <a:schemeClr val="accent1"/>
+          </a:lnRef>
+          <a:fillRef idx="0">
+            <a:schemeClr val="accent1"/>
+          </a:fillRef>
+          <a:effectRef idx="1">
+            <a:schemeClr val="accent1"/>
+          </a:effectRef>
+          <a:fontRef idx="minor">
+            <a:schemeClr val="tx1"/>
+          </a:fontRef>
+        </p:style>
+      </p:cxnSp>
+      <p:sp>
+        <p:nvSpPr>
+          <p:cNvPr id="39" name="TextBox 38">
+            <a:extLst>
+              <a:ext uri="{FF2B5EF4-FFF2-40B4-BE49-F238E27FC236}">
+                <a16:creationId xmlns:a16="http://schemas.microsoft.com/office/drawing/2014/main" id="{602B75DE-B760-C9A3-6E6F-9DA1A11BDA28}"/>
+              </a:ext>
+            </a:extLst>
+          </p:cNvPr>
+          <p:cNvSpPr txBox="1"/>
+          <p:nvPr/>
+        </p:nvSpPr>
+        <p:spPr>
+          <a:xfrm>
+            <a:off x="1867711" y="1498060"/>
+            <a:ext cx="1026213" cy="369332"/>
+          </a:xfrm>
+          <a:prstGeom prst="rect">
+            <a:avLst/>
+          </a:prstGeom>
+          <a:noFill/>
+        </p:spPr>
+        <p:txBody>
+          <a:bodyPr wrap="square" rtlCol="0">
+            <a:spAutoFit/>
+          </a:bodyPr>
+          <a:lstStyle/>
+          <a:p>
+            <a:pPr algn="ctr"/>
+            <a:r>
+              <a:rPr lang="en-US" dirty="0"/>
+              <a:t>13’- 3”</a:t>
+            </a:r>
+          </a:p>
+        </p:txBody>
+      </p:sp>
+      <p:sp>
+        <p:nvSpPr>
+          <p:cNvPr id="40" name="TextBox 39">
+            <a:extLst>
+              <a:ext uri="{FF2B5EF4-FFF2-40B4-BE49-F238E27FC236}">
+                <a16:creationId xmlns:a16="http://schemas.microsoft.com/office/drawing/2014/main" id="{67501CA7-EF96-2D51-8A6E-B1D28591D209}"/>
+              </a:ext>
+            </a:extLst>
+          </p:cNvPr>
+          <p:cNvSpPr txBox="1"/>
+          <p:nvPr/>
+        </p:nvSpPr>
+        <p:spPr>
+          <a:xfrm>
+            <a:off x="1678395" y="5690998"/>
+            <a:ext cx="856034" cy="369332"/>
+          </a:xfrm>
+          <a:prstGeom prst="rect">
+            <a:avLst/>
+          </a:prstGeom>
+          <a:noFill/>
+        </p:spPr>
+        <p:txBody>
+          <a:bodyPr wrap="square" rtlCol="0">
+            <a:spAutoFit/>
+          </a:bodyPr>
+          <a:lstStyle/>
+          <a:p>
+            <a:r>
+              <a:rPr lang="en-US" dirty="0"/>
+              <a:t>26’- 7”</a:t>
+            </a:r>
+          </a:p>
+        </p:txBody>
+      </p:sp>
+      <p:sp>
+        <p:nvSpPr>
+          <p:cNvPr id="3" name="TextBox 2">
+            <a:extLst>
+              <a:ext uri="{FF2B5EF4-FFF2-40B4-BE49-F238E27FC236}">
+                <a16:creationId xmlns:a16="http://schemas.microsoft.com/office/drawing/2014/main" id="{7BCECEE9-5407-DB14-8494-C9B6CE444FCF}"/>
+              </a:ext>
+            </a:extLst>
+          </p:cNvPr>
+          <p:cNvSpPr txBox="1"/>
+          <p:nvPr/>
+        </p:nvSpPr>
+        <p:spPr>
+          <a:xfrm>
+            <a:off x="8769379" y="897102"/>
+            <a:ext cx="1717482" cy="400110"/>
+          </a:xfrm>
+          <a:prstGeom prst="rect">
+            <a:avLst/>
+          </a:prstGeom>
+          <a:noFill/>
+        </p:spPr>
+        <p:txBody>
+          <a:bodyPr wrap="square" rtlCol="0">
+            <a:spAutoFit/>
+          </a:bodyPr>
+          <a:lstStyle/>
+          <a:p>
+            <a:r>
+              <a:rPr lang="en-US" sz="2000" dirty="0"/>
+              <a:t>Neutral   Zone</a:t>
+            </a:r>
+          </a:p>
+        </p:txBody>
+      </p:sp>
+      <p:sp>
+        <p:nvSpPr>
+          <p:cNvPr id="4" name="TextBox 3">
+            <a:extLst>
+              <a:ext uri="{FF2B5EF4-FFF2-40B4-BE49-F238E27FC236}">
+                <a16:creationId xmlns:a16="http://schemas.microsoft.com/office/drawing/2014/main" id="{768F0B1E-D6F0-28B9-A18D-828235E52A09}"/>
+              </a:ext>
+            </a:extLst>
+          </p:cNvPr>
+          <p:cNvSpPr txBox="1"/>
+          <p:nvPr/>
+        </p:nvSpPr>
+        <p:spPr>
+          <a:xfrm>
+            <a:off x="2940927" y="817271"/>
+            <a:ext cx="1717482" cy="400110"/>
+          </a:xfrm>
+          <a:prstGeom prst="rect">
+            <a:avLst/>
+          </a:prstGeom>
+          <a:noFill/>
+        </p:spPr>
+        <p:txBody>
+          <a:bodyPr wrap="square" rtlCol="0">
+            <a:spAutoFit/>
+          </a:bodyPr>
+          <a:lstStyle/>
+          <a:p>
+            <a:r>
+              <a:rPr lang="en-US" sz="2000" dirty="0"/>
+              <a:t>Alliance Zone</a:t>
+            </a:r>
+          </a:p>
+        </p:txBody>
+      </p:sp>
+    </p:spTree>
+    <p:extLst>
+      <p:ext uri="{BB962C8B-B14F-4D97-AF65-F5344CB8AC3E}">
+        <p14:creationId xmlns:p14="http://schemas.microsoft.com/office/powerpoint/2010/main" val="3209567277"/>
       </p:ext>
     </p:extLst>
   </p:cSld>
